--- a/Documentation/3. Record alignment by subjects.pptx
+++ b/Documentation/3. Record alignment by subjects.pptx
@@ -213,7 +213,7 @@
           <a:p>
             <a:fld id="{1A21894F-B278-4D96-9594-A030EA633187}" type="datetimeFigureOut">
               <a:rPr lang="it-IT" smtClean="0"/>
-              <a:t>20/08/2024</a:t>
+              <a:t>03/09/2024</a:t>
             </a:fld>
             <a:endParaRPr lang="it-IT"/>
           </a:p>
@@ -2261,7 +2261,7 @@
           <a:p>
             <a:fld id="{58E4D78B-0F35-4E3B-A0B9-554BA787D8A4}" type="datetime1">
               <a:rPr lang="en-US" smtClean="0"/>
-              <a:t>8/20/2024</a:t>
+              <a:t>9/3/2024</a:t>
             </a:fld>
             <a:endParaRPr lang="en-US"/>
           </a:p>
@@ -2471,7 +2471,7 @@
           <a:p>
             <a:fld id="{604487E5-BE79-4BAC-AEB7-0CE0533B5E5C}" type="datetime1">
               <a:rPr lang="en-US" smtClean="0"/>
-              <a:t>8/20/2024</a:t>
+              <a:t>9/3/2024</a:t>
             </a:fld>
             <a:endParaRPr lang="en-US"/>
           </a:p>
@@ -2671,7 +2671,7 @@
           <a:p>
             <a:fld id="{DDA7E0CB-9E21-49FD-99A0-0CD75BBC45F4}" type="datetime1">
               <a:rPr lang="en-US" smtClean="0"/>
-              <a:t>8/20/2024</a:t>
+              <a:t>9/3/2024</a:t>
             </a:fld>
             <a:endParaRPr lang="en-US"/>
           </a:p>
@@ -2947,7 +2947,7 @@
           <a:p>
             <a:fld id="{661D7149-FE96-419A-8F67-9BD351842985}" type="datetime1">
               <a:rPr lang="en-US" smtClean="0"/>
-              <a:t>8/20/2024</a:t>
+              <a:t>9/3/2024</a:t>
             </a:fld>
             <a:endParaRPr lang="en-US"/>
           </a:p>
@@ -3215,7 +3215,7 @@
           <a:p>
             <a:fld id="{6CA97CEF-DD94-4A20-85BC-5094F3EA8887}" type="datetime1">
               <a:rPr lang="en-US" smtClean="0"/>
-              <a:t>8/20/2024</a:t>
+              <a:t>9/3/2024</a:t>
             </a:fld>
             <a:endParaRPr lang="en-US"/>
           </a:p>
@@ -3630,7 +3630,7 @@
           <a:p>
             <a:fld id="{9862EB4C-45F8-47BA-B435-B6097D61B684}" type="datetime1">
               <a:rPr lang="en-US" smtClean="0"/>
-              <a:t>8/20/2024</a:t>
+              <a:t>9/3/2024</a:t>
             </a:fld>
             <a:endParaRPr lang="en-US"/>
           </a:p>
@@ -3772,7 +3772,7 @@
           <a:p>
             <a:fld id="{FA7CD0E2-B7EC-4D81-9389-8F889EE865AB}" type="datetime1">
               <a:rPr lang="en-US" smtClean="0"/>
-              <a:t>8/20/2024</a:t>
+              <a:t>9/3/2024</a:t>
             </a:fld>
             <a:endParaRPr lang="en-US"/>
           </a:p>
@@ -3885,7 +3885,7 @@
           <a:p>
             <a:fld id="{18B47F5C-7FA0-44DA-BF82-413AB90208B7}" type="datetime1">
               <a:rPr lang="en-US" smtClean="0"/>
-              <a:t>8/20/2024</a:t>
+              <a:t>9/3/2024</a:t>
             </a:fld>
             <a:endParaRPr lang="en-US"/>
           </a:p>
@@ -4198,7 +4198,7 @@
           <a:p>
             <a:fld id="{403415A8-F8BD-47CC-8D20-53798396961D}" type="datetime1">
               <a:rPr lang="en-US" smtClean="0"/>
-              <a:t>8/20/2024</a:t>
+              <a:t>9/3/2024</a:t>
             </a:fld>
             <a:endParaRPr lang="en-US"/>
           </a:p>
@@ -4487,7 +4487,7 @@
           <a:p>
             <a:fld id="{6A12F5A1-6669-4CDD-B1B4-04FFE5C41ADE}" type="datetime1">
               <a:rPr lang="en-US" smtClean="0"/>
-              <a:t>8/20/2024</a:t>
+              <a:t>9/3/2024</a:t>
             </a:fld>
             <a:endParaRPr lang="en-US"/>
           </a:p>
@@ -4691,7 +4691,7 @@
           <a:p>
             <a:fld id="{63421662-C242-4258-8799-9F32C0D7CC75}" type="datetime1">
               <a:rPr lang="en-US" smtClean="0"/>
-              <a:t>8/20/2024</a:t>
+              <a:t>9/3/2024</a:t>
             </a:fld>
             <a:endParaRPr lang="en-US"/>
           </a:p>

--- a/Documentation/3. Record alignment by subjects.pptx
+++ b/Documentation/3. Record alignment by subjects.pptx
@@ -5,7 +5,7 @@
     <p:sldMasterId id="2147483661" r:id="rId1"/>
   </p:sldMasterIdLst>
   <p:notesMasterIdLst>
-    <p:notesMasterId r:id="rId19"/>
+    <p:notesMasterId r:id="rId20"/>
   </p:notesMasterIdLst>
   <p:sldIdLst>
     <p:sldId id="573" r:id="rId2"/>
@@ -13,18 +13,19 @@
     <p:sldId id="613" r:id="rId4"/>
     <p:sldId id="575" r:id="rId5"/>
     <p:sldId id="611" r:id="rId6"/>
-    <p:sldId id="612" r:id="rId7"/>
-    <p:sldId id="576" r:id="rId8"/>
-    <p:sldId id="614" r:id="rId9"/>
-    <p:sldId id="577" r:id="rId10"/>
-    <p:sldId id="615" r:id="rId11"/>
-    <p:sldId id="616" r:id="rId12"/>
-    <p:sldId id="617" r:id="rId13"/>
-    <p:sldId id="618" r:id="rId14"/>
-    <p:sldId id="619" r:id="rId15"/>
-    <p:sldId id="607" r:id="rId16"/>
-    <p:sldId id="620" r:id="rId17"/>
-    <p:sldId id="600" r:id="rId18"/>
+    <p:sldId id="621" r:id="rId7"/>
+    <p:sldId id="612" r:id="rId8"/>
+    <p:sldId id="576" r:id="rId9"/>
+    <p:sldId id="614" r:id="rId10"/>
+    <p:sldId id="577" r:id="rId11"/>
+    <p:sldId id="615" r:id="rId12"/>
+    <p:sldId id="616" r:id="rId13"/>
+    <p:sldId id="617" r:id="rId14"/>
+    <p:sldId id="618" r:id="rId15"/>
+    <p:sldId id="619" r:id="rId16"/>
+    <p:sldId id="607" r:id="rId17"/>
+    <p:sldId id="620" r:id="rId18"/>
+    <p:sldId id="600" r:id="rId19"/>
   </p:sldIdLst>
   <p:sldSz cx="12192000" cy="6858000"/>
   <p:notesSz cx="6858000" cy="9144000"/>
@@ -213,7 +214,7 @@
           <a:p>
             <a:fld id="{1A21894F-B278-4D96-9594-A030EA633187}" type="datetimeFigureOut">
               <a:rPr lang="it-IT" smtClean="0"/>
-              <a:t>03/09/2024</a:t>
+              <a:t>06/09/2024</a:t>
             </a:fld>
             <a:endParaRPr lang="it-IT"/>
           </a:p>
@@ -638,7 +639,7 @@
     </p:spTree>
     <p:extLst>
       <p:ext uri="{BB962C8B-B14F-4D97-AF65-F5344CB8AC3E}">
-        <p14:creationId xmlns:p14="http://schemas.microsoft.com/office/powerpoint/2010/main" val="3424200715"/>
+        <p14:creationId xmlns:p14="http://schemas.microsoft.com/office/powerpoint/2010/main" val="1434145770"/>
       </p:ext>
     </p:extLst>
   </p:cSld>
@@ -715,14 +716,14 @@
               <a:rPr lang="en-US" smtClean="0"/>
               <a:t>12</a:t>
             </a:fld>
-            <a:endParaRPr lang="en-US" dirty="0"/>
+            <a:endParaRPr lang="en-US"/>
           </a:p>
         </p:txBody>
       </p:sp>
     </p:spTree>
     <p:extLst>
       <p:ext uri="{BB962C8B-B14F-4D97-AF65-F5344CB8AC3E}">
-        <p14:creationId xmlns:p14="http://schemas.microsoft.com/office/powerpoint/2010/main" val="4127802467"/>
+        <p14:creationId xmlns:p14="http://schemas.microsoft.com/office/powerpoint/2010/main" val="3424200715"/>
       </p:ext>
     </p:extLst>
   </p:cSld>
@@ -799,14 +800,14 @@
               <a:rPr lang="en-US" smtClean="0"/>
               <a:t>13</a:t>
             </a:fld>
-            <a:endParaRPr lang="en-US"/>
+            <a:endParaRPr lang="en-US" dirty="0"/>
           </a:p>
         </p:txBody>
       </p:sp>
     </p:spTree>
     <p:extLst>
       <p:ext uri="{BB962C8B-B14F-4D97-AF65-F5344CB8AC3E}">
-        <p14:creationId xmlns:p14="http://schemas.microsoft.com/office/powerpoint/2010/main" val="3841436728"/>
+        <p14:creationId xmlns:p14="http://schemas.microsoft.com/office/powerpoint/2010/main" val="4127802467"/>
       </p:ext>
     </p:extLst>
   </p:cSld>
@@ -890,7 +891,7 @@
     </p:spTree>
     <p:extLst>
       <p:ext uri="{BB962C8B-B14F-4D97-AF65-F5344CB8AC3E}">
-        <p14:creationId xmlns:p14="http://schemas.microsoft.com/office/powerpoint/2010/main" val="1429229672"/>
+        <p14:creationId xmlns:p14="http://schemas.microsoft.com/office/powerpoint/2010/main" val="3841436728"/>
       </p:ext>
     </p:extLst>
   </p:cSld>
@@ -967,14 +968,14 @@
               <a:rPr lang="en-US" smtClean="0"/>
               <a:t>15</a:t>
             </a:fld>
-            <a:endParaRPr lang="en-US" dirty="0"/>
+            <a:endParaRPr lang="en-US"/>
           </a:p>
         </p:txBody>
       </p:sp>
     </p:spTree>
     <p:extLst>
       <p:ext uri="{BB962C8B-B14F-4D97-AF65-F5344CB8AC3E}">
-        <p14:creationId xmlns:p14="http://schemas.microsoft.com/office/powerpoint/2010/main" val="2384836218"/>
+        <p14:creationId xmlns:p14="http://schemas.microsoft.com/office/powerpoint/2010/main" val="1429229672"/>
       </p:ext>
     </p:extLst>
   </p:cSld>
@@ -1058,7 +1059,7 @@
     </p:spTree>
     <p:extLst>
       <p:ext uri="{BB962C8B-B14F-4D97-AF65-F5344CB8AC3E}">
-        <p14:creationId xmlns:p14="http://schemas.microsoft.com/office/powerpoint/2010/main" val="2819032614"/>
+        <p14:creationId xmlns:p14="http://schemas.microsoft.com/office/powerpoint/2010/main" val="2384836218"/>
       </p:ext>
     </p:extLst>
   </p:cSld>
@@ -1134,6 +1135,90 @@
             <a:fld id="{802E5CB9-2BE2-4860-85EE-BBFABBF2603A}" type="slidenum">
               <a:rPr lang="en-US" smtClean="0"/>
               <a:t>17</a:t>
+            </a:fld>
+            <a:endParaRPr lang="en-US" dirty="0"/>
+          </a:p>
+        </p:txBody>
+      </p:sp>
+    </p:spTree>
+    <p:extLst>
+      <p:ext uri="{BB962C8B-B14F-4D97-AF65-F5344CB8AC3E}">
+        <p14:creationId xmlns:p14="http://schemas.microsoft.com/office/powerpoint/2010/main" val="2819032614"/>
+      </p:ext>
+    </p:extLst>
+  </p:cSld>
+  <p:clrMapOvr>
+    <a:masterClrMapping/>
+  </p:clrMapOvr>
+</p:notes>
+</file>
+
+<file path=ppt/notesSlides/notesSlide17.xml><?xml version="1.0" encoding="utf-8"?>
+<p:notes xmlns:a="http://schemas.openxmlformats.org/drawingml/2006/main" xmlns:r="http://schemas.openxmlformats.org/officeDocument/2006/relationships" xmlns:p="http://schemas.openxmlformats.org/presentationml/2006/main">
+  <p:cSld>
+    <p:spTree>
+      <p:nvGrpSpPr>
+        <p:cNvPr id="1" name=""/>
+        <p:cNvGrpSpPr/>
+        <p:nvPr/>
+      </p:nvGrpSpPr>
+      <p:grpSpPr>
+        <a:xfrm>
+          <a:off x="0" y="0"/>
+          <a:ext cx="0" cy="0"/>
+          <a:chOff x="0" y="0"/>
+          <a:chExt cx="0" cy="0"/>
+        </a:xfrm>
+      </p:grpSpPr>
+      <p:sp>
+        <p:nvSpPr>
+          <p:cNvPr id="2" name="Segnaposto immagine diapositiva 1"/>
+          <p:cNvSpPr>
+            <a:spLocks noGrp="1" noRot="1" noChangeAspect="1"/>
+          </p:cNvSpPr>
+          <p:nvPr>
+            <p:ph type="sldImg"/>
+          </p:nvPr>
+        </p:nvSpPr>
+        <p:spPr/>
+      </p:sp>
+      <p:sp>
+        <p:nvSpPr>
+          <p:cNvPr id="3" name="Segnaposto note 2"/>
+          <p:cNvSpPr>
+            <a:spLocks noGrp="1"/>
+          </p:cNvSpPr>
+          <p:nvPr>
+            <p:ph type="body" idx="1"/>
+          </p:nvPr>
+        </p:nvSpPr>
+        <p:spPr/>
+        <p:txBody>
+          <a:bodyPr/>
+          <a:lstStyle/>
+          <a:p>
+            <a:endParaRPr lang="en-US" dirty="0"/>
+          </a:p>
+        </p:txBody>
+      </p:sp>
+      <p:sp>
+        <p:nvSpPr>
+          <p:cNvPr id="4" name="Segnaposto numero diapositiva 3"/>
+          <p:cNvSpPr>
+            <a:spLocks noGrp="1"/>
+          </p:cNvSpPr>
+          <p:nvPr>
+            <p:ph type="sldNum" sz="quarter" idx="5"/>
+          </p:nvPr>
+        </p:nvSpPr>
+        <p:spPr/>
+        <p:txBody>
+          <a:bodyPr/>
+          <a:lstStyle/>
+          <a:p>
+            <a:fld id="{802E5CB9-2BE2-4860-85EE-BBFABBF2603A}" type="slidenum">
+              <a:rPr lang="en-US" smtClean="0"/>
+              <a:t>18</a:t>
             </a:fld>
             <a:endParaRPr lang="en-US"/>
           </a:p>
@@ -1478,7 +1563,7 @@
     </p:spTree>
     <p:extLst>
       <p:ext uri="{BB962C8B-B14F-4D97-AF65-F5344CB8AC3E}">
-        <p14:creationId xmlns:p14="http://schemas.microsoft.com/office/powerpoint/2010/main" val="1395746049"/>
+        <p14:creationId xmlns:p14="http://schemas.microsoft.com/office/powerpoint/2010/main" val="370170612"/>
       </p:ext>
     </p:extLst>
   </p:cSld>
@@ -1555,14 +1640,14 @@
               <a:rPr lang="en-US" smtClean="0"/>
               <a:t>7</a:t>
             </a:fld>
-            <a:endParaRPr lang="en-US"/>
+            <a:endParaRPr lang="en-US" dirty="0"/>
           </a:p>
         </p:txBody>
       </p:sp>
     </p:spTree>
     <p:extLst>
       <p:ext uri="{BB962C8B-B14F-4D97-AF65-F5344CB8AC3E}">
-        <p14:creationId xmlns:p14="http://schemas.microsoft.com/office/powerpoint/2010/main" val="2534219328"/>
+        <p14:creationId xmlns:p14="http://schemas.microsoft.com/office/powerpoint/2010/main" val="1395746049"/>
       </p:ext>
     </p:extLst>
   </p:cSld>
@@ -1639,14 +1724,14 @@
               <a:rPr lang="en-US" smtClean="0"/>
               <a:t>8</a:t>
             </a:fld>
-            <a:endParaRPr lang="en-US" dirty="0"/>
+            <a:endParaRPr lang="en-US"/>
           </a:p>
         </p:txBody>
       </p:sp>
     </p:spTree>
     <p:extLst>
       <p:ext uri="{BB962C8B-B14F-4D97-AF65-F5344CB8AC3E}">
-        <p14:creationId xmlns:p14="http://schemas.microsoft.com/office/powerpoint/2010/main" val="3132441205"/>
+        <p14:creationId xmlns:p14="http://schemas.microsoft.com/office/powerpoint/2010/main" val="2534219328"/>
       </p:ext>
     </p:extLst>
   </p:cSld>
@@ -1723,14 +1808,14 @@
               <a:rPr lang="en-US" smtClean="0"/>
               <a:t>9</a:t>
             </a:fld>
-            <a:endParaRPr lang="en-US"/>
+            <a:endParaRPr lang="en-US" dirty="0"/>
           </a:p>
         </p:txBody>
       </p:sp>
     </p:spTree>
     <p:extLst>
       <p:ext uri="{BB962C8B-B14F-4D97-AF65-F5344CB8AC3E}">
-        <p14:creationId xmlns:p14="http://schemas.microsoft.com/office/powerpoint/2010/main" val="2399769669"/>
+        <p14:creationId xmlns:p14="http://schemas.microsoft.com/office/powerpoint/2010/main" val="3132441205"/>
       </p:ext>
     </p:extLst>
   </p:cSld>
@@ -1814,7 +1899,7 @@
     </p:spTree>
     <p:extLst>
       <p:ext uri="{BB962C8B-B14F-4D97-AF65-F5344CB8AC3E}">
-        <p14:creationId xmlns:p14="http://schemas.microsoft.com/office/powerpoint/2010/main" val="1434145770"/>
+        <p14:creationId xmlns:p14="http://schemas.microsoft.com/office/powerpoint/2010/main" val="2399769669"/>
       </p:ext>
     </p:extLst>
   </p:cSld>
@@ -2261,7 +2346,7 @@
           <a:p>
             <a:fld id="{58E4D78B-0F35-4E3B-A0B9-554BA787D8A4}" type="datetime1">
               <a:rPr lang="en-US" smtClean="0"/>
-              <a:t>9/3/2024</a:t>
+              <a:t>9/6/2024</a:t>
             </a:fld>
             <a:endParaRPr lang="en-US"/>
           </a:p>
@@ -2471,7 +2556,7 @@
           <a:p>
             <a:fld id="{604487E5-BE79-4BAC-AEB7-0CE0533B5E5C}" type="datetime1">
               <a:rPr lang="en-US" smtClean="0"/>
-              <a:t>9/3/2024</a:t>
+              <a:t>9/6/2024</a:t>
             </a:fld>
             <a:endParaRPr lang="en-US"/>
           </a:p>
@@ -2671,7 +2756,7 @@
           <a:p>
             <a:fld id="{DDA7E0CB-9E21-49FD-99A0-0CD75BBC45F4}" type="datetime1">
               <a:rPr lang="en-US" smtClean="0"/>
-              <a:t>9/3/2024</a:t>
+              <a:t>9/6/2024</a:t>
             </a:fld>
             <a:endParaRPr lang="en-US"/>
           </a:p>
@@ -2947,7 +3032,7 @@
           <a:p>
             <a:fld id="{661D7149-FE96-419A-8F67-9BD351842985}" type="datetime1">
               <a:rPr lang="en-US" smtClean="0"/>
-              <a:t>9/3/2024</a:t>
+              <a:t>9/6/2024</a:t>
             </a:fld>
             <a:endParaRPr lang="en-US"/>
           </a:p>
@@ -3215,7 +3300,7 @@
           <a:p>
             <a:fld id="{6CA97CEF-DD94-4A20-85BC-5094F3EA8887}" type="datetime1">
               <a:rPr lang="en-US" smtClean="0"/>
-              <a:t>9/3/2024</a:t>
+              <a:t>9/6/2024</a:t>
             </a:fld>
             <a:endParaRPr lang="en-US"/>
           </a:p>
@@ -3630,7 +3715,7 @@
           <a:p>
             <a:fld id="{9862EB4C-45F8-47BA-B435-B6097D61B684}" type="datetime1">
               <a:rPr lang="en-US" smtClean="0"/>
-              <a:t>9/3/2024</a:t>
+              <a:t>9/6/2024</a:t>
             </a:fld>
             <a:endParaRPr lang="en-US"/>
           </a:p>
@@ -3772,7 +3857,7 @@
           <a:p>
             <a:fld id="{FA7CD0E2-B7EC-4D81-9389-8F889EE865AB}" type="datetime1">
               <a:rPr lang="en-US" smtClean="0"/>
-              <a:t>9/3/2024</a:t>
+              <a:t>9/6/2024</a:t>
             </a:fld>
             <a:endParaRPr lang="en-US"/>
           </a:p>
@@ -3885,7 +3970,7 @@
           <a:p>
             <a:fld id="{18B47F5C-7FA0-44DA-BF82-413AB90208B7}" type="datetime1">
               <a:rPr lang="en-US" smtClean="0"/>
-              <a:t>9/3/2024</a:t>
+              <a:t>9/6/2024</a:t>
             </a:fld>
             <a:endParaRPr lang="en-US"/>
           </a:p>
@@ -4198,7 +4283,7 @@
           <a:p>
             <a:fld id="{403415A8-F8BD-47CC-8D20-53798396961D}" type="datetime1">
               <a:rPr lang="en-US" smtClean="0"/>
-              <a:t>9/3/2024</a:t>
+              <a:t>9/6/2024</a:t>
             </a:fld>
             <a:endParaRPr lang="en-US"/>
           </a:p>
@@ -4487,7 +4572,7 @@
           <a:p>
             <a:fld id="{6A12F5A1-6669-4CDD-B1B4-04FFE5C41ADE}" type="datetime1">
               <a:rPr lang="en-US" smtClean="0"/>
-              <a:t>9/3/2024</a:t>
+              <a:t>9/6/2024</a:t>
             </a:fld>
             <a:endParaRPr lang="en-US"/>
           </a:p>
@@ -4691,7 +4776,7 @@
           <a:p>
             <a:fld id="{63421662-C242-4258-8799-9F32C0D7CC75}" type="datetime1">
               <a:rPr lang="en-US" smtClean="0"/>
-              <a:t>9/3/2024</a:t>
+              <a:t>9/6/2024</a:t>
             </a:fld>
             <a:endParaRPr lang="en-US"/>
           </a:p>
@@ -5719,7 +5804,7 @@
           <a:p>
             <a:r>
               <a:rPr lang="en-US" dirty="0"/>
-              <a:t>Strategy 1: results</a:t>
+              <a:t>Traces alignment: strategy 1</a:t>
             </a:r>
           </a:p>
         </p:txBody>
@@ -5748,6 +5833,1405 @@
             <a:fld id="{2FA0223F-D95A-431D-9A71-EDA7FA0C2F5B}" type="slidenum">
               <a:rPr lang="en-US" smtClean="0"/>
               <a:t>10</a:t>
+            </a:fld>
+            <a:endParaRPr lang="en-US"/>
+          </a:p>
+        </p:txBody>
+      </p:sp>
+      <mc:AlternateContent xmlns:mc="http://schemas.openxmlformats.org/markup-compatibility/2006" xmlns:a14="http://schemas.microsoft.com/office/drawing/2010/main">
+        <mc:Choice Requires="a14">
+          <p:sp>
+            <p:nvSpPr>
+              <p:cNvPr id="6" name="Segnaposto contenuto 2">
+                <a:extLst>
+                  <a:ext uri="{FF2B5EF4-FFF2-40B4-BE49-F238E27FC236}">
+                    <a16:creationId xmlns:a16="http://schemas.microsoft.com/office/drawing/2014/main" id="{D9704C79-DF15-E314-C934-557E33389704}"/>
+                  </a:ext>
+                </a:extLst>
+              </p:cNvPr>
+              <p:cNvSpPr txBox="1">
+                <a:spLocks/>
+              </p:cNvSpPr>
+              <p:nvPr/>
+            </p:nvSpPr>
+            <p:spPr>
+              <a:xfrm>
+                <a:off x="342103" y="1432423"/>
+                <a:ext cx="5455194" cy="4712345"/>
+              </a:xfrm>
+              <a:prstGeom prst="rect">
+                <a:avLst/>
+              </a:prstGeom>
+            </p:spPr>
+            <p:txBody>
+              <a:bodyPr vert="horz" lIns="91440" tIns="45720" rIns="91440" bIns="45720" rtlCol="0">
+                <a:noAutofit/>
+              </a:bodyPr>
+              <a:lstStyle>
+                <a:lvl1pPr marL="228600" indent="-228600" algn="l" defTabSz="914400" rtl="0" eaLnBrk="1" latinLnBrk="0" hangingPunct="1">
+                  <a:lnSpc>
+                    <a:spcPct val="90000"/>
+                  </a:lnSpc>
+                  <a:spcBef>
+                    <a:spcPts val="1000"/>
+                  </a:spcBef>
+                  <a:buFont typeface="Arial" panose="020B0604020202020204" pitchFamily="34" charset="0"/>
+                  <a:buChar char="•"/>
+                  <a:defRPr sz="2800" kern="1200">
+                    <a:solidFill>
+                      <a:schemeClr val="tx1"/>
+                    </a:solidFill>
+                    <a:latin typeface="+mn-lt"/>
+                    <a:ea typeface="+mn-ea"/>
+                    <a:cs typeface="+mn-cs"/>
+                  </a:defRPr>
+                </a:lvl1pPr>
+                <a:lvl2pPr marL="685800" indent="-228600" algn="l" defTabSz="914400" rtl="0" eaLnBrk="1" latinLnBrk="0" hangingPunct="1">
+                  <a:lnSpc>
+                    <a:spcPct val="90000"/>
+                  </a:lnSpc>
+                  <a:spcBef>
+                    <a:spcPts val="500"/>
+                  </a:spcBef>
+                  <a:buFont typeface="Arial" panose="020B0604020202020204" pitchFamily="34" charset="0"/>
+                  <a:buChar char="•"/>
+                  <a:defRPr sz="2400" kern="1200">
+                    <a:solidFill>
+                      <a:schemeClr val="tx1"/>
+                    </a:solidFill>
+                    <a:latin typeface="+mn-lt"/>
+                    <a:ea typeface="+mn-ea"/>
+                    <a:cs typeface="+mn-cs"/>
+                  </a:defRPr>
+                </a:lvl2pPr>
+                <a:lvl3pPr marL="1143000" indent="-228600" algn="l" defTabSz="914400" rtl="0" eaLnBrk="1" latinLnBrk="0" hangingPunct="1">
+                  <a:lnSpc>
+                    <a:spcPct val="90000"/>
+                  </a:lnSpc>
+                  <a:spcBef>
+                    <a:spcPts val="500"/>
+                  </a:spcBef>
+                  <a:buFont typeface="Arial" panose="020B0604020202020204" pitchFamily="34" charset="0"/>
+                  <a:buChar char="•"/>
+                  <a:defRPr sz="2000" kern="1200">
+                    <a:solidFill>
+                      <a:schemeClr val="tx1"/>
+                    </a:solidFill>
+                    <a:latin typeface="+mn-lt"/>
+                    <a:ea typeface="+mn-ea"/>
+                    <a:cs typeface="+mn-cs"/>
+                  </a:defRPr>
+                </a:lvl3pPr>
+                <a:lvl4pPr marL="1600200" indent="-228600" algn="l" defTabSz="914400" rtl="0" eaLnBrk="1" latinLnBrk="0" hangingPunct="1">
+                  <a:lnSpc>
+                    <a:spcPct val="90000"/>
+                  </a:lnSpc>
+                  <a:spcBef>
+                    <a:spcPts val="500"/>
+                  </a:spcBef>
+                  <a:buFont typeface="Arial" panose="020B0604020202020204" pitchFamily="34" charset="0"/>
+                  <a:buChar char="•"/>
+                  <a:defRPr sz="1800" kern="1200">
+                    <a:solidFill>
+                      <a:schemeClr val="tx1"/>
+                    </a:solidFill>
+                    <a:latin typeface="+mn-lt"/>
+                    <a:ea typeface="+mn-ea"/>
+                    <a:cs typeface="+mn-cs"/>
+                  </a:defRPr>
+                </a:lvl4pPr>
+                <a:lvl5pPr marL="2057400" indent="-228600" algn="l" defTabSz="914400" rtl="0" eaLnBrk="1" latinLnBrk="0" hangingPunct="1">
+                  <a:lnSpc>
+                    <a:spcPct val="90000"/>
+                  </a:lnSpc>
+                  <a:spcBef>
+                    <a:spcPts val="500"/>
+                  </a:spcBef>
+                  <a:buFont typeface="Arial" panose="020B0604020202020204" pitchFamily="34" charset="0"/>
+                  <a:buChar char="•"/>
+                  <a:defRPr sz="1800" kern="1200">
+                    <a:solidFill>
+                      <a:schemeClr val="tx1"/>
+                    </a:solidFill>
+                    <a:latin typeface="+mn-lt"/>
+                    <a:ea typeface="+mn-ea"/>
+                    <a:cs typeface="+mn-cs"/>
+                  </a:defRPr>
+                </a:lvl5pPr>
+                <a:lvl6pPr marL="2514600" indent="-228600" algn="l" defTabSz="914400" rtl="0" eaLnBrk="1" latinLnBrk="0" hangingPunct="1">
+                  <a:lnSpc>
+                    <a:spcPct val="90000"/>
+                  </a:lnSpc>
+                  <a:spcBef>
+                    <a:spcPts val="500"/>
+                  </a:spcBef>
+                  <a:buFont typeface="Arial" panose="020B0604020202020204" pitchFamily="34" charset="0"/>
+                  <a:buChar char="•"/>
+                  <a:defRPr sz="1800" kern="1200">
+                    <a:solidFill>
+                      <a:schemeClr val="tx1"/>
+                    </a:solidFill>
+                    <a:latin typeface="+mn-lt"/>
+                    <a:ea typeface="+mn-ea"/>
+                    <a:cs typeface="+mn-cs"/>
+                  </a:defRPr>
+                </a:lvl6pPr>
+                <a:lvl7pPr marL="2971800" indent="-228600" algn="l" defTabSz="914400" rtl="0" eaLnBrk="1" latinLnBrk="0" hangingPunct="1">
+                  <a:lnSpc>
+                    <a:spcPct val="90000"/>
+                  </a:lnSpc>
+                  <a:spcBef>
+                    <a:spcPts val="500"/>
+                  </a:spcBef>
+                  <a:buFont typeface="Arial" panose="020B0604020202020204" pitchFamily="34" charset="0"/>
+                  <a:buChar char="•"/>
+                  <a:defRPr sz="1800" kern="1200">
+                    <a:solidFill>
+                      <a:schemeClr val="tx1"/>
+                    </a:solidFill>
+                    <a:latin typeface="+mn-lt"/>
+                    <a:ea typeface="+mn-ea"/>
+                    <a:cs typeface="+mn-cs"/>
+                  </a:defRPr>
+                </a:lvl7pPr>
+                <a:lvl8pPr marL="3429000" indent="-228600" algn="l" defTabSz="914400" rtl="0" eaLnBrk="1" latinLnBrk="0" hangingPunct="1">
+                  <a:lnSpc>
+                    <a:spcPct val="90000"/>
+                  </a:lnSpc>
+                  <a:spcBef>
+                    <a:spcPts val="500"/>
+                  </a:spcBef>
+                  <a:buFont typeface="Arial" panose="020B0604020202020204" pitchFamily="34" charset="0"/>
+                  <a:buChar char="•"/>
+                  <a:defRPr sz="1800" kern="1200">
+                    <a:solidFill>
+                      <a:schemeClr val="tx1"/>
+                    </a:solidFill>
+                    <a:latin typeface="+mn-lt"/>
+                    <a:ea typeface="+mn-ea"/>
+                    <a:cs typeface="+mn-cs"/>
+                  </a:defRPr>
+                </a:lvl8pPr>
+                <a:lvl9pPr marL="3886200" indent="-228600" algn="l" defTabSz="914400" rtl="0" eaLnBrk="1" latinLnBrk="0" hangingPunct="1">
+                  <a:lnSpc>
+                    <a:spcPct val="90000"/>
+                  </a:lnSpc>
+                  <a:spcBef>
+                    <a:spcPts val="500"/>
+                  </a:spcBef>
+                  <a:buFont typeface="Arial" panose="020B0604020202020204" pitchFamily="34" charset="0"/>
+                  <a:buChar char="•"/>
+                  <a:defRPr sz="1800" kern="1200">
+                    <a:solidFill>
+                      <a:schemeClr val="tx1"/>
+                    </a:solidFill>
+                    <a:latin typeface="+mn-lt"/>
+                    <a:ea typeface="+mn-ea"/>
+                    <a:cs typeface="+mn-cs"/>
+                  </a:defRPr>
+                </a:lvl9pPr>
+              </a:lstStyle>
+              <a:p>
+                <a:pPr marL="0" indent="0">
+                  <a:buNone/>
+                </a:pPr>
+                <a:r>
+                  <a:rPr lang="en-GB" sz="1600" dirty="0">
+                    <a:latin typeface="+mj-lt"/>
+                  </a:rPr>
+                  <a:t>For each signal:</a:t>
+                </a:r>
+              </a:p>
+              <a:p>
+                <a:r>
+                  <a:rPr lang="en-GB" sz="1600" dirty="0">
+                    <a:latin typeface="+mj-lt"/>
+                  </a:rPr>
+                  <a:t>On the </a:t>
+                </a:r>
+                <a:r>
+                  <a:rPr lang="en-GB" sz="1600" b="1" dirty="0">
+                    <a:solidFill>
+                      <a:srgbClr val="C00000"/>
+                    </a:solidFill>
+                    <a:latin typeface="+mj-lt"/>
+                  </a:rPr>
+                  <a:t>reference</a:t>
+                </a:r>
+                <a:r>
+                  <a:rPr lang="en-GB" sz="1600" dirty="0">
+                    <a:latin typeface="+mj-lt"/>
+                  </a:rPr>
+                  <a:t> </a:t>
+                </a:r>
+                <a:r>
+                  <a:rPr lang="en-GB" sz="1600" b="1" dirty="0">
+                    <a:solidFill>
+                      <a:srgbClr val="C00000"/>
+                    </a:solidFill>
+                    <a:latin typeface="+mj-lt"/>
+                  </a:rPr>
+                  <a:t>signal</a:t>
+                </a:r>
+                <a:r>
+                  <a:rPr lang="en-GB" sz="1600" dirty="0">
+                    <a:latin typeface="+mj-lt"/>
+                  </a:rPr>
+                  <a:t> find the </a:t>
+                </a:r>
+                <a:r>
+                  <a:rPr lang="en-GB" sz="1600" b="1" dirty="0">
+                    <a:solidFill>
+                      <a:srgbClr val="C00000"/>
+                    </a:solidFill>
+                    <a:latin typeface="+mj-lt"/>
+                  </a:rPr>
+                  <a:t>QRS</a:t>
+                </a:r>
+                <a:r>
+                  <a:rPr lang="en-GB" sz="1600" dirty="0">
+                    <a:latin typeface="+mj-lt"/>
+                  </a:rPr>
+                  <a:t> position</a:t>
+                </a:r>
+              </a:p>
+              <a:p>
+                <a:r>
+                  <a:rPr lang="en-GB" sz="1600" dirty="0">
+                    <a:latin typeface="+mj-lt"/>
+                  </a:rPr>
+                  <a:t>Then switch to the Rov signal:</a:t>
+                </a:r>
+              </a:p>
+              <a:p>
+                <a:pPr lvl="1"/>
+                <a:r>
+                  <a:rPr lang="en-GB" sz="1600" dirty="0">
+                    <a:latin typeface="+mj-lt"/>
+                  </a:rPr>
+                  <a:t>Define a </a:t>
+                </a:r>
+                <a:r>
+                  <a:rPr lang="en-GB" sz="1600" b="1" dirty="0">
+                    <a:solidFill>
+                      <a:srgbClr val="C00000"/>
+                    </a:solidFill>
+                    <a:latin typeface="+mj-lt"/>
+                  </a:rPr>
+                  <a:t>neighbourhood</a:t>
+                </a:r>
+                <a:r>
+                  <a:rPr lang="en-GB" sz="1600" dirty="0">
+                    <a:latin typeface="+mj-lt"/>
+                  </a:rPr>
+                  <a:t> which contains the QRS position (i.e., QRS is the center) </a:t>
+                </a:r>
+              </a:p>
+              <a:p>
+                <a:pPr marL="457200" lvl="1" indent="0">
+                  <a:buNone/>
+                </a:pPr>
+                <a14:m>
+                  <m:oMathPara xmlns:m="http://schemas.openxmlformats.org/officeDocument/2006/math">
+                    <m:oMathParaPr>
+                      <m:jc m:val="centerGroup"/>
+                    </m:oMathParaPr>
+                    <m:oMath xmlns:m="http://schemas.openxmlformats.org/officeDocument/2006/math">
+                      <m:sSup>
+                        <m:sSupPr>
+                          <m:ctrlPr>
+                            <a:rPr lang="it-IT" sz="1600" b="0" i="1" smtClean="0">
+                              <a:solidFill>
+                                <a:schemeClr val="tx2">
+                                  <a:lumMod val="60000"/>
+                                  <a:lumOff val="40000"/>
+                                </a:schemeClr>
+                              </a:solidFill>
+                              <a:latin typeface="Cambria Math" panose="02040503050406030204" pitchFamily="18" charset="0"/>
+                            </a:rPr>
+                          </m:ctrlPr>
+                        </m:sSupPr>
+                        <m:e>
+                          <m:r>
+                            <a:rPr lang="it-IT" sz="1600" b="0" i="1" smtClean="0">
+                              <a:solidFill>
+                                <a:schemeClr val="tx2">
+                                  <a:lumMod val="60000"/>
+                                  <a:lumOff val="40000"/>
+                                </a:schemeClr>
+                              </a:solidFill>
+                              <a:latin typeface="Cambria Math" panose="02040503050406030204" pitchFamily="18" charset="0"/>
+                            </a:rPr>
+                            <m:t>𝑁</m:t>
+                          </m:r>
+                        </m:e>
+                        <m:sup>
+                          <m:r>
+                            <a:rPr lang="it-IT" sz="1600" b="0" i="1" smtClean="0">
+                              <a:solidFill>
+                                <a:schemeClr val="tx2">
+                                  <a:lumMod val="60000"/>
+                                  <a:lumOff val="40000"/>
+                                </a:schemeClr>
+                              </a:solidFill>
+                              <a:latin typeface="Cambria Math" panose="02040503050406030204" pitchFamily="18" charset="0"/>
+                            </a:rPr>
+                            <m:t>𝑄𝑅𝑆</m:t>
+                          </m:r>
+                        </m:sup>
+                      </m:sSup>
+                      <m:r>
+                        <a:rPr lang="it-IT" sz="1600" b="0" i="1" smtClean="0">
+                          <a:solidFill>
+                            <a:schemeClr val="tx2">
+                              <a:lumMod val="60000"/>
+                              <a:lumOff val="40000"/>
+                            </a:schemeClr>
+                          </a:solidFill>
+                          <a:latin typeface="Cambria Math" panose="02040503050406030204" pitchFamily="18" charset="0"/>
+                        </a:rPr>
+                        <m:t>=</m:t>
+                      </m:r>
+                      <m:d>
+                        <m:dPr>
+                          <m:begChr m:val="["/>
+                          <m:endChr m:val="]"/>
+                          <m:ctrlPr>
+                            <a:rPr lang="it-IT" sz="1600" b="0" i="1" smtClean="0">
+                              <a:solidFill>
+                                <a:schemeClr val="tx2">
+                                  <a:lumMod val="60000"/>
+                                  <a:lumOff val="40000"/>
+                                </a:schemeClr>
+                              </a:solidFill>
+                              <a:latin typeface="Cambria Math" panose="02040503050406030204" pitchFamily="18" charset="0"/>
+                            </a:rPr>
+                          </m:ctrlPr>
+                        </m:dPr>
+                        <m:e>
+                          <m:r>
+                            <a:rPr lang="it-IT" sz="1600" b="0" i="1" smtClean="0">
+                              <a:solidFill>
+                                <a:schemeClr val="tx2">
+                                  <a:lumMod val="60000"/>
+                                  <a:lumOff val="40000"/>
+                                </a:schemeClr>
+                              </a:solidFill>
+                              <a:latin typeface="Cambria Math" panose="02040503050406030204" pitchFamily="18" charset="0"/>
+                            </a:rPr>
+                            <m:t>−</m:t>
+                          </m:r>
+                          <m:f>
+                            <m:fPr>
+                              <m:ctrlPr>
+                                <a:rPr lang="it-IT" sz="1600" b="0" i="1" smtClean="0">
+                                  <a:solidFill>
+                                    <a:schemeClr val="tx2">
+                                      <a:lumMod val="60000"/>
+                                      <a:lumOff val="40000"/>
+                                    </a:schemeClr>
+                                  </a:solidFill>
+                                  <a:latin typeface="Cambria Math" panose="02040503050406030204" pitchFamily="18" charset="0"/>
+                                </a:rPr>
+                              </m:ctrlPr>
+                            </m:fPr>
+                            <m:num>
+                              <m:r>
+                                <a:rPr lang="it-IT" sz="1600" b="0" i="1" smtClean="0">
+                                  <a:solidFill>
+                                    <a:schemeClr val="tx2">
+                                      <a:lumMod val="60000"/>
+                                      <a:lumOff val="40000"/>
+                                    </a:schemeClr>
+                                  </a:solidFill>
+                                  <a:latin typeface="Cambria Math" panose="02040503050406030204" pitchFamily="18" charset="0"/>
+                                </a:rPr>
+                                <m:t>1</m:t>
+                              </m:r>
+                            </m:num>
+                            <m:den>
+                              <m:r>
+                                <a:rPr lang="it-IT" sz="1600" b="0" i="1" smtClean="0">
+                                  <a:solidFill>
+                                    <a:schemeClr val="tx2">
+                                      <a:lumMod val="60000"/>
+                                      <a:lumOff val="40000"/>
+                                    </a:schemeClr>
+                                  </a:solidFill>
+                                  <a:latin typeface="Cambria Math" panose="02040503050406030204" pitchFamily="18" charset="0"/>
+                                </a:rPr>
+                                <m:t>2</m:t>
+                              </m:r>
+                            </m:den>
+                          </m:f>
+                          <m:sSub>
+                            <m:sSubPr>
+                              <m:ctrlPr>
+                                <a:rPr lang="it-IT" sz="1600" b="0" i="1" smtClean="0">
+                                  <a:solidFill>
+                                    <a:schemeClr val="tx2">
+                                      <a:lumMod val="60000"/>
+                                      <a:lumOff val="40000"/>
+                                    </a:schemeClr>
+                                  </a:solidFill>
+                                  <a:latin typeface="Cambria Math" panose="02040503050406030204" pitchFamily="18" charset="0"/>
+                                </a:rPr>
+                              </m:ctrlPr>
+                            </m:sSubPr>
+                            <m:e>
+                              <m:r>
+                                <a:rPr lang="it-IT" sz="1600" b="0" i="1" smtClean="0">
+                                  <a:solidFill>
+                                    <a:schemeClr val="tx2">
+                                      <a:lumMod val="60000"/>
+                                      <a:lumOff val="40000"/>
+                                    </a:schemeClr>
+                                  </a:solidFill>
+                                  <a:latin typeface="Cambria Math" panose="02040503050406030204" pitchFamily="18" charset="0"/>
+                                </a:rPr>
+                                <m:t>𝑡</m:t>
+                              </m:r>
+                            </m:e>
+                            <m:sub>
+                              <m:r>
+                                <a:rPr lang="it-IT" sz="1600" b="0" i="1" smtClean="0">
+                                  <a:solidFill>
+                                    <a:schemeClr val="tx2">
+                                      <a:lumMod val="60000"/>
+                                      <a:lumOff val="40000"/>
+                                    </a:schemeClr>
+                                  </a:solidFill>
+                                  <a:latin typeface="Cambria Math" panose="02040503050406030204" pitchFamily="18" charset="0"/>
+                                </a:rPr>
+                                <m:t>𝑤𝑖𝑛𝑑𝑜𝑤</m:t>
+                              </m:r>
+                            </m:sub>
+                          </m:sSub>
+                          <m:r>
+                            <a:rPr lang="it-IT" sz="1600" b="0" i="1" smtClean="0">
+                              <a:solidFill>
+                                <a:schemeClr val="tx2">
+                                  <a:lumMod val="60000"/>
+                                  <a:lumOff val="40000"/>
+                                </a:schemeClr>
+                              </a:solidFill>
+                              <a:latin typeface="Cambria Math" panose="02040503050406030204" pitchFamily="18" charset="0"/>
+                            </a:rPr>
+                            <m:t>,…,</m:t>
+                          </m:r>
+                          <m:sSub>
+                            <m:sSubPr>
+                              <m:ctrlPr>
+                                <a:rPr lang="it-IT" sz="1600" b="0" i="1" smtClean="0">
+                                  <a:solidFill>
+                                    <a:schemeClr val="tx2">
+                                      <a:lumMod val="60000"/>
+                                      <a:lumOff val="40000"/>
+                                    </a:schemeClr>
+                                  </a:solidFill>
+                                  <a:latin typeface="Cambria Math" panose="02040503050406030204" pitchFamily="18" charset="0"/>
+                                </a:rPr>
+                              </m:ctrlPr>
+                            </m:sSubPr>
+                            <m:e>
+                              <m:r>
+                                <a:rPr lang="it-IT" sz="1600" b="0" i="1" smtClean="0">
+                                  <a:solidFill>
+                                    <a:schemeClr val="tx2">
+                                      <a:lumMod val="60000"/>
+                                      <a:lumOff val="40000"/>
+                                    </a:schemeClr>
+                                  </a:solidFill>
+                                  <a:latin typeface="Cambria Math" panose="02040503050406030204" pitchFamily="18" charset="0"/>
+                                </a:rPr>
+                                <m:t>𝑡</m:t>
+                              </m:r>
+                            </m:e>
+                            <m:sub>
+                              <m:r>
+                                <a:rPr lang="it-IT" sz="1600" b="0" i="1" smtClean="0">
+                                  <a:solidFill>
+                                    <a:schemeClr val="tx2">
+                                      <a:lumMod val="60000"/>
+                                      <a:lumOff val="40000"/>
+                                    </a:schemeClr>
+                                  </a:solidFill>
+                                  <a:latin typeface="Cambria Math" panose="02040503050406030204" pitchFamily="18" charset="0"/>
+                                </a:rPr>
+                                <m:t>𝑄𝑅𝑆</m:t>
+                              </m:r>
+                            </m:sub>
+                          </m:sSub>
+                          <m:r>
+                            <a:rPr lang="it-IT" sz="1600" b="0" i="1" smtClean="0">
+                              <a:solidFill>
+                                <a:schemeClr val="tx2">
+                                  <a:lumMod val="60000"/>
+                                  <a:lumOff val="40000"/>
+                                </a:schemeClr>
+                              </a:solidFill>
+                              <a:latin typeface="Cambria Math" panose="02040503050406030204" pitchFamily="18" charset="0"/>
+                            </a:rPr>
+                            <m:t>,…,+</m:t>
+                          </m:r>
+                          <m:f>
+                            <m:fPr>
+                              <m:ctrlPr>
+                                <a:rPr lang="it-IT" sz="1600" b="0" i="1" smtClean="0">
+                                  <a:solidFill>
+                                    <a:schemeClr val="tx2">
+                                      <a:lumMod val="60000"/>
+                                      <a:lumOff val="40000"/>
+                                    </a:schemeClr>
+                                  </a:solidFill>
+                                  <a:latin typeface="Cambria Math" panose="02040503050406030204" pitchFamily="18" charset="0"/>
+                                </a:rPr>
+                              </m:ctrlPr>
+                            </m:fPr>
+                            <m:num>
+                              <m:r>
+                                <a:rPr lang="it-IT" sz="1600" b="0" i="1" smtClean="0">
+                                  <a:solidFill>
+                                    <a:schemeClr val="tx2">
+                                      <a:lumMod val="60000"/>
+                                      <a:lumOff val="40000"/>
+                                    </a:schemeClr>
+                                  </a:solidFill>
+                                  <a:latin typeface="Cambria Math" panose="02040503050406030204" pitchFamily="18" charset="0"/>
+                                </a:rPr>
+                                <m:t>1</m:t>
+                              </m:r>
+                            </m:num>
+                            <m:den>
+                              <m:r>
+                                <a:rPr lang="it-IT" sz="1600" b="0" i="1" smtClean="0">
+                                  <a:solidFill>
+                                    <a:schemeClr val="tx2">
+                                      <a:lumMod val="60000"/>
+                                      <a:lumOff val="40000"/>
+                                    </a:schemeClr>
+                                  </a:solidFill>
+                                  <a:latin typeface="Cambria Math" panose="02040503050406030204" pitchFamily="18" charset="0"/>
+                                </a:rPr>
+                                <m:t>2</m:t>
+                              </m:r>
+                            </m:den>
+                          </m:f>
+                          <m:sSub>
+                            <m:sSubPr>
+                              <m:ctrlPr>
+                                <a:rPr lang="it-IT" sz="1600" b="0" i="1" smtClean="0">
+                                  <a:solidFill>
+                                    <a:schemeClr val="tx2">
+                                      <a:lumMod val="60000"/>
+                                      <a:lumOff val="40000"/>
+                                    </a:schemeClr>
+                                  </a:solidFill>
+                                  <a:latin typeface="Cambria Math" panose="02040503050406030204" pitchFamily="18" charset="0"/>
+                                </a:rPr>
+                              </m:ctrlPr>
+                            </m:sSubPr>
+                            <m:e>
+                              <m:r>
+                                <a:rPr lang="it-IT" sz="1600" b="0" i="1" smtClean="0">
+                                  <a:solidFill>
+                                    <a:schemeClr val="tx2">
+                                      <a:lumMod val="60000"/>
+                                      <a:lumOff val="40000"/>
+                                    </a:schemeClr>
+                                  </a:solidFill>
+                                  <a:latin typeface="Cambria Math" panose="02040503050406030204" pitchFamily="18" charset="0"/>
+                                </a:rPr>
+                                <m:t>𝑡</m:t>
+                              </m:r>
+                            </m:e>
+                            <m:sub>
+                              <m:r>
+                                <a:rPr lang="it-IT" sz="1600" b="0" i="1" smtClean="0">
+                                  <a:solidFill>
+                                    <a:schemeClr val="tx2">
+                                      <a:lumMod val="60000"/>
+                                      <a:lumOff val="40000"/>
+                                    </a:schemeClr>
+                                  </a:solidFill>
+                                  <a:latin typeface="Cambria Math" panose="02040503050406030204" pitchFamily="18" charset="0"/>
+                                </a:rPr>
+                                <m:t>𝑤𝑖𝑛𝑑𝑜𝑤</m:t>
+                              </m:r>
+                            </m:sub>
+                          </m:sSub>
+                        </m:e>
+                      </m:d>
+                    </m:oMath>
+                  </m:oMathPara>
+                </a14:m>
+                <a:endParaRPr lang="en-GB" sz="1600" dirty="0">
+                  <a:latin typeface="+mj-lt"/>
+                </a:endParaRPr>
+              </a:p>
+              <a:p>
+                <a:pPr marL="457200" lvl="1" indent="0">
+                  <a:buNone/>
+                </a:pPr>
+                <a:r>
+                  <a:rPr lang="en-GB" sz="1200" i="1" dirty="0">
+                    <a:latin typeface="+mj-lt"/>
+                  </a:rPr>
+                  <a:t>Where </a:t>
+                </a:r>
+                <a14:m>
+                  <m:oMath xmlns:m="http://schemas.openxmlformats.org/officeDocument/2006/math">
+                    <m:sSub>
+                      <m:sSubPr>
+                        <m:ctrlPr>
+                          <a:rPr lang="it-IT" sz="1200" b="0" i="1" smtClean="0">
+                            <a:solidFill>
+                              <a:schemeClr val="tx2">
+                                <a:lumMod val="60000"/>
+                                <a:lumOff val="40000"/>
+                              </a:schemeClr>
+                            </a:solidFill>
+                            <a:latin typeface="Cambria Math" panose="02040503050406030204" pitchFamily="18" charset="0"/>
+                          </a:rPr>
+                        </m:ctrlPr>
+                      </m:sSubPr>
+                      <m:e>
+                        <m:r>
+                          <a:rPr lang="it-IT" sz="1200" b="0" i="1" smtClean="0">
+                            <a:solidFill>
+                              <a:schemeClr val="tx2">
+                                <a:lumMod val="60000"/>
+                                <a:lumOff val="40000"/>
+                              </a:schemeClr>
+                            </a:solidFill>
+                            <a:latin typeface="Cambria Math" panose="02040503050406030204" pitchFamily="18" charset="0"/>
+                          </a:rPr>
+                          <m:t>𝑡</m:t>
+                        </m:r>
+                      </m:e>
+                      <m:sub>
+                        <m:r>
+                          <a:rPr lang="it-IT" sz="1200" b="0" i="1" smtClean="0">
+                            <a:solidFill>
+                              <a:schemeClr val="tx2">
+                                <a:lumMod val="60000"/>
+                                <a:lumOff val="40000"/>
+                              </a:schemeClr>
+                            </a:solidFill>
+                            <a:latin typeface="Cambria Math" panose="02040503050406030204" pitchFamily="18" charset="0"/>
+                          </a:rPr>
+                          <m:t>𝑤𝑖𝑛𝑑𝑜𝑤</m:t>
+                        </m:r>
+                      </m:sub>
+                    </m:sSub>
+                  </m:oMath>
+                </a14:m>
+                <a:r>
+                  <a:rPr lang="en-GB" sz="1200" i="1" dirty="0">
+                    <a:latin typeface="+mj-lt"/>
+                  </a:rPr>
+                  <a:t> is the window of time into which searching for the maximum </a:t>
+                </a:r>
+              </a:p>
+              <a:p>
+                <a:pPr lvl="1"/>
+                <a:r>
+                  <a:rPr lang="en-GB" sz="1600" dirty="0">
+                    <a:latin typeface="+mj-lt"/>
+                  </a:rPr>
+                  <a:t>Find the </a:t>
+                </a:r>
+                <a:r>
+                  <a:rPr lang="en-GB" sz="1600" b="1" dirty="0">
+                    <a:solidFill>
+                      <a:srgbClr val="C00000"/>
+                    </a:solidFill>
+                    <a:latin typeface="+mj-lt"/>
+                  </a:rPr>
+                  <a:t>maximum</a:t>
+                </a:r>
+                <a:r>
+                  <a:rPr lang="en-GB" sz="1600" dirty="0">
+                    <a:latin typeface="+mj-lt"/>
+                  </a:rPr>
+                  <a:t> of the neighbourhood </a:t>
+                </a:r>
+              </a:p>
+              <a:p>
+                <a:pPr lvl="1"/>
+                <a:r>
+                  <a:rPr lang="en-GB" sz="1600" dirty="0">
+                    <a:latin typeface="+mj-lt"/>
+                  </a:rPr>
+                  <a:t>Compute the </a:t>
+                </a:r>
+                <a:r>
+                  <a:rPr lang="en-GB" sz="1600" b="1" dirty="0">
+                    <a:solidFill>
+                      <a:srgbClr val="0070C0"/>
+                    </a:solidFill>
+                    <a:latin typeface="+mj-lt"/>
+                  </a:rPr>
+                  <a:t>distance</a:t>
+                </a:r>
+                <a:r>
+                  <a:rPr lang="en-GB" sz="1600" dirty="0">
+                    <a:latin typeface="+mj-lt"/>
+                  </a:rPr>
+                  <a:t>: </a:t>
+                </a:r>
+              </a:p>
+              <a:p>
+                <a:pPr marL="457200" lvl="1" indent="0">
+                  <a:buNone/>
+                </a:pPr>
+                <a14:m>
+                  <m:oMathPara xmlns:m="http://schemas.openxmlformats.org/officeDocument/2006/math">
+                    <m:oMathParaPr>
+                      <m:jc m:val="centerGroup"/>
+                    </m:oMathParaPr>
+                    <m:oMath xmlns:m="http://schemas.openxmlformats.org/officeDocument/2006/math">
+                      <m:r>
+                        <a:rPr lang="it-IT" sz="1600" b="0" i="1" smtClean="0">
+                          <a:solidFill>
+                            <a:schemeClr val="tx2">
+                              <a:lumMod val="60000"/>
+                              <a:lumOff val="40000"/>
+                            </a:schemeClr>
+                          </a:solidFill>
+                          <a:latin typeface="Cambria Math" panose="02040503050406030204" pitchFamily="18" charset="0"/>
+                        </a:rPr>
+                        <m:t>𝑑</m:t>
+                      </m:r>
+                      <m:r>
+                        <a:rPr lang="it-IT" sz="1600" b="0" i="1" smtClean="0">
+                          <a:solidFill>
+                            <a:schemeClr val="tx2">
+                              <a:lumMod val="60000"/>
+                              <a:lumOff val="40000"/>
+                            </a:schemeClr>
+                          </a:solidFill>
+                          <a:latin typeface="Cambria Math" panose="02040503050406030204" pitchFamily="18" charset="0"/>
+                        </a:rPr>
+                        <m:t>=</m:t>
+                      </m:r>
+                      <m:r>
+                        <a:rPr lang="it-IT" sz="1600" b="0" i="1" smtClean="0">
+                          <a:solidFill>
+                            <a:schemeClr val="tx2">
+                              <a:lumMod val="60000"/>
+                              <a:lumOff val="40000"/>
+                            </a:schemeClr>
+                          </a:solidFill>
+                          <a:latin typeface="Cambria Math" panose="02040503050406030204" pitchFamily="18" charset="0"/>
+                        </a:rPr>
+                        <m:t>𝑄𝑅</m:t>
+                      </m:r>
+                      <m:sSub>
+                        <m:sSubPr>
+                          <m:ctrlPr>
+                            <a:rPr lang="it-IT" sz="1600" b="0" i="1" smtClean="0">
+                              <a:solidFill>
+                                <a:schemeClr val="tx2">
+                                  <a:lumMod val="60000"/>
+                                  <a:lumOff val="40000"/>
+                                </a:schemeClr>
+                              </a:solidFill>
+                              <a:latin typeface="Cambria Math" panose="02040503050406030204" pitchFamily="18" charset="0"/>
+                            </a:rPr>
+                          </m:ctrlPr>
+                        </m:sSubPr>
+                        <m:e>
+                          <m:r>
+                            <a:rPr lang="it-IT" sz="1600" b="0" i="1" smtClean="0">
+                              <a:solidFill>
+                                <a:schemeClr val="tx2">
+                                  <a:lumMod val="60000"/>
+                                  <a:lumOff val="40000"/>
+                                </a:schemeClr>
+                              </a:solidFill>
+                              <a:latin typeface="Cambria Math" panose="02040503050406030204" pitchFamily="18" charset="0"/>
+                            </a:rPr>
+                            <m:t>𝑆</m:t>
+                          </m:r>
+                        </m:e>
+                        <m:sub>
+                          <m:r>
+                            <a:rPr lang="it-IT" sz="1600" b="0" i="1" smtClean="0">
+                              <a:solidFill>
+                                <a:schemeClr val="tx2">
+                                  <a:lumMod val="60000"/>
+                                  <a:lumOff val="40000"/>
+                                </a:schemeClr>
+                              </a:solidFill>
+                              <a:latin typeface="Cambria Math" panose="02040503050406030204" pitchFamily="18" charset="0"/>
+                            </a:rPr>
+                            <m:t>𝑝𝑜𝑠</m:t>
+                          </m:r>
+                        </m:sub>
+                      </m:sSub>
+                      <m:r>
+                        <a:rPr lang="it-IT" sz="1600" b="0" i="1" smtClean="0">
+                          <a:solidFill>
+                            <a:schemeClr val="tx2">
+                              <a:lumMod val="60000"/>
+                              <a:lumOff val="40000"/>
+                            </a:schemeClr>
+                          </a:solidFill>
+                          <a:latin typeface="Cambria Math" panose="02040503050406030204" pitchFamily="18" charset="0"/>
+                        </a:rPr>
+                        <m:t>−</m:t>
+                      </m:r>
+                      <m:r>
+                        <a:rPr lang="it-IT" sz="1600" b="0" i="1" smtClean="0">
+                          <a:solidFill>
+                            <a:schemeClr val="tx2">
+                              <a:lumMod val="60000"/>
+                              <a:lumOff val="40000"/>
+                            </a:schemeClr>
+                          </a:solidFill>
+                          <a:latin typeface="Cambria Math" panose="02040503050406030204" pitchFamily="18" charset="0"/>
+                        </a:rPr>
+                        <m:t>𝑀𝑎𝑥</m:t>
+                      </m:r>
+                      <m:sSub>
+                        <m:sSubPr>
+                          <m:ctrlPr>
+                            <a:rPr lang="it-IT" sz="1600" b="0" i="1" smtClean="0">
+                              <a:solidFill>
+                                <a:schemeClr val="tx2">
+                                  <a:lumMod val="60000"/>
+                                  <a:lumOff val="40000"/>
+                                </a:schemeClr>
+                              </a:solidFill>
+                              <a:latin typeface="Cambria Math" panose="02040503050406030204" pitchFamily="18" charset="0"/>
+                            </a:rPr>
+                          </m:ctrlPr>
+                        </m:sSubPr>
+                        <m:e>
+                          <m:d>
+                            <m:dPr>
+                              <m:ctrlPr>
+                                <a:rPr lang="it-IT" sz="1600" b="0" i="1" smtClean="0">
+                                  <a:solidFill>
+                                    <a:schemeClr val="tx2">
+                                      <a:lumMod val="60000"/>
+                                      <a:lumOff val="40000"/>
+                                    </a:schemeClr>
+                                  </a:solidFill>
+                                  <a:latin typeface="Cambria Math" panose="02040503050406030204" pitchFamily="18" charset="0"/>
+                                </a:rPr>
+                              </m:ctrlPr>
+                            </m:dPr>
+                            <m:e>
+                              <m:r>
+                                <a:rPr lang="it-IT" sz="1600" b="0" i="1" smtClean="0">
+                                  <a:solidFill>
+                                    <a:schemeClr val="tx2">
+                                      <a:lumMod val="60000"/>
+                                      <a:lumOff val="40000"/>
+                                    </a:schemeClr>
+                                  </a:solidFill>
+                                  <a:latin typeface="Cambria Math" panose="02040503050406030204" pitchFamily="18" charset="0"/>
+                                </a:rPr>
+                                <m:t>𝑁𝑒𝑖𝑔h𝑏𝑜𝑢𝑟h𝑜𝑜𝑑</m:t>
+                              </m:r>
+                            </m:e>
+                          </m:d>
+                        </m:e>
+                        <m:sub>
+                          <m:r>
+                            <a:rPr lang="it-IT" sz="1600" b="0" i="1" smtClean="0">
+                              <a:solidFill>
+                                <a:schemeClr val="tx2">
+                                  <a:lumMod val="60000"/>
+                                  <a:lumOff val="40000"/>
+                                </a:schemeClr>
+                              </a:solidFill>
+                              <a:latin typeface="Cambria Math" panose="02040503050406030204" pitchFamily="18" charset="0"/>
+                            </a:rPr>
+                            <m:t>𝑝𝑜𝑠</m:t>
+                          </m:r>
+                        </m:sub>
+                      </m:sSub>
+                    </m:oMath>
+                  </m:oMathPara>
+                </a14:m>
+                <a:endParaRPr lang="en-GB" sz="1600" dirty="0">
+                  <a:solidFill>
+                    <a:schemeClr val="tx2">
+                      <a:lumMod val="60000"/>
+                      <a:lumOff val="40000"/>
+                    </a:schemeClr>
+                  </a:solidFill>
+                  <a:latin typeface="+mj-lt"/>
+                </a:endParaRPr>
+              </a:p>
+              <a:p>
+                <a:pPr lvl="1"/>
+                <a:r>
+                  <a:rPr lang="en-GB" sz="1600" dirty="0">
+                    <a:latin typeface="+mj-lt"/>
+                  </a:rPr>
+                  <a:t>If the </a:t>
+                </a:r>
+                <a:r>
+                  <a:rPr lang="en-GB" sz="1600" b="1" dirty="0">
+                    <a:solidFill>
+                      <a:srgbClr val="0070C0"/>
+                    </a:solidFill>
+                    <a:latin typeface="+mj-lt"/>
+                  </a:rPr>
+                  <a:t>distance</a:t>
+                </a:r>
+                <a:r>
+                  <a:rPr lang="en-GB" sz="1600" dirty="0">
+                    <a:latin typeface="+mj-lt"/>
+                  </a:rPr>
+                  <a:t> is negative:</a:t>
+                </a:r>
+              </a:p>
+              <a:p>
+                <a:pPr lvl="2"/>
+                <a:r>
+                  <a:rPr lang="en-GB" sz="1200" dirty="0">
+                    <a:latin typeface="+mj-lt"/>
+                  </a:rPr>
+                  <a:t>The QRS is before the maximum </a:t>
+                </a:r>
+                <a:r>
+                  <a:rPr lang="en-GB" sz="1200" dirty="0">
+                    <a:latin typeface="+mj-lt"/>
+                    <a:sym typeface="Wingdings" panose="05000000000000000000" pitchFamily="2" charset="2"/>
+                  </a:rPr>
+                  <a:t> Nan-padding at the end of the signal</a:t>
+                </a:r>
+              </a:p>
+              <a:p>
+                <a:pPr lvl="2"/>
+                <a:endParaRPr lang="en-GB" sz="1000" dirty="0">
+                  <a:latin typeface="+mj-lt"/>
+                  <a:sym typeface="Wingdings" panose="05000000000000000000" pitchFamily="2" charset="2"/>
+                </a:endParaRPr>
+              </a:p>
+              <a:p>
+                <a:pPr lvl="1"/>
+                <a:r>
+                  <a:rPr lang="en-GB" sz="1600" dirty="0">
+                    <a:latin typeface="+mj-lt"/>
+                    <a:sym typeface="Wingdings" panose="05000000000000000000" pitchFamily="2" charset="2"/>
+                  </a:rPr>
+                  <a:t>If the </a:t>
+                </a:r>
+                <a:r>
+                  <a:rPr lang="en-GB" sz="1600" b="1" dirty="0">
+                    <a:solidFill>
+                      <a:srgbClr val="0070C0"/>
+                    </a:solidFill>
+                    <a:latin typeface="+mj-lt"/>
+                    <a:sym typeface="Wingdings" panose="05000000000000000000" pitchFamily="2" charset="2"/>
+                  </a:rPr>
+                  <a:t>distance</a:t>
+                </a:r>
+                <a:r>
+                  <a:rPr lang="en-GB" sz="1600" dirty="0">
+                    <a:latin typeface="+mj-lt"/>
+                    <a:sym typeface="Wingdings" panose="05000000000000000000" pitchFamily="2" charset="2"/>
+                  </a:rPr>
+                  <a:t> is positive</a:t>
+                </a:r>
+              </a:p>
+              <a:p>
+                <a:pPr lvl="2"/>
+                <a:r>
+                  <a:rPr lang="en-GB" sz="1200" dirty="0">
+                    <a:latin typeface="+mj-lt"/>
+                    <a:sym typeface="Wingdings" panose="05000000000000000000" pitchFamily="2" charset="2"/>
+                  </a:rPr>
+                  <a:t>The QRS is after the maximum  Nan-padding on top of the signal </a:t>
+                </a:r>
+                <a:endParaRPr lang="en-GB" sz="1200" dirty="0">
+                  <a:latin typeface="+mj-lt"/>
+                </a:endParaRPr>
+              </a:p>
+              <a:p>
+                <a:pPr lvl="1"/>
+                <a:endParaRPr lang="en-GB" sz="1200" dirty="0">
+                  <a:latin typeface="+mj-lt"/>
+                </a:endParaRPr>
+              </a:p>
+              <a:p>
+                <a:pPr marL="0" indent="0">
+                  <a:buNone/>
+                </a:pPr>
+                <a:endParaRPr lang="en-GB" sz="1600" dirty="0">
+                  <a:latin typeface="+mj-lt"/>
+                </a:endParaRPr>
+              </a:p>
+            </p:txBody>
+          </p:sp>
+        </mc:Choice>
+        <mc:Fallback xmlns="">
+          <p:sp>
+            <p:nvSpPr>
+              <p:cNvPr id="6" name="Segnaposto contenuto 2">
+                <a:extLst>
+                  <a:ext uri="{FF2B5EF4-FFF2-40B4-BE49-F238E27FC236}">
+                    <a16:creationId xmlns:a16="http://schemas.microsoft.com/office/drawing/2014/main" id="{D9704C79-DF15-E314-C934-557E33389704}"/>
+                  </a:ext>
+                </a:extLst>
+              </p:cNvPr>
+              <p:cNvSpPr txBox="1">
+                <a:spLocks noRot="1" noChangeAspect="1" noMove="1" noResize="1" noEditPoints="1" noAdjustHandles="1" noChangeArrowheads="1" noChangeShapeType="1" noTextEdit="1"/>
+              </p:cNvSpPr>
+              <p:nvPr/>
+            </p:nvSpPr>
+            <p:spPr>
+              <a:xfrm>
+                <a:off x="342103" y="1432423"/>
+                <a:ext cx="5455194" cy="4712345"/>
+              </a:xfrm>
+              <a:prstGeom prst="rect">
+                <a:avLst/>
+              </a:prstGeom>
+              <a:blipFill>
+                <a:blip r:embed="rId5"/>
+                <a:stretch>
+                  <a:fillRect l="-559" t="-906" r="-670"/>
+                </a:stretch>
+              </a:blipFill>
+            </p:spPr>
+            <p:txBody>
+              <a:bodyPr/>
+              <a:lstStyle/>
+              <a:p>
+                <a:r>
+                  <a:rPr lang="it-IT">
+                    <a:noFill/>
+                  </a:rPr>
+                  <a:t> </a:t>
+                </a:r>
+              </a:p>
+            </p:txBody>
+          </p:sp>
+        </mc:Fallback>
+      </mc:AlternateContent>
+      <p:pic>
+        <p:nvPicPr>
+          <p:cNvPr id="3" name="Example_of_alignment">
+            <a:hlinkClick r:id="" action="ppaction://media"/>
+            <a:extLst>
+              <a:ext uri="{FF2B5EF4-FFF2-40B4-BE49-F238E27FC236}">
+                <a16:creationId xmlns:a16="http://schemas.microsoft.com/office/drawing/2014/main" id="{5DBC852E-D997-BB2D-B497-BFA6CA24C4D2}"/>
+              </a:ext>
+            </a:extLst>
+          </p:cNvPr>
+          <p:cNvPicPr>
+            <a:picLocks noChangeAspect="1"/>
+          </p:cNvPicPr>
+          <p:nvPr>
+            <a:videoFile r:link="rId2"/>
+            <p:extLst>
+              <p:ext uri="{DAA4B4D4-6D71-4841-9C94-3DE7FCFB9230}">
+                <p14:media xmlns:p14="http://schemas.microsoft.com/office/powerpoint/2010/main" r:embed="rId1"/>
+              </p:ext>
+            </p:extLst>
+          </p:nvPr>
+        </p:nvPicPr>
+        <p:blipFill rotWithShape="1">
+          <a:blip r:embed="rId6"/>
+          <a:srcRect l="18978" t="579" r="18555" b="-405"/>
+          <a:stretch/>
+        </p:blipFill>
+        <p:spPr>
+          <a:xfrm>
+            <a:off x="7075360" y="1573676"/>
+            <a:ext cx="4149471" cy="3710647"/>
+          </a:xfrm>
+          <a:prstGeom prst="rect">
+            <a:avLst/>
+          </a:prstGeom>
+        </p:spPr>
+      </p:pic>
+      <p:sp>
+        <p:nvSpPr>
+          <p:cNvPr id="5" name="Rettangolo con angoli arrotondati 4">
+            <a:extLst>
+              <a:ext uri="{FF2B5EF4-FFF2-40B4-BE49-F238E27FC236}">
+                <a16:creationId xmlns:a16="http://schemas.microsoft.com/office/drawing/2014/main" id="{B6A4A2D4-B8E4-BD84-D2FA-5C85DFE89FB0}"/>
+              </a:ext>
+            </a:extLst>
+          </p:cNvPr>
+          <p:cNvSpPr/>
+          <p:nvPr/>
+        </p:nvSpPr>
+        <p:spPr>
+          <a:xfrm>
+            <a:off x="7075360" y="5535278"/>
+            <a:ext cx="2066544" cy="612648"/>
+          </a:xfrm>
+          <a:prstGeom prst="roundRect">
+            <a:avLst/>
+          </a:prstGeom>
+        </p:spPr>
+        <p:style>
+          <a:lnRef idx="1">
+            <a:schemeClr val="accent4"/>
+          </a:lnRef>
+          <a:fillRef idx="2">
+            <a:schemeClr val="accent4"/>
+          </a:fillRef>
+          <a:effectRef idx="1">
+            <a:schemeClr val="accent4"/>
+          </a:effectRef>
+          <a:fontRef idx="minor">
+            <a:schemeClr val="dk1"/>
+          </a:fontRef>
+        </p:style>
+        <p:txBody>
+          <a:bodyPr rtlCol="0" anchor="ctr"/>
+          <a:lstStyle/>
+          <a:p>
+            <a:r>
+              <a:rPr lang="en-GB" sz="1600" b="1" dirty="0">
+                <a:solidFill>
+                  <a:schemeClr val="accent1"/>
+                </a:solidFill>
+                <a:latin typeface="+mj-lt"/>
+              </a:rPr>
+              <a:t>Hyperparameters</a:t>
+            </a:r>
+          </a:p>
+          <a:p>
+            <a:r>
+              <a:rPr lang="en-GB" sz="1600" dirty="0">
+                <a:latin typeface="+mj-lt"/>
+              </a:rPr>
+              <a:t>Time window: 0.01 s</a:t>
+            </a:r>
+          </a:p>
+        </p:txBody>
+      </p:sp>
+    </p:spTree>
+    <p:extLst>
+      <p:ext uri="{BB962C8B-B14F-4D97-AF65-F5344CB8AC3E}">
+        <p14:creationId xmlns:p14="http://schemas.microsoft.com/office/powerpoint/2010/main" val="4269913508"/>
+      </p:ext>
+    </p:extLst>
+  </p:cSld>
+  <p:clrMapOvr>
+    <a:masterClrMapping/>
+  </p:clrMapOvr>
+  <p:timing>
+    <p:tnLst>
+      <p:par>
+        <p:cTn id="1" dur="indefinite" restart="never" nodeType="tmRoot">
+          <p:childTnLst>
+            <p:seq concurrent="1" nextAc="seek">
+              <p:cTn id="2" dur="indefinite" nodeType="mainSeq">
+                <p:childTnLst>
+                  <p:par>
+                    <p:cTn id="3" fill="hold">
+                      <p:stCondLst>
+                        <p:cond delay="indefinite"/>
+                        <p:cond evt="onBegin" delay="0">
+                          <p:tn val="2"/>
+                        </p:cond>
+                      </p:stCondLst>
+                      <p:childTnLst>
+                        <p:par>
+                          <p:cTn id="4" fill="hold">
+                            <p:stCondLst>
+                              <p:cond delay="0"/>
+                            </p:stCondLst>
+                            <p:childTnLst>
+                              <p:par>
+                                <p:cTn id="5" presetID="1" presetClass="mediacall" presetSubtype="0" fill="hold" nodeType="afterEffect">
+                                  <p:stCondLst>
+                                    <p:cond delay="0"/>
+                                  </p:stCondLst>
+                                  <p:childTnLst>
+                                    <p:cmd type="call" cmd="playFrom(0.0)">
+                                      <p:cBhvr>
+                                        <p:cTn id="6" dur="10500" fill="hold"/>
+                                        <p:tgtEl>
+                                          <p:spTgt spid="3"/>
+                                        </p:tgtEl>
+                                      </p:cBhvr>
+                                    </p:cmd>
+                                  </p:childTnLst>
+                                </p:cTn>
+                              </p:par>
+                            </p:childTnLst>
+                          </p:cTn>
+                        </p:par>
+                      </p:childTnLst>
+                    </p:cTn>
+                  </p:par>
+                </p:childTnLst>
+              </p:cTn>
+              <p:prevCondLst>
+                <p:cond evt="onPrev" delay="0">
+                  <p:tgtEl>
+                    <p:sldTgt/>
+                  </p:tgtEl>
+                </p:cond>
+              </p:prevCondLst>
+              <p:nextCondLst>
+                <p:cond evt="onNext" delay="0">
+                  <p:tgtEl>
+                    <p:sldTgt/>
+                  </p:tgtEl>
+                </p:cond>
+              </p:nextCondLst>
+            </p:seq>
+            <p:video>
+              <p:cMediaNode vol="80000" mute="1">
+                <p:cTn id="7" repeatCount="indefinite" fill="hold" display="0">
+                  <p:stCondLst>
+                    <p:cond delay="indefinite"/>
+                  </p:stCondLst>
+                </p:cTn>
+                <p:tgtEl>
+                  <p:spTgt spid="3"/>
+                </p:tgtEl>
+              </p:cMediaNode>
+            </p:video>
+            <p:seq concurrent="1" nextAc="seek">
+              <p:cTn id="8" restart="whenNotActive" fill="hold" evtFilter="cancelBubble" nodeType="interactiveSeq">
+                <p:stCondLst>
+                  <p:cond evt="onClick" delay="0">
+                    <p:tgtEl>
+                      <p:spTgt spid="3"/>
+                    </p:tgtEl>
+                  </p:cond>
+                </p:stCondLst>
+                <p:endSync evt="end" delay="0">
+                  <p:rtn val="all"/>
+                </p:endSync>
+                <p:childTnLst>
+                  <p:par>
+                    <p:cTn id="9" fill="hold">
+                      <p:stCondLst>
+                        <p:cond delay="0"/>
+                      </p:stCondLst>
+                      <p:childTnLst>
+                        <p:par>
+                          <p:cTn id="10" fill="hold">
+                            <p:stCondLst>
+                              <p:cond delay="0"/>
+                            </p:stCondLst>
+                            <p:childTnLst>
+                              <p:par>
+                                <p:cTn id="11" presetID="2" presetClass="mediacall" presetSubtype="0" fill="hold" nodeType="clickEffect">
+                                  <p:stCondLst>
+                                    <p:cond delay="0"/>
+                                  </p:stCondLst>
+                                  <p:childTnLst>
+                                    <p:cmd type="call" cmd="togglePause">
+                                      <p:cBhvr>
+                                        <p:cTn id="12" dur="1" fill="hold"/>
+                                        <p:tgtEl>
+                                          <p:spTgt spid="3"/>
+                                        </p:tgtEl>
+                                      </p:cBhvr>
+                                    </p:cmd>
+                                  </p:childTnLst>
+                                </p:cTn>
+                              </p:par>
+                            </p:childTnLst>
+                          </p:cTn>
+                        </p:par>
+                      </p:childTnLst>
+                    </p:cTn>
+                  </p:par>
+                </p:childTnLst>
+              </p:cTn>
+              <p:nextCondLst>
+                <p:cond evt="onClick" delay="0">
+                  <p:tgtEl>
+                    <p:spTgt spid="3"/>
+                  </p:tgtEl>
+                </p:cond>
+              </p:nextCondLst>
+            </p:seq>
+          </p:childTnLst>
+        </p:cTn>
+      </p:par>
+    </p:tnLst>
+  </p:timing>
+</p:sld>
+</file>
+
+<file path=ppt/slides/slide11.xml><?xml version="1.0" encoding="utf-8"?>
+<p:sld xmlns:a="http://schemas.openxmlformats.org/drawingml/2006/main" xmlns:r="http://schemas.openxmlformats.org/officeDocument/2006/relationships" xmlns:p="http://schemas.openxmlformats.org/presentationml/2006/main">
+  <p:cSld>
+    <p:spTree>
+      <p:nvGrpSpPr>
+        <p:cNvPr id="1" name=""/>
+        <p:cNvGrpSpPr/>
+        <p:nvPr/>
+      </p:nvGrpSpPr>
+      <p:grpSpPr>
+        <a:xfrm>
+          <a:off x="0" y="0"/>
+          <a:ext cx="0" cy="0"/>
+          <a:chOff x="0" y="0"/>
+          <a:chExt cx="0" cy="0"/>
+        </a:xfrm>
+      </p:grpSpPr>
+      <p:sp>
+        <p:nvSpPr>
+          <p:cNvPr id="2" name="Titolo 1">
+            <a:extLst>
+              <a:ext uri="{FF2B5EF4-FFF2-40B4-BE49-F238E27FC236}">
+                <a16:creationId xmlns:a16="http://schemas.microsoft.com/office/drawing/2014/main" id="{90F52EA4-9809-985C-8A8C-85AEDD39AF3B}"/>
+              </a:ext>
+            </a:extLst>
+          </p:cNvPr>
+          <p:cNvSpPr>
+            <a:spLocks noGrp="1"/>
+          </p:cNvSpPr>
+          <p:nvPr>
+            <p:ph type="title"/>
+          </p:nvPr>
+        </p:nvSpPr>
+        <p:spPr/>
+        <p:txBody>
+          <a:bodyPr/>
+          <a:lstStyle/>
+          <a:p>
+            <a:r>
+              <a:rPr lang="en-US" dirty="0"/>
+              <a:t>Strategy 1: results</a:t>
+            </a:r>
+          </a:p>
+        </p:txBody>
+      </p:sp>
+      <p:sp>
+        <p:nvSpPr>
+          <p:cNvPr id="4" name="Segnaposto numero diapositiva 3">
+            <a:extLst>
+              <a:ext uri="{FF2B5EF4-FFF2-40B4-BE49-F238E27FC236}">
+                <a16:creationId xmlns:a16="http://schemas.microsoft.com/office/drawing/2014/main" id="{8B351BE6-1815-C162-224E-864AC8EF79D2}"/>
+              </a:ext>
+            </a:extLst>
+          </p:cNvPr>
+          <p:cNvSpPr>
+            <a:spLocks noGrp="1"/>
+          </p:cNvSpPr>
+          <p:nvPr>
+            <p:ph type="sldNum" sz="quarter" idx="12"/>
+          </p:nvPr>
+        </p:nvSpPr>
+        <p:spPr/>
+        <p:txBody>
+          <a:bodyPr/>
+          <a:lstStyle/>
+          <a:p>
+            <a:fld id="{2FA0223F-D95A-431D-9A71-EDA7FA0C2F5B}" type="slidenum">
+              <a:rPr lang="en-US" smtClean="0"/>
+              <a:t>11</a:t>
             </a:fld>
             <a:endParaRPr lang="en-US"/>
           </a:p>
@@ -8240,7 +9724,7 @@
 </p:sld>
 </file>
 
-<file path=ppt/slides/slide11.xml><?xml version="1.0" encoding="utf-8"?>
+<file path=ppt/slides/slide12.xml><?xml version="1.0" encoding="utf-8"?>
 <p:sld xmlns:a="http://schemas.openxmlformats.org/drawingml/2006/main" xmlns:r="http://schemas.openxmlformats.org/officeDocument/2006/relationships" xmlns:p="http://schemas.openxmlformats.org/presentationml/2006/main">
   <p:cSld>
     <p:spTree>
@@ -8310,7 +9794,7 @@
           <a:p>
             <a:fld id="{2FA0223F-D95A-431D-9A71-EDA7FA0C2F5B}" type="slidenum">
               <a:rPr lang="en-US" smtClean="0"/>
-              <a:t>11</a:t>
+              <a:t>12</a:t>
             </a:fld>
             <a:endParaRPr lang="en-US"/>
           </a:p>
@@ -10281,245 +11765,6 @@
 </p:sld>
 </file>
 
-<file path=ppt/slides/slide12.xml><?xml version="1.0" encoding="utf-8"?>
-<p:sld xmlns:a="http://schemas.openxmlformats.org/drawingml/2006/main" xmlns:r="http://schemas.openxmlformats.org/officeDocument/2006/relationships" xmlns:p="http://schemas.openxmlformats.org/presentationml/2006/main">
-  <p:cSld>
-    <p:spTree>
-      <p:nvGrpSpPr>
-        <p:cNvPr id="1" name=""/>
-        <p:cNvGrpSpPr/>
-        <p:nvPr/>
-      </p:nvGrpSpPr>
-      <p:grpSpPr>
-        <a:xfrm>
-          <a:off x="0" y="0"/>
-          <a:ext cx="0" cy="0"/>
-          <a:chOff x="0" y="0"/>
-          <a:chExt cx="0" cy="0"/>
-        </a:xfrm>
-      </p:grpSpPr>
-      <p:sp>
-        <p:nvSpPr>
-          <p:cNvPr id="2" name="Titolo 1">
-            <a:extLst>
-              <a:ext uri="{FF2B5EF4-FFF2-40B4-BE49-F238E27FC236}">
-                <a16:creationId xmlns:a16="http://schemas.microsoft.com/office/drawing/2014/main" id="{90F52EA4-9809-985C-8A8C-85AEDD39AF3B}"/>
-              </a:ext>
-            </a:extLst>
-          </p:cNvPr>
-          <p:cNvSpPr>
-            <a:spLocks noGrp="1"/>
-          </p:cNvSpPr>
-          <p:nvPr>
-            <p:ph type="title"/>
-          </p:nvPr>
-        </p:nvSpPr>
-        <p:spPr/>
-        <p:txBody>
-          <a:bodyPr/>
-          <a:lstStyle/>
-          <a:p>
-            <a:r>
-              <a:rPr lang="en-US" dirty="0"/>
-              <a:t>Outline </a:t>
-            </a:r>
-          </a:p>
-        </p:txBody>
-      </p:sp>
-      <p:sp>
-        <p:nvSpPr>
-          <p:cNvPr id="3" name="Segnaposto contenuto 2">
-            <a:extLst>
-              <a:ext uri="{FF2B5EF4-FFF2-40B4-BE49-F238E27FC236}">
-                <a16:creationId xmlns:a16="http://schemas.microsoft.com/office/drawing/2014/main" id="{B080D17D-5CB5-7A4C-86CF-032C6E6BEB1F}"/>
-              </a:ext>
-            </a:extLst>
-          </p:cNvPr>
-          <p:cNvSpPr>
-            <a:spLocks noGrp="1"/>
-          </p:cNvSpPr>
-          <p:nvPr>
-            <p:ph idx="1"/>
-          </p:nvPr>
-        </p:nvSpPr>
-        <p:spPr>
-          <a:xfrm>
-            <a:off x="838200" y="1555458"/>
-            <a:ext cx="10515600" cy="4722511"/>
-          </a:xfrm>
-        </p:spPr>
-        <p:txBody>
-          <a:bodyPr>
-            <a:noAutofit/>
-          </a:bodyPr>
-          <a:lstStyle/>
-          <a:p>
-            <a:r>
-              <a:rPr lang="en-US" sz="2400" dirty="0">
-                <a:solidFill>
-                  <a:schemeClr val="bg1">
-                    <a:lumMod val="65000"/>
-                  </a:schemeClr>
-                </a:solidFill>
-              </a:rPr>
-              <a:t>Necessity of alignment</a:t>
-            </a:r>
-          </a:p>
-          <a:p>
-            <a:r>
-              <a:rPr lang="en-US" sz="2400" dirty="0">
-                <a:solidFill>
-                  <a:schemeClr val="bg1">
-                    <a:lumMod val="65000"/>
-                  </a:schemeClr>
-                </a:solidFill>
-              </a:rPr>
-              <a:t>QRS detection: Pam-</a:t>
-            </a:r>
-            <a:r>
-              <a:rPr lang="en-US" sz="2400" dirty="0" err="1">
-                <a:solidFill>
-                  <a:schemeClr val="bg1">
-                    <a:lumMod val="65000"/>
-                  </a:schemeClr>
-                </a:solidFill>
-              </a:rPr>
-              <a:t>Tompinks</a:t>
-            </a:r>
-            <a:r>
-              <a:rPr lang="en-US" sz="2400" dirty="0">
-                <a:solidFill>
-                  <a:schemeClr val="bg1">
-                    <a:lumMod val="65000"/>
-                  </a:schemeClr>
-                </a:solidFill>
-              </a:rPr>
-              <a:t> algorithm </a:t>
-            </a:r>
-          </a:p>
-          <a:p>
-            <a:r>
-              <a:rPr lang="en-US" sz="2400" dirty="0">
-                <a:solidFill>
-                  <a:schemeClr val="bg1">
-                    <a:lumMod val="65000"/>
-                  </a:schemeClr>
-                </a:solidFill>
-              </a:rPr>
-              <a:t>Traces alignment: strategy 1</a:t>
-            </a:r>
-          </a:p>
-          <a:p>
-            <a:pPr lvl="1"/>
-            <a:r>
-              <a:rPr lang="en-US" sz="2000" dirty="0">
-                <a:solidFill>
-                  <a:schemeClr val="bg1">
-                    <a:lumMod val="65000"/>
-                  </a:schemeClr>
-                </a:solidFill>
-              </a:rPr>
-              <a:t>Description</a:t>
-            </a:r>
-          </a:p>
-          <a:p>
-            <a:pPr lvl="1"/>
-            <a:r>
-              <a:rPr lang="en-US" sz="2000" dirty="0">
-                <a:solidFill>
-                  <a:schemeClr val="bg1">
-                    <a:lumMod val="65000"/>
-                  </a:schemeClr>
-                </a:solidFill>
-              </a:rPr>
-              <a:t>Results</a:t>
-            </a:r>
-          </a:p>
-          <a:p>
-            <a:r>
-              <a:rPr lang="en-US" sz="2400" dirty="0"/>
-              <a:t>Traces alignment: strategy 2</a:t>
-            </a:r>
-          </a:p>
-          <a:p>
-            <a:pPr lvl="1"/>
-            <a:r>
-              <a:rPr lang="en-US" sz="2000" dirty="0"/>
-              <a:t>Description</a:t>
-            </a:r>
-          </a:p>
-          <a:p>
-            <a:pPr lvl="1"/>
-            <a:r>
-              <a:rPr lang="en-US" sz="2000" dirty="0"/>
-              <a:t>Results</a:t>
-            </a:r>
-          </a:p>
-          <a:p>
-            <a:r>
-              <a:rPr lang="en-US" sz="2400" dirty="0">
-                <a:solidFill>
-                  <a:schemeClr val="bg1">
-                    <a:lumMod val="65000"/>
-                  </a:schemeClr>
-                </a:solidFill>
-              </a:rPr>
-              <a:t>Conclusions</a:t>
-            </a:r>
-          </a:p>
-          <a:p>
-            <a:endParaRPr lang="en-US" sz="1800" dirty="0"/>
-          </a:p>
-          <a:p>
-            <a:pPr marL="0" indent="0">
-              <a:buNone/>
-            </a:pPr>
-            <a:endParaRPr lang="en-US" sz="1800" dirty="0"/>
-          </a:p>
-        </p:txBody>
-      </p:sp>
-      <p:sp>
-        <p:nvSpPr>
-          <p:cNvPr id="4" name="Segnaposto numero diapositiva 3">
-            <a:extLst>
-              <a:ext uri="{FF2B5EF4-FFF2-40B4-BE49-F238E27FC236}">
-                <a16:creationId xmlns:a16="http://schemas.microsoft.com/office/drawing/2014/main" id="{8B351BE6-1815-C162-224E-864AC8EF79D2}"/>
-              </a:ext>
-            </a:extLst>
-          </p:cNvPr>
-          <p:cNvSpPr>
-            <a:spLocks noGrp="1"/>
-          </p:cNvSpPr>
-          <p:nvPr>
-            <p:ph type="sldNum" sz="quarter" idx="12"/>
-          </p:nvPr>
-        </p:nvSpPr>
-        <p:spPr/>
-        <p:txBody>
-          <a:bodyPr/>
-          <a:lstStyle/>
-          <a:p>
-            <a:fld id="{2FA0223F-D95A-431D-9A71-EDA7FA0C2F5B}" type="slidenum">
-              <a:rPr lang="en-US" smtClean="0"/>
-              <a:t>12</a:t>
-            </a:fld>
-            <a:endParaRPr lang="en-US" dirty="0"/>
-          </a:p>
-        </p:txBody>
-      </p:sp>
-    </p:spTree>
-    <p:extLst>
-      <p:ext uri="{BB962C8B-B14F-4D97-AF65-F5344CB8AC3E}">
-        <p14:creationId xmlns:p14="http://schemas.microsoft.com/office/powerpoint/2010/main" val="781883377"/>
-      </p:ext>
-    </p:extLst>
-  </p:cSld>
-  <p:clrMapOvr>
-    <a:masterClrMapping/>
-  </p:clrMapOvr>
-</p:sld>
-</file>
-
 <file path=ppt/slides/slide13.xml><?xml version="1.0" encoding="utf-8"?>
 <p:sld xmlns:a="http://schemas.openxmlformats.org/drawingml/2006/main" xmlns:r="http://schemas.openxmlformats.org/officeDocument/2006/relationships" xmlns:p="http://schemas.openxmlformats.org/presentationml/2006/main">
   <p:cSld>
@@ -10560,8 +11805,160 @@
           <a:p>
             <a:r>
               <a:rPr lang="en-US" dirty="0"/>
+              <a:t>Outline </a:t>
+            </a:r>
+          </a:p>
+        </p:txBody>
+      </p:sp>
+      <p:sp>
+        <p:nvSpPr>
+          <p:cNvPr id="3" name="Segnaposto contenuto 2">
+            <a:extLst>
+              <a:ext uri="{FF2B5EF4-FFF2-40B4-BE49-F238E27FC236}">
+                <a16:creationId xmlns:a16="http://schemas.microsoft.com/office/drawing/2014/main" id="{B080D17D-5CB5-7A4C-86CF-032C6E6BEB1F}"/>
+              </a:ext>
+            </a:extLst>
+          </p:cNvPr>
+          <p:cNvSpPr>
+            <a:spLocks noGrp="1"/>
+          </p:cNvSpPr>
+          <p:nvPr>
+            <p:ph idx="1"/>
+          </p:nvPr>
+        </p:nvSpPr>
+        <p:spPr>
+          <a:xfrm>
+            <a:off x="838200" y="1555458"/>
+            <a:ext cx="10515600" cy="4722511"/>
+          </a:xfrm>
+        </p:spPr>
+        <p:txBody>
+          <a:bodyPr>
+            <a:noAutofit/>
+          </a:bodyPr>
+          <a:lstStyle/>
+          <a:p>
+            <a:r>
+              <a:rPr lang="en-US" sz="2400" dirty="0">
+                <a:solidFill>
+                  <a:schemeClr val="bg1">
+                    <a:lumMod val="65000"/>
+                  </a:schemeClr>
+                </a:solidFill>
+              </a:rPr>
+              <a:t>Necessity of alignment</a:t>
+            </a:r>
+          </a:p>
+          <a:p>
+            <a:r>
+              <a:rPr lang="en-US" sz="2400" dirty="0">
+                <a:solidFill>
+                  <a:schemeClr val="bg1">
+                    <a:lumMod val="65000"/>
+                  </a:schemeClr>
+                </a:solidFill>
+              </a:rPr>
+              <a:t>QRS detection: Pam-</a:t>
+            </a:r>
+            <a:r>
+              <a:rPr lang="en-US" sz="2400" dirty="0" err="1">
+                <a:solidFill>
+                  <a:schemeClr val="bg1">
+                    <a:lumMod val="65000"/>
+                  </a:schemeClr>
+                </a:solidFill>
+              </a:rPr>
+              <a:t>Tompinks</a:t>
+            </a:r>
+            <a:r>
+              <a:rPr lang="en-US" sz="2400" dirty="0">
+                <a:solidFill>
+                  <a:schemeClr val="bg1">
+                    <a:lumMod val="65000"/>
+                  </a:schemeClr>
+                </a:solidFill>
+              </a:rPr>
+              <a:t> algorithm </a:t>
+            </a:r>
+          </a:p>
+          <a:p>
+            <a:r>
+              <a:rPr lang="en-US" sz="2400" dirty="0">
+                <a:solidFill>
+                  <a:schemeClr val="bg1">
+                    <a:lumMod val="65000"/>
+                  </a:schemeClr>
+                </a:solidFill>
+              </a:rPr>
+              <a:t>Traces alignment: strategy 1</a:t>
+            </a:r>
+          </a:p>
+          <a:p>
+            <a:pPr lvl="1"/>
+            <a:r>
+              <a:rPr lang="en-US" sz="2000" dirty="0">
+                <a:solidFill>
+                  <a:schemeClr val="bg1">
+                    <a:lumMod val="65000"/>
+                  </a:schemeClr>
+                </a:solidFill>
+              </a:rPr>
+              <a:t>Description</a:t>
+            </a:r>
+          </a:p>
+          <a:p>
+            <a:pPr lvl="1"/>
+            <a:r>
+              <a:rPr lang="en-US" sz="2000" dirty="0">
+                <a:solidFill>
+                  <a:schemeClr val="bg1">
+                    <a:lumMod val="65000"/>
+                  </a:schemeClr>
+                </a:solidFill>
+              </a:rPr>
+              <a:t>Results</a:t>
+            </a:r>
+          </a:p>
+          <a:p>
+            <a:r>
+              <a:rPr lang="en-US" sz="2400" dirty="0"/>
               <a:t>Traces alignment: strategy 2</a:t>
             </a:r>
+          </a:p>
+          <a:p>
+            <a:pPr lvl="1"/>
+            <a:r>
+              <a:rPr lang="en-US" sz="2000" dirty="0"/>
+              <a:t>Description</a:t>
+            </a:r>
+          </a:p>
+          <a:p>
+            <a:pPr lvl="1"/>
+            <a:r>
+              <a:rPr lang="en-US" sz="2000" dirty="0"/>
+              <a:t>Results</a:t>
+            </a:r>
+          </a:p>
+          <a:p>
+            <a:r>
+              <a:rPr lang="en-US" sz="2400" dirty="0">
+                <a:solidFill>
+                  <a:schemeClr val="bg1">
+                    <a:lumMod val="65000"/>
+                  </a:schemeClr>
+                </a:solidFill>
+              </a:rPr>
+              <a:t>Conclusions</a:t>
+            </a:r>
+          </a:p>
+          <a:p>
+            <a:endParaRPr lang="en-US" sz="1800" dirty="0"/>
+          </a:p>
+          <a:p>
+            <a:pPr marL="0" indent="0">
+              <a:buNone/>
+            </a:pPr>
+            <a:endParaRPr lang="en-US" sz="1800" dirty="0"/>
           </a:p>
         </p:txBody>
       </p:sp>
@@ -10589,6 +11986,93 @@
             <a:fld id="{2FA0223F-D95A-431D-9A71-EDA7FA0C2F5B}" type="slidenum">
               <a:rPr lang="en-US" smtClean="0"/>
               <a:t>13</a:t>
+            </a:fld>
+            <a:endParaRPr lang="en-US" dirty="0"/>
+          </a:p>
+        </p:txBody>
+      </p:sp>
+    </p:spTree>
+    <p:extLst>
+      <p:ext uri="{BB962C8B-B14F-4D97-AF65-F5344CB8AC3E}">
+        <p14:creationId xmlns:p14="http://schemas.microsoft.com/office/powerpoint/2010/main" val="781883377"/>
+      </p:ext>
+    </p:extLst>
+  </p:cSld>
+  <p:clrMapOvr>
+    <a:masterClrMapping/>
+  </p:clrMapOvr>
+</p:sld>
+</file>
+
+<file path=ppt/slides/slide14.xml><?xml version="1.0" encoding="utf-8"?>
+<p:sld xmlns:a="http://schemas.openxmlformats.org/drawingml/2006/main" xmlns:r="http://schemas.openxmlformats.org/officeDocument/2006/relationships" xmlns:p="http://schemas.openxmlformats.org/presentationml/2006/main">
+  <p:cSld>
+    <p:spTree>
+      <p:nvGrpSpPr>
+        <p:cNvPr id="1" name=""/>
+        <p:cNvGrpSpPr/>
+        <p:nvPr/>
+      </p:nvGrpSpPr>
+      <p:grpSpPr>
+        <a:xfrm>
+          <a:off x="0" y="0"/>
+          <a:ext cx="0" cy="0"/>
+          <a:chOff x="0" y="0"/>
+          <a:chExt cx="0" cy="0"/>
+        </a:xfrm>
+      </p:grpSpPr>
+      <p:sp>
+        <p:nvSpPr>
+          <p:cNvPr id="2" name="Titolo 1">
+            <a:extLst>
+              <a:ext uri="{FF2B5EF4-FFF2-40B4-BE49-F238E27FC236}">
+                <a16:creationId xmlns:a16="http://schemas.microsoft.com/office/drawing/2014/main" id="{90F52EA4-9809-985C-8A8C-85AEDD39AF3B}"/>
+              </a:ext>
+            </a:extLst>
+          </p:cNvPr>
+          <p:cNvSpPr>
+            <a:spLocks noGrp="1"/>
+          </p:cNvSpPr>
+          <p:nvPr>
+            <p:ph type="title"/>
+          </p:nvPr>
+        </p:nvSpPr>
+        <p:spPr/>
+        <p:txBody>
+          <a:bodyPr/>
+          <a:lstStyle/>
+          <a:p>
+            <a:r>
+              <a:rPr lang="en-US" dirty="0"/>
+              <a:t>Traces alignment: strategy 2</a:t>
+            </a:r>
+          </a:p>
+        </p:txBody>
+      </p:sp>
+      <p:sp>
+        <p:nvSpPr>
+          <p:cNvPr id="4" name="Segnaposto numero diapositiva 3">
+            <a:extLst>
+              <a:ext uri="{FF2B5EF4-FFF2-40B4-BE49-F238E27FC236}">
+                <a16:creationId xmlns:a16="http://schemas.microsoft.com/office/drawing/2014/main" id="{8B351BE6-1815-C162-224E-864AC8EF79D2}"/>
+              </a:ext>
+            </a:extLst>
+          </p:cNvPr>
+          <p:cNvSpPr>
+            <a:spLocks noGrp="1"/>
+          </p:cNvSpPr>
+          <p:nvPr>
+            <p:ph type="sldNum" sz="quarter" idx="12"/>
+          </p:nvPr>
+        </p:nvSpPr>
+        <p:spPr/>
+        <p:txBody>
+          <a:bodyPr/>
+          <a:lstStyle/>
+          <a:p>
+            <a:fld id="{2FA0223F-D95A-431D-9A71-EDA7FA0C2F5B}" type="slidenum">
+              <a:rPr lang="en-US" smtClean="0"/>
+              <a:t>14</a:t>
             </a:fld>
             <a:endParaRPr lang="en-US"/>
           </a:p>
@@ -12771,7 +14255,7 @@
 </p:sld>
 </file>
 
-<file path=ppt/slides/slide14.xml><?xml version="1.0" encoding="utf-8"?>
+<file path=ppt/slides/slide15.xml><?xml version="1.0" encoding="utf-8"?>
 <p:sld xmlns:a="http://schemas.openxmlformats.org/drawingml/2006/main" xmlns:r="http://schemas.openxmlformats.org/officeDocument/2006/relationships" xmlns:p="http://schemas.openxmlformats.org/presentationml/2006/main">
   <p:cSld>
     <p:spTree>
@@ -12839,7 +14323,7 @@
           <a:p>
             <a:fld id="{2FA0223F-D95A-431D-9A71-EDA7FA0C2F5B}" type="slidenum">
               <a:rPr lang="en-US" smtClean="0"/>
-              <a:t>14</a:t>
+              <a:t>15</a:t>
             </a:fld>
             <a:endParaRPr lang="en-US"/>
           </a:p>
@@ -15366,7 +16850,7 @@
 </p:sld>
 </file>
 
-<file path=ppt/slides/slide15.xml><?xml version="1.0" encoding="utf-8"?>
+<file path=ppt/slides/slide16.xml><?xml version="1.0" encoding="utf-8"?>
 <p:sld xmlns:a="http://schemas.openxmlformats.org/drawingml/2006/main" xmlns:r="http://schemas.openxmlformats.org/officeDocument/2006/relationships" xmlns:p="http://schemas.openxmlformats.org/presentationml/2006/main">
   <p:cSld>
     <p:spTree>
@@ -15434,7 +16918,7 @@
           <a:p>
             <a:fld id="{2FA0223F-D95A-431D-9A71-EDA7FA0C2F5B}" type="slidenum">
               <a:rPr lang="en-US" smtClean="0"/>
-              <a:t>15</a:t>
+              <a:t>16</a:t>
             </a:fld>
             <a:endParaRPr lang="en-US" dirty="0"/>
           </a:p>
@@ -16799,7 +18283,7 @@
 </p:sld>
 </file>
 
-<file path=ppt/slides/slide16.xml><?xml version="1.0" encoding="utf-8"?>
+<file path=ppt/slides/slide17.xml><?xml version="1.0" encoding="utf-8"?>
 <p:sld xmlns:a="http://schemas.openxmlformats.org/drawingml/2006/main" xmlns:r="http://schemas.openxmlformats.org/officeDocument/2006/relationships" xmlns:p="http://schemas.openxmlformats.org/presentationml/2006/main">
   <p:cSld>
     <p:spTree>
@@ -17031,7 +18515,7 @@
           <a:p>
             <a:fld id="{2FA0223F-D95A-431D-9A71-EDA7FA0C2F5B}" type="slidenum">
               <a:rPr lang="en-US" smtClean="0"/>
-              <a:t>16</a:t>
+              <a:t>17</a:t>
             </a:fld>
             <a:endParaRPr lang="en-US" dirty="0"/>
           </a:p>
@@ -17050,7 +18534,7 @@
 </p:sld>
 </file>
 
-<file path=ppt/slides/slide17.xml><?xml version="1.0" encoding="utf-8"?>
+<file path=ppt/slides/slide18.xml><?xml version="1.0" encoding="utf-8"?>
 <p:sld xmlns:a="http://schemas.openxmlformats.org/drawingml/2006/main" xmlns:r="http://schemas.openxmlformats.org/officeDocument/2006/relationships" xmlns:p="http://schemas.openxmlformats.org/presentationml/2006/main">
   <p:cSld>
     <p:spTree>
@@ -17126,7 +18610,7 @@
           <a:p>
             <a:fld id="{2FA0223F-D95A-431D-9A71-EDA7FA0C2F5B}" type="slidenum">
               <a:rPr lang="en-US" smtClean="0"/>
-              <a:t>17</a:t>
+              <a:t>18</a:t>
             </a:fld>
             <a:endParaRPr lang="en-US"/>
           </a:p>
@@ -19584,7 +21068,7 @@
             </a:r>
             <a:r>
               <a:rPr lang="en-US" sz="1600" dirty="0"/>
-              <a:t>into another trace (i.e., reference or spare)</a:t>
+              <a:t>into another trace (i.e., ref or spare)</a:t>
             </a:r>
           </a:p>
           <a:p>
@@ -20060,6 +21544,256 @@
           </p:style>
         </p:cxnSp>
       </p:grpSp>
+      <p:sp>
+        <p:nvSpPr>
+          <p:cNvPr id="7" name="Rettangolo con angoli arrotondati 6">
+            <a:extLst>
+              <a:ext uri="{FF2B5EF4-FFF2-40B4-BE49-F238E27FC236}">
+                <a16:creationId xmlns:a16="http://schemas.microsoft.com/office/drawing/2014/main" id="{774A3485-5C17-2B47-C23F-45F0C2136C3F}"/>
+              </a:ext>
+            </a:extLst>
+          </p:cNvPr>
+          <p:cNvSpPr/>
+          <p:nvPr/>
+        </p:nvSpPr>
+        <p:spPr>
+          <a:xfrm>
+            <a:off x="2859976" y="5340302"/>
+            <a:ext cx="1437513" cy="237744"/>
+          </a:xfrm>
+          <a:prstGeom prst="roundRect">
+            <a:avLst/>
+          </a:prstGeom>
+        </p:spPr>
+        <p:style>
+          <a:lnRef idx="2">
+            <a:schemeClr val="accent1">
+              <a:shade val="15000"/>
+            </a:schemeClr>
+          </a:lnRef>
+          <a:fillRef idx="1">
+            <a:schemeClr val="accent1"/>
+          </a:fillRef>
+          <a:effectRef idx="0">
+            <a:schemeClr val="accent1"/>
+          </a:effectRef>
+          <a:fontRef idx="minor">
+            <a:schemeClr val="lt1"/>
+          </a:fontRef>
+        </p:style>
+        <p:txBody>
+          <a:bodyPr rtlCol="0" anchor="ctr"/>
+          <a:lstStyle/>
+          <a:p>
+            <a:pPr algn="ctr"/>
+            <a:r>
+              <a:rPr lang="it-IT" dirty="0"/>
+              <a:t>Base trace</a:t>
+            </a:r>
+          </a:p>
+        </p:txBody>
+      </p:sp>
+      <p:sp>
+        <p:nvSpPr>
+          <p:cNvPr id="8" name="Rettangolo con angoli arrotondati 7">
+            <a:extLst>
+              <a:ext uri="{FF2B5EF4-FFF2-40B4-BE49-F238E27FC236}">
+                <a16:creationId xmlns:a16="http://schemas.microsoft.com/office/drawing/2014/main" id="{BFA922AA-BE63-FF37-4B52-F4634A9E53A1}"/>
+              </a:ext>
+            </a:extLst>
+          </p:cNvPr>
+          <p:cNvSpPr/>
+          <p:nvPr/>
+        </p:nvSpPr>
+        <p:spPr>
+          <a:xfrm>
+            <a:off x="2859975" y="5733494"/>
+            <a:ext cx="1437513" cy="237744"/>
+          </a:xfrm>
+          <a:prstGeom prst="roundRect">
+            <a:avLst/>
+          </a:prstGeom>
+        </p:spPr>
+        <p:style>
+          <a:lnRef idx="2">
+            <a:schemeClr val="accent1">
+              <a:shade val="15000"/>
+            </a:schemeClr>
+          </a:lnRef>
+          <a:fillRef idx="1">
+            <a:schemeClr val="accent1"/>
+          </a:fillRef>
+          <a:effectRef idx="0">
+            <a:schemeClr val="accent1"/>
+          </a:effectRef>
+          <a:fontRef idx="minor">
+            <a:schemeClr val="lt1"/>
+          </a:fontRef>
+        </p:style>
+        <p:txBody>
+          <a:bodyPr rtlCol="0" anchor="ctr"/>
+          <a:lstStyle/>
+          <a:p>
+            <a:pPr algn="ctr"/>
+            <a:r>
+              <a:rPr lang="it-IT" dirty="0"/>
+              <a:t>Control trace</a:t>
+            </a:r>
+          </a:p>
+        </p:txBody>
+      </p:sp>
+      <p:sp>
+        <p:nvSpPr>
+          <p:cNvPr id="10" name="Rettangolo con angoli arrotondati 9">
+            <a:extLst>
+              <a:ext uri="{FF2B5EF4-FFF2-40B4-BE49-F238E27FC236}">
+                <a16:creationId xmlns:a16="http://schemas.microsoft.com/office/drawing/2014/main" id="{B76FD255-64D0-B31C-D6B5-F3EBDB05E093}"/>
+              </a:ext>
+            </a:extLst>
+          </p:cNvPr>
+          <p:cNvSpPr/>
+          <p:nvPr/>
+        </p:nvSpPr>
+        <p:spPr>
+          <a:xfrm>
+            <a:off x="2767584" y="5285232"/>
+            <a:ext cx="1615440" cy="728817"/>
+          </a:xfrm>
+          <a:prstGeom prst="roundRect">
+            <a:avLst/>
+          </a:prstGeom>
+          <a:noFill/>
+          <a:ln w="28575" cap="flat" cmpd="sng" algn="ctr">
+            <a:solidFill>
+              <a:schemeClr val="dk1"/>
+            </a:solidFill>
+            <a:prstDash val="solid"/>
+            <a:round/>
+            <a:headEnd type="none" w="med" len="med"/>
+            <a:tailEnd type="none" w="med" len="med"/>
+          </a:ln>
+        </p:spPr>
+        <p:style>
+          <a:lnRef idx="0">
+            <a:scrgbClr r="0" g="0" b="0"/>
+          </a:lnRef>
+          <a:fillRef idx="0">
+            <a:scrgbClr r="0" g="0" b="0"/>
+          </a:fillRef>
+          <a:effectRef idx="0">
+            <a:scrgbClr r="0" g="0" b="0"/>
+          </a:effectRef>
+          <a:fontRef idx="minor">
+            <a:schemeClr val="dk1"/>
+          </a:fontRef>
+        </p:style>
+        <p:txBody>
+          <a:bodyPr rtlCol="0" anchor="ctr"/>
+          <a:lstStyle/>
+          <a:p>
+            <a:pPr algn="ctr"/>
+            <a:endParaRPr lang="it-IT"/>
+          </a:p>
+        </p:txBody>
+      </p:sp>
+      <p:cxnSp>
+        <p:nvCxnSpPr>
+          <p:cNvPr id="15" name="Connettore a gomito 14">
+            <a:extLst>
+              <a:ext uri="{FF2B5EF4-FFF2-40B4-BE49-F238E27FC236}">
+                <a16:creationId xmlns:a16="http://schemas.microsoft.com/office/drawing/2014/main" id="{B8D25E97-9C76-6D54-242E-2010742F8A3B}"/>
+              </a:ext>
+            </a:extLst>
+          </p:cNvPr>
+          <p:cNvCxnSpPr>
+            <a:cxnSpLocks/>
+            <a:stCxn id="10" idx="1"/>
+            <a:endCxn id="5" idx="2"/>
+          </p:cNvCxnSpPr>
+          <p:nvPr/>
+        </p:nvCxnSpPr>
+        <p:spPr>
+          <a:xfrm rot="10800000">
+            <a:off x="2304670" y="5096393"/>
+            <a:ext cx="462915" cy="553248"/>
+          </a:xfrm>
+          <a:prstGeom prst="bentConnector2">
+            <a:avLst/>
+          </a:prstGeom>
+          <a:ln w="19050" cap="flat" cmpd="sng" algn="ctr">
+            <a:solidFill>
+              <a:schemeClr val="accent2"/>
+            </a:solidFill>
+            <a:prstDash val="solid"/>
+            <a:round/>
+            <a:headEnd type="none" w="med" len="med"/>
+            <a:tailEnd type="arrow" w="med" len="med"/>
+          </a:ln>
+        </p:spPr>
+        <p:style>
+          <a:lnRef idx="0">
+            <a:scrgbClr r="0" g="0" b="0"/>
+          </a:lnRef>
+          <a:fillRef idx="0">
+            <a:scrgbClr r="0" g="0" b="0"/>
+          </a:fillRef>
+          <a:effectRef idx="0">
+            <a:scrgbClr r="0" g="0" b="0"/>
+          </a:effectRef>
+          <a:fontRef idx="minor">
+            <a:schemeClr val="tx1"/>
+          </a:fontRef>
+        </p:style>
+      </p:cxnSp>
+      <p:cxnSp>
+        <p:nvCxnSpPr>
+          <p:cNvPr id="18" name="Connettore a gomito 17">
+            <a:extLst>
+              <a:ext uri="{FF2B5EF4-FFF2-40B4-BE49-F238E27FC236}">
+                <a16:creationId xmlns:a16="http://schemas.microsoft.com/office/drawing/2014/main" id="{168DE7DA-392D-D0FB-F0F1-E662F72E14D5}"/>
+              </a:ext>
+            </a:extLst>
+          </p:cNvPr>
+          <p:cNvCxnSpPr>
+            <a:cxnSpLocks/>
+            <a:stCxn id="10" idx="3"/>
+            <a:endCxn id="6" idx="2"/>
+          </p:cNvCxnSpPr>
+          <p:nvPr/>
+        </p:nvCxnSpPr>
+        <p:spPr>
+          <a:xfrm flipV="1">
+            <a:off x="4383024" y="5096393"/>
+            <a:ext cx="451866" cy="553248"/>
+          </a:xfrm>
+          <a:prstGeom prst="bentConnector2">
+            <a:avLst/>
+          </a:prstGeom>
+          <a:ln w="19050" cap="flat" cmpd="sng" algn="ctr">
+            <a:solidFill>
+              <a:schemeClr val="accent2"/>
+            </a:solidFill>
+            <a:prstDash val="solid"/>
+            <a:round/>
+            <a:headEnd type="none" w="med" len="med"/>
+            <a:tailEnd type="arrow" w="med" len="med"/>
+          </a:ln>
+        </p:spPr>
+        <p:style>
+          <a:lnRef idx="0">
+            <a:scrgbClr r="0" g="0" b="0"/>
+          </a:lnRef>
+          <a:fillRef idx="0">
+            <a:scrgbClr r="0" g="0" b="0"/>
+          </a:fillRef>
+          <a:effectRef idx="0">
+            <a:scrgbClr r="0" g="0" b="0"/>
+          </a:effectRef>
+          <a:fontRef idx="minor">
+            <a:schemeClr val="tx1"/>
+          </a:fontRef>
+        </p:style>
+      </p:cxnSp>
     </p:spTree>
     <p:extLst>
       <p:ext uri="{BB962C8B-B14F-4D97-AF65-F5344CB8AC3E}">
@@ -20113,7 +21847,7 @@
           <a:p>
             <a:r>
               <a:rPr lang="en-US" dirty="0"/>
-              <a:t>Outline </a:t>
+              <a:t>Base trace and control trace</a:t>
             </a:r>
           </a:p>
         </p:txBody>
@@ -20136,8 +21870,8 @@
         </p:nvSpPr>
         <p:spPr>
           <a:xfrm>
-            <a:off x="838200" y="1555458"/>
-            <a:ext cx="10515600" cy="4722511"/>
+            <a:off x="360937" y="1424683"/>
+            <a:ext cx="5552183" cy="4543507"/>
           </a:xfrm>
         </p:spPr>
         <p:txBody>
@@ -20146,127 +21880,213 @@
           </a:bodyPr>
           <a:lstStyle/>
           <a:p>
-            <a:r>
-              <a:rPr lang="en-US" sz="2400" dirty="0">
-                <a:solidFill>
-                  <a:schemeClr val="bg1">
-                    <a:lumMod val="65000"/>
-                  </a:schemeClr>
-                </a:solidFill>
-              </a:rPr>
-              <a:t>Necessity of alignment</a:t>
-            </a:r>
-          </a:p>
-          <a:p>
-            <a:r>
-              <a:rPr lang="en-US" sz="2400" dirty="0"/>
-              <a:t>QRS detection: Pam-</a:t>
-            </a:r>
-            <a:r>
-              <a:rPr lang="en-US" sz="2400" dirty="0" err="1"/>
-              <a:t>Tompinks</a:t>
-            </a:r>
-            <a:r>
-              <a:rPr lang="en-US" sz="2400" dirty="0"/>
-              <a:t> algorithm </a:t>
-            </a:r>
-          </a:p>
-          <a:p>
-            <a:r>
-              <a:rPr lang="en-US" sz="2400" dirty="0">
-                <a:solidFill>
-                  <a:schemeClr val="bg1">
-                    <a:lumMod val="65000"/>
-                  </a:schemeClr>
-                </a:solidFill>
-              </a:rPr>
-              <a:t>Traces alignment: strategy 1</a:t>
-            </a:r>
-          </a:p>
-          <a:p>
-            <a:pPr lvl="1"/>
-            <a:r>
-              <a:rPr lang="en-US" sz="2000" dirty="0">
-                <a:solidFill>
-                  <a:schemeClr val="bg1">
-                    <a:lumMod val="65000"/>
-                  </a:schemeClr>
-                </a:solidFill>
-              </a:rPr>
-              <a:t>Description</a:t>
-            </a:r>
-          </a:p>
-          <a:p>
-            <a:pPr lvl="1"/>
-            <a:r>
-              <a:rPr lang="en-US" sz="2000" dirty="0">
-                <a:solidFill>
-                  <a:schemeClr val="bg1">
-                    <a:lumMod val="65000"/>
-                  </a:schemeClr>
-                </a:solidFill>
-              </a:rPr>
-              <a:t>Results</a:t>
-            </a:r>
-          </a:p>
-          <a:p>
-            <a:r>
-              <a:rPr lang="en-US" sz="2400" dirty="0">
-                <a:solidFill>
-                  <a:schemeClr val="bg1">
-                    <a:lumMod val="65000"/>
-                  </a:schemeClr>
-                </a:solidFill>
-              </a:rPr>
-              <a:t>Traces alignment: strategy 2</a:t>
-            </a:r>
-          </a:p>
-          <a:p>
-            <a:pPr lvl="1"/>
-            <a:r>
-              <a:rPr lang="en-US" sz="2000" dirty="0">
-                <a:solidFill>
-                  <a:schemeClr val="bg1">
-                    <a:lumMod val="65000"/>
-                  </a:schemeClr>
-                </a:solidFill>
-              </a:rPr>
-              <a:t>Description</a:t>
-            </a:r>
-          </a:p>
-          <a:p>
-            <a:pPr lvl="1"/>
-            <a:r>
-              <a:rPr lang="en-US" sz="2000" dirty="0">
-                <a:solidFill>
-                  <a:schemeClr val="bg1">
-                    <a:lumMod val="65000"/>
-                  </a:schemeClr>
-                </a:solidFill>
-              </a:rPr>
-              <a:t>Results</a:t>
-            </a:r>
-          </a:p>
-          <a:p>
-            <a:r>
-              <a:rPr lang="en-US" sz="2400" dirty="0">
-                <a:solidFill>
-                  <a:schemeClr val="bg1">
-                    <a:lumMod val="65000"/>
-                  </a:schemeClr>
-                </a:solidFill>
-              </a:rPr>
-              <a:t>Conclusions</a:t>
-            </a:r>
-          </a:p>
-          <a:p>
-            <a:endParaRPr lang="en-US" sz="1800" dirty="0"/>
-          </a:p>
-          <a:p>
             <a:pPr marL="0" indent="0">
               <a:buNone/>
             </a:pPr>
-            <a:endParaRPr lang="en-US" sz="1800" dirty="0"/>
+            <a:r>
+              <a:rPr lang="en-US" sz="1600" dirty="0"/>
+              <a:t>To proceed with alignment, it’s necessary </a:t>
+            </a:r>
+            <a:r>
+              <a:rPr lang="en-US" sz="1600" b="1" dirty="0"/>
+              <a:t>define respect which signal align the Rov trace</a:t>
+            </a:r>
+            <a:r>
+              <a:rPr lang="en-US" sz="1600" dirty="0"/>
+              <a:t>. From now on we’ll use these names:</a:t>
+            </a:r>
+          </a:p>
+          <a:p>
+            <a:r>
+              <a:rPr lang="en-US" sz="1600" b="1" dirty="0">
+                <a:solidFill>
+                  <a:srgbClr val="0070C0"/>
+                </a:solidFill>
+              </a:rPr>
+              <a:t>Base trace</a:t>
+            </a:r>
+            <a:r>
+              <a:rPr lang="en-US" sz="1600" dirty="0"/>
+              <a:t>: trace respect to align the Rov trace</a:t>
+            </a:r>
+          </a:p>
+          <a:p>
+            <a:r>
+              <a:rPr lang="en-US" sz="1600" b="1" dirty="0">
+                <a:solidFill>
+                  <a:schemeClr val="accent2"/>
+                </a:solidFill>
+              </a:rPr>
+              <a:t>Control trace</a:t>
+            </a:r>
+            <a:r>
+              <a:rPr lang="en-US" sz="1600" dirty="0"/>
+              <a:t>: trace used to define the </a:t>
+            </a:r>
+            <a:r>
+              <a:rPr lang="en-GB" sz="1600" i="1" dirty="0"/>
+              <a:t>neighbourhood </a:t>
+            </a:r>
+            <a:r>
+              <a:rPr lang="en-GB" sz="1600" dirty="0"/>
+              <a:t>into the Rov trace</a:t>
+            </a:r>
+          </a:p>
+          <a:p>
+            <a:pPr marL="0" indent="0">
+              <a:buNone/>
+            </a:pPr>
+            <a:r>
+              <a:rPr lang="en-GB" sz="1600" dirty="0"/>
+              <a:t>The reason of such subdivision will be clear in the next slides. </a:t>
+            </a:r>
+          </a:p>
+          <a:p>
+            <a:pPr marL="0" indent="0">
+              <a:buNone/>
+            </a:pPr>
+            <a:r>
+              <a:rPr lang="en-GB" sz="1600" dirty="0"/>
+              <a:t>Such division allow to build different strategies of alignment, explained into the next steps, here</a:t>
+            </a:r>
+            <a:r>
+              <a:rPr lang="en-US" sz="1600" dirty="0"/>
+              <a:t> quickly summarized:</a:t>
+            </a:r>
+          </a:p>
+          <a:p>
+            <a:r>
+              <a:rPr lang="en-US" sz="1600" b="1" dirty="0"/>
+              <a:t>Strategy 1:</a:t>
+            </a:r>
+            <a:r>
+              <a:rPr lang="en-US" sz="1600" dirty="0"/>
+              <a:t> </a:t>
+            </a:r>
+          </a:p>
+          <a:p>
+            <a:pPr lvl="1"/>
+            <a:r>
+              <a:rPr lang="en-US" sz="1400" b="1" dirty="0">
+                <a:solidFill>
+                  <a:srgbClr val="0070C0"/>
+                </a:solidFill>
+              </a:rPr>
+              <a:t>Base trace</a:t>
+            </a:r>
+            <a:r>
+              <a:rPr lang="en-US" sz="1400" dirty="0"/>
+              <a:t>: ref trace</a:t>
+            </a:r>
+          </a:p>
+          <a:p>
+            <a:pPr lvl="1"/>
+            <a:r>
+              <a:rPr lang="en-US" sz="1400" b="1" dirty="0">
+                <a:solidFill>
+                  <a:schemeClr val="accent2"/>
+                </a:solidFill>
+              </a:rPr>
+              <a:t>Control trace</a:t>
+            </a:r>
+            <a:r>
+              <a:rPr lang="en-US" sz="1400" dirty="0"/>
+              <a:t>: ref trace</a:t>
+            </a:r>
+          </a:p>
+          <a:p>
+            <a:r>
+              <a:rPr lang="en-US" sz="1600" b="1" dirty="0"/>
+              <a:t>Strategy 2:</a:t>
+            </a:r>
+          </a:p>
+          <a:p>
+            <a:pPr lvl="1"/>
+            <a:r>
+              <a:rPr lang="en-US" sz="1400" b="1" dirty="0">
+                <a:solidFill>
+                  <a:srgbClr val="0070C0"/>
+                </a:solidFill>
+              </a:rPr>
+              <a:t>Base trace</a:t>
+            </a:r>
+            <a:r>
+              <a:rPr lang="en-US" sz="1400" dirty="0"/>
+              <a:t>: ref trace</a:t>
+            </a:r>
+          </a:p>
+          <a:p>
+            <a:pPr lvl="1"/>
+            <a:r>
+              <a:rPr lang="en-US" sz="1400" b="1" dirty="0">
+                <a:solidFill>
+                  <a:schemeClr val="accent2"/>
+                </a:solidFill>
+              </a:rPr>
+              <a:t>Control trace</a:t>
+            </a:r>
+            <a:r>
+              <a:rPr lang="en-US" sz="1400" dirty="0"/>
+              <a:t>: spare2 trace</a:t>
+            </a:r>
+          </a:p>
+          <a:p>
+            <a:r>
+              <a:rPr lang="en-US" sz="1600" b="1" dirty="0"/>
+              <a:t>Strategy 3:</a:t>
+            </a:r>
+          </a:p>
+          <a:p>
+            <a:pPr lvl="1"/>
+            <a:r>
+              <a:rPr lang="en-US" sz="1400" b="1" dirty="0">
+                <a:solidFill>
+                  <a:srgbClr val="0070C0"/>
+                </a:solidFill>
+              </a:rPr>
+              <a:t>Base trace</a:t>
+            </a:r>
+            <a:r>
+              <a:rPr lang="en-US" sz="1400" dirty="0"/>
+              <a:t>: ref trace</a:t>
+            </a:r>
+          </a:p>
+          <a:p>
+            <a:pPr lvl="1"/>
+            <a:r>
+              <a:rPr lang="en-US" sz="1400" b="1" dirty="0">
+                <a:solidFill>
+                  <a:schemeClr val="accent2"/>
+                </a:solidFill>
+              </a:rPr>
+              <a:t>Control trace</a:t>
+            </a:r>
+            <a:r>
+              <a:rPr lang="en-US" sz="1400" dirty="0"/>
+              <a:t>: spare1 trace</a:t>
+            </a:r>
+          </a:p>
+          <a:p>
+            <a:pPr marL="0" indent="0">
+              <a:buNone/>
+            </a:pPr>
+            <a:endParaRPr lang="en-US" sz="1600" dirty="0"/>
+          </a:p>
+          <a:p>
+            <a:pPr marL="0" indent="0">
+              <a:buNone/>
+            </a:pPr>
+            <a:endParaRPr lang="en-US" sz="1600" b="1" dirty="0">
+              <a:solidFill>
+                <a:srgbClr val="C00000"/>
+              </a:solidFill>
+            </a:endParaRPr>
+          </a:p>
+          <a:p>
+            <a:pPr marL="0" indent="0">
+              <a:buNone/>
+            </a:pPr>
+            <a:endParaRPr lang="en-US" sz="1600" dirty="0"/>
           </a:p>
         </p:txBody>
       </p:sp>
@@ -20299,10 +22119,279 @@
           </a:p>
         </p:txBody>
       </p:sp>
+      <p:pic>
+        <p:nvPicPr>
+          <p:cNvPr id="24" name="Immagine 23" descr="Immagine che contiene testo, linea, diagramma, Carattere&#10;&#10;Descrizione generata automaticamente">
+            <a:extLst>
+              <a:ext uri="{FF2B5EF4-FFF2-40B4-BE49-F238E27FC236}">
+                <a16:creationId xmlns:a16="http://schemas.microsoft.com/office/drawing/2014/main" id="{C7A55A8D-CF8B-5DB7-9DD7-1A732200BE9D}"/>
+              </a:ext>
+            </a:extLst>
+          </p:cNvPr>
+          <p:cNvPicPr>
+            <a:picLocks noChangeAspect="1"/>
+          </p:cNvPicPr>
+          <p:nvPr/>
+        </p:nvPicPr>
+        <p:blipFill>
+          <a:blip r:embed="rId3">
+            <a:extLst>
+              <a:ext uri="{28A0092B-C50C-407E-A947-70E740481C1C}">
+                <a14:useLocalDpi xmlns:a14="http://schemas.microsoft.com/office/drawing/2010/main" val="0"/>
+              </a:ext>
+            </a:extLst>
+          </a:blip>
+          <a:srcRect l="8916" t="4627" r="8750" b="4301"/>
+          <a:stretch/>
+        </p:blipFill>
+        <p:spPr>
+          <a:xfrm>
+            <a:off x="5659120" y="1694597"/>
+            <a:ext cx="6278880" cy="4003678"/>
+          </a:xfrm>
+          <a:prstGeom prst="rect">
+            <a:avLst/>
+          </a:prstGeom>
+        </p:spPr>
+      </p:pic>
+      <p:sp>
+        <p:nvSpPr>
+          <p:cNvPr id="25" name="Rettangolo con angoli arrotondati 24">
+            <a:extLst>
+              <a:ext uri="{FF2B5EF4-FFF2-40B4-BE49-F238E27FC236}">
+                <a16:creationId xmlns:a16="http://schemas.microsoft.com/office/drawing/2014/main" id="{8188ECEC-156D-EBB7-0969-48195982AC12}"/>
+              </a:ext>
+            </a:extLst>
+          </p:cNvPr>
+          <p:cNvSpPr/>
+          <p:nvPr/>
+        </p:nvSpPr>
+        <p:spPr>
+          <a:xfrm>
+            <a:off x="9509760" y="4348480"/>
+            <a:ext cx="660400" cy="1127760"/>
+          </a:xfrm>
+          <a:prstGeom prst="roundRect">
+            <a:avLst/>
+          </a:prstGeom>
+          <a:noFill/>
+          <a:ln w="28575" cap="flat" cmpd="sng" algn="ctr">
+            <a:solidFill>
+              <a:schemeClr val="accent2"/>
+            </a:solidFill>
+            <a:prstDash val="solid"/>
+            <a:round/>
+            <a:headEnd type="none" w="med" len="med"/>
+            <a:tailEnd type="none" w="med" len="med"/>
+          </a:ln>
+        </p:spPr>
+        <p:style>
+          <a:lnRef idx="0">
+            <a:scrgbClr r="0" g="0" b="0"/>
+          </a:lnRef>
+          <a:fillRef idx="0">
+            <a:scrgbClr r="0" g="0" b="0"/>
+          </a:fillRef>
+          <a:effectRef idx="0">
+            <a:scrgbClr r="0" g="0" b="0"/>
+          </a:effectRef>
+          <a:fontRef idx="minor">
+            <a:schemeClr val="accent2"/>
+          </a:fontRef>
+        </p:style>
+        <p:txBody>
+          <a:bodyPr rtlCol="0" anchor="ctr"/>
+          <a:lstStyle/>
+          <a:p>
+            <a:pPr algn="ctr"/>
+            <a:endParaRPr lang="it-IT" sz="1050" dirty="0"/>
+          </a:p>
+        </p:txBody>
+      </p:sp>
+      <p:sp>
+        <p:nvSpPr>
+          <p:cNvPr id="29" name="CasellaDiTesto 28">
+            <a:extLst>
+              <a:ext uri="{FF2B5EF4-FFF2-40B4-BE49-F238E27FC236}">
+                <a16:creationId xmlns:a16="http://schemas.microsoft.com/office/drawing/2014/main" id="{C4445986-F857-1D64-724F-419CC20A4A57}"/>
+              </a:ext>
+            </a:extLst>
+          </p:cNvPr>
+          <p:cNvSpPr txBox="1"/>
+          <p:nvPr/>
+        </p:nvSpPr>
+        <p:spPr>
+          <a:xfrm>
+            <a:off x="9458895" y="5423955"/>
+            <a:ext cx="853505" cy="338554"/>
+          </a:xfrm>
+          <a:prstGeom prst="rect">
+            <a:avLst/>
+          </a:prstGeom>
+          <a:noFill/>
+        </p:spPr>
+        <p:txBody>
+          <a:bodyPr wrap="square">
+            <a:spAutoFit/>
+          </a:bodyPr>
+          <a:lstStyle/>
+          <a:p>
+            <a:r>
+              <a:rPr lang="it-IT" sz="1600" dirty="0">
+                <a:solidFill>
+                  <a:schemeClr val="accent2"/>
+                </a:solidFill>
+              </a:rPr>
+              <a:t>Control</a:t>
+            </a:r>
+          </a:p>
+        </p:txBody>
+      </p:sp>
+      <p:cxnSp>
+        <p:nvCxnSpPr>
+          <p:cNvPr id="31" name="Connettore 2 30">
+            <a:extLst>
+              <a:ext uri="{FF2B5EF4-FFF2-40B4-BE49-F238E27FC236}">
+                <a16:creationId xmlns:a16="http://schemas.microsoft.com/office/drawing/2014/main" id="{E8F3F7D0-61CC-F298-4C45-2FD94CF61C44}"/>
+              </a:ext>
+            </a:extLst>
+          </p:cNvPr>
+          <p:cNvCxnSpPr>
+            <a:cxnSpLocks/>
+            <a:stCxn id="25" idx="0"/>
+          </p:cNvCxnSpPr>
+          <p:nvPr/>
+        </p:nvCxnSpPr>
+        <p:spPr>
+          <a:xfrm flipV="1">
+            <a:off x="9839960" y="2484120"/>
+            <a:ext cx="0" cy="1864360"/>
+          </a:xfrm>
+          <a:prstGeom prst="straightConnector1">
+            <a:avLst/>
+          </a:prstGeom>
+          <a:ln w="19050" cap="flat" cmpd="sng" algn="ctr">
+            <a:solidFill>
+              <a:schemeClr val="accent2"/>
+            </a:solidFill>
+            <a:prstDash val="solid"/>
+            <a:round/>
+            <a:headEnd type="none" w="med" len="med"/>
+            <a:tailEnd type="arrow" w="med" len="med"/>
+          </a:ln>
+        </p:spPr>
+        <p:style>
+          <a:lnRef idx="0">
+            <a:scrgbClr r="0" g="0" b="0"/>
+          </a:lnRef>
+          <a:fillRef idx="0">
+            <a:scrgbClr r="0" g="0" b="0"/>
+          </a:fillRef>
+          <a:effectRef idx="0">
+            <a:scrgbClr r="0" g="0" b="0"/>
+          </a:effectRef>
+          <a:fontRef idx="minor">
+            <a:schemeClr val="tx1"/>
+          </a:fontRef>
+        </p:style>
+      </p:cxnSp>
+      <p:sp>
+        <p:nvSpPr>
+          <p:cNvPr id="33" name="Rettangolo con angoli arrotondati 32">
+            <a:extLst>
+              <a:ext uri="{FF2B5EF4-FFF2-40B4-BE49-F238E27FC236}">
+                <a16:creationId xmlns:a16="http://schemas.microsoft.com/office/drawing/2014/main" id="{1CE8B488-6A27-D027-5B91-948021815912}"/>
+              </a:ext>
+            </a:extLst>
+          </p:cNvPr>
+          <p:cNvSpPr/>
+          <p:nvPr/>
+        </p:nvSpPr>
+        <p:spPr>
+          <a:xfrm>
+            <a:off x="8651240" y="3103930"/>
+            <a:ext cx="589280" cy="1066750"/>
+          </a:xfrm>
+          <a:prstGeom prst="roundRect">
+            <a:avLst/>
+          </a:prstGeom>
+          <a:noFill/>
+          <a:ln w="28575" cap="flat" cmpd="sng" algn="ctr">
+            <a:solidFill>
+              <a:schemeClr val="accent6"/>
+            </a:solidFill>
+            <a:prstDash val="solid"/>
+            <a:round/>
+            <a:headEnd type="none" w="med" len="med"/>
+            <a:tailEnd type="none" w="med" len="med"/>
+          </a:ln>
+        </p:spPr>
+        <p:style>
+          <a:lnRef idx="0">
+            <a:scrgbClr r="0" g="0" b="0"/>
+          </a:lnRef>
+          <a:fillRef idx="0">
+            <a:scrgbClr r="0" g="0" b="0"/>
+          </a:fillRef>
+          <a:effectRef idx="0">
+            <a:scrgbClr r="0" g="0" b="0"/>
+          </a:effectRef>
+          <a:fontRef idx="minor">
+            <a:schemeClr val="accent6"/>
+          </a:fontRef>
+        </p:style>
+        <p:txBody>
+          <a:bodyPr rtlCol="0" anchor="ctr"/>
+          <a:lstStyle/>
+          <a:p>
+            <a:pPr algn="ctr"/>
+            <a:endParaRPr lang="it-IT"/>
+          </a:p>
+        </p:txBody>
+      </p:sp>
+      <p:sp>
+        <p:nvSpPr>
+          <p:cNvPr id="34" name="CasellaDiTesto 33">
+            <a:extLst>
+              <a:ext uri="{FF2B5EF4-FFF2-40B4-BE49-F238E27FC236}">
+                <a16:creationId xmlns:a16="http://schemas.microsoft.com/office/drawing/2014/main" id="{D5EDF7F5-5F8A-AC00-ECF6-15464D21354D}"/>
+              </a:ext>
+            </a:extLst>
+          </p:cNvPr>
+          <p:cNvSpPr txBox="1"/>
+          <p:nvPr/>
+        </p:nvSpPr>
+        <p:spPr>
+          <a:xfrm>
+            <a:off x="8077102" y="3707837"/>
+            <a:ext cx="853505" cy="338554"/>
+          </a:xfrm>
+          <a:prstGeom prst="rect">
+            <a:avLst/>
+          </a:prstGeom>
+          <a:noFill/>
+        </p:spPr>
+        <p:txBody>
+          <a:bodyPr wrap="square">
+            <a:spAutoFit/>
+          </a:bodyPr>
+          <a:lstStyle/>
+          <a:p>
+            <a:r>
+              <a:rPr lang="it-IT" sz="1600" dirty="0">
+                <a:solidFill>
+                  <a:schemeClr val="accent6"/>
+                </a:solidFill>
+              </a:rPr>
+              <a:t>Base</a:t>
+            </a:r>
+          </a:p>
+        </p:txBody>
+      </p:sp>
     </p:spTree>
     <p:extLst>
       <p:ext uri="{BB962C8B-B14F-4D97-AF65-F5344CB8AC3E}">
-        <p14:creationId xmlns:p14="http://schemas.microsoft.com/office/powerpoint/2010/main" val="616808306"/>
+        <p14:creationId xmlns:p14="http://schemas.microsoft.com/office/powerpoint/2010/main" val="2947100468"/>
       </p:ext>
     </p:extLst>
   </p:cSld>
@@ -20347,6 +22436,245 @@
         </p:nvSpPr>
         <p:spPr/>
         <p:txBody>
+          <a:bodyPr/>
+          <a:lstStyle/>
+          <a:p>
+            <a:r>
+              <a:rPr lang="en-US" dirty="0"/>
+              <a:t>Outline </a:t>
+            </a:r>
+          </a:p>
+        </p:txBody>
+      </p:sp>
+      <p:sp>
+        <p:nvSpPr>
+          <p:cNvPr id="3" name="Segnaposto contenuto 2">
+            <a:extLst>
+              <a:ext uri="{FF2B5EF4-FFF2-40B4-BE49-F238E27FC236}">
+                <a16:creationId xmlns:a16="http://schemas.microsoft.com/office/drawing/2014/main" id="{B080D17D-5CB5-7A4C-86CF-032C6E6BEB1F}"/>
+              </a:ext>
+            </a:extLst>
+          </p:cNvPr>
+          <p:cNvSpPr>
+            <a:spLocks noGrp="1"/>
+          </p:cNvSpPr>
+          <p:nvPr>
+            <p:ph idx="1"/>
+          </p:nvPr>
+        </p:nvSpPr>
+        <p:spPr>
+          <a:xfrm>
+            <a:off x="838200" y="1555458"/>
+            <a:ext cx="10515600" cy="4722511"/>
+          </a:xfrm>
+        </p:spPr>
+        <p:txBody>
+          <a:bodyPr>
+            <a:noAutofit/>
+          </a:bodyPr>
+          <a:lstStyle/>
+          <a:p>
+            <a:r>
+              <a:rPr lang="en-US" sz="2400" dirty="0">
+                <a:solidFill>
+                  <a:schemeClr val="bg1">
+                    <a:lumMod val="65000"/>
+                  </a:schemeClr>
+                </a:solidFill>
+              </a:rPr>
+              <a:t>Necessity of alignment</a:t>
+            </a:r>
+          </a:p>
+          <a:p>
+            <a:r>
+              <a:rPr lang="en-US" sz="2400" dirty="0"/>
+              <a:t>QRS detection: Pam-</a:t>
+            </a:r>
+            <a:r>
+              <a:rPr lang="en-US" sz="2400" dirty="0" err="1"/>
+              <a:t>Tompinks</a:t>
+            </a:r>
+            <a:r>
+              <a:rPr lang="en-US" sz="2400" dirty="0"/>
+              <a:t> algorithm </a:t>
+            </a:r>
+          </a:p>
+          <a:p>
+            <a:r>
+              <a:rPr lang="en-US" sz="2400" dirty="0">
+                <a:solidFill>
+                  <a:schemeClr val="bg1">
+                    <a:lumMod val="65000"/>
+                  </a:schemeClr>
+                </a:solidFill>
+              </a:rPr>
+              <a:t>Traces alignment: strategy 1</a:t>
+            </a:r>
+          </a:p>
+          <a:p>
+            <a:pPr lvl="1"/>
+            <a:r>
+              <a:rPr lang="en-US" sz="2000" dirty="0">
+                <a:solidFill>
+                  <a:schemeClr val="bg1">
+                    <a:lumMod val="65000"/>
+                  </a:schemeClr>
+                </a:solidFill>
+              </a:rPr>
+              <a:t>Description</a:t>
+            </a:r>
+          </a:p>
+          <a:p>
+            <a:pPr lvl="1"/>
+            <a:r>
+              <a:rPr lang="en-US" sz="2000" dirty="0">
+                <a:solidFill>
+                  <a:schemeClr val="bg1">
+                    <a:lumMod val="65000"/>
+                  </a:schemeClr>
+                </a:solidFill>
+              </a:rPr>
+              <a:t>Results</a:t>
+            </a:r>
+          </a:p>
+          <a:p>
+            <a:r>
+              <a:rPr lang="en-US" sz="2400" dirty="0">
+                <a:solidFill>
+                  <a:schemeClr val="bg1">
+                    <a:lumMod val="65000"/>
+                  </a:schemeClr>
+                </a:solidFill>
+              </a:rPr>
+              <a:t>Traces alignment: strategy 2</a:t>
+            </a:r>
+          </a:p>
+          <a:p>
+            <a:pPr lvl="1"/>
+            <a:r>
+              <a:rPr lang="en-US" sz="2000" dirty="0">
+                <a:solidFill>
+                  <a:schemeClr val="bg1">
+                    <a:lumMod val="65000"/>
+                  </a:schemeClr>
+                </a:solidFill>
+              </a:rPr>
+              <a:t>Description</a:t>
+            </a:r>
+          </a:p>
+          <a:p>
+            <a:pPr lvl="1"/>
+            <a:r>
+              <a:rPr lang="en-US" sz="2000" dirty="0">
+                <a:solidFill>
+                  <a:schemeClr val="bg1">
+                    <a:lumMod val="65000"/>
+                  </a:schemeClr>
+                </a:solidFill>
+              </a:rPr>
+              <a:t>Results</a:t>
+            </a:r>
+          </a:p>
+          <a:p>
+            <a:r>
+              <a:rPr lang="en-US" sz="2400" dirty="0">
+                <a:solidFill>
+                  <a:schemeClr val="bg1">
+                    <a:lumMod val="65000"/>
+                  </a:schemeClr>
+                </a:solidFill>
+              </a:rPr>
+              <a:t>Conclusions</a:t>
+            </a:r>
+          </a:p>
+          <a:p>
+            <a:endParaRPr lang="en-US" sz="1800" dirty="0"/>
+          </a:p>
+          <a:p>
+            <a:pPr marL="0" indent="0">
+              <a:buNone/>
+            </a:pPr>
+            <a:endParaRPr lang="en-US" sz="1800" dirty="0"/>
+          </a:p>
+        </p:txBody>
+      </p:sp>
+      <p:sp>
+        <p:nvSpPr>
+          <p:cNvPr id="4" name="Segnaposto numero diapositiva 3">
+            <a:extLst>
+              <a:ext uri="{FF2B5EF4-FFF2-40B4-BE49-F238E27FC236}">
+                <a16:creationId xmlns:a16="http://schemas.microsoft.com/office/drawing/2014/main" id="{8B351BE6-1815-C162-224E-864AC8EF79D2}"/>
+              </a:ext>
+            </a:extLst>
+          </p:cNvPr>
+          <p:cNvSpPr>
+            <a:spLocks noGrp="1"/>
+          </p:cNvSpPr>
+          <p:nvPr>
+            <p:ph type="sldNum" sz="quarter" idx="12"/>
+          </p:nvPr>
+        </p:nvSpPr>
+        <p:spPr/>
+        <p:txBody>
+          <a:bodyPr/>
+          <a:lstStyle/>
+          <a:p>
+            <a:fld id="{2FA0223F-D95A-431D-9A71-EDA7FA0C2F5B}" type="slidenum">
+              <a:rPr lang="en-US" smtClean="0"/>
+              <a:t>7</a:t>
+            </a:fld>
+            <a:endParaRPr lang="en-US" dirty="0"/>
+          </a:p>
+        </p:txBody>
+      </p:sp>
+    </p:spTree>
+    <p:extLst>
+      <p:ext uri="{BB962C8B-B14F-4D97-AF65-F5344CB8AC3E}">
+        <p14:creationId xmlns:p14="http://schemas.microsoft.com/office/powerpoint/2010/main" val="616808306"/>
+      </p:ext>
+    </p:extLst>
+  </p:cSld>
+  <p:clrMapOvr>
+    <a:masterClrMapping/>
+  </p:clrMapOvr>
+</p:sld>
+</file>
+
+<file path=ppt/slides/slide8.xml><?xml version="1.0" encoding="utf-8"?>
+<p:sld xmlns:a="http://schemas.openxmlformats.org/drawingml/2006/main" xmlns:r="http://schemas.openxmlformats.org/officeDocument/2006/relationships" xmlns:p="http://schemas.openxmlformats.org/presentationml/2006/main">
+  <p:cSld>
+    <p:spTree>
+      <p:nvGrpSpPr>
+        <p:cNvPr id="1" name=""/>
+        <p:cNvGrpSpPr/>
+        <p:nvPr/>
+      </p:nvGrpSpPr>
+      <p:grpSpPr>
+        <a:xfrm>
+          <a:off x="0" y="0"/>
+          <a:ext cx="0" cy="0"/>
+          <a:chOff x="0" y="0"/>
+          <a:chExt cx="0" cy="0"/>
+        </a:xfrm>
+      </p:grpSpPr>
+      <p:sp>
+        <p:nvSpPr>
+          <p:cNvPr id="2" name="Titolo 1">
+            <a:extLst>
+              <a:ext uri="{FF2B5EF4-FFF2-40B4-BE49-F238E27FC236}">
+                <a16:creationId xmlns:a16="http://schemas.microsoft.com/office/drawing/2014/main" id="{90F52EA4-9809-985C-8A8C-85AEDD39AF3B}"/>
+              </a:ext>
+            </a:extLst>
+          </p:cNvPr>
+          <p:cNvSpPr>
+            <a:spLocks noGrp="1"/>
+          </p:cNvSpPr>
+          <p:nvPr>
+            <p:ph type="title"/>
+          </p:nvPr>
+        </p:nvSpPr>
+        <p:spPr/>
+        <p:txBody>
           <a:bodyPr>
             <a:normAutofit/>
           </a:bodyPr>
@@ -20559,7 +22887,7 @@
           <a:p>
             <a:fld id="{2FA0223F-D95A-431D-9A71-EDA7FA0C2F5B}" type="slidenum">
               <a:rPr lang="en-US" smtClean="0"/>
-              <a:t>7</a:t>
+              <a:t>8</a:t>
             </a:fld>
             <a:endParaRPr lang="en-US" dirty="0"/>
           </a:p>
@@ -20613,245 +22941,6 @@
 </p:sld>
 </file>
 
-<file path=ppt/slides/slide8.xml><?xml version="1.0" encoding="utf-8"?>
-<p:sld xmlns:a="http://schemas.openxmlformats.org/drawingml/2006/main" xmlns:r="http://schemas.openxmlformats.org/officeDocument/2006/relationships" xmlns:p="http://schemas.openxmlformats.org/presentationml/2006/main">
-  <p:cSld>
-    <p:spTree>
-      <p:nvGrpSpPr>
-        <p:cNvPr id="1" name=""/>
-        <p:cNvGrpSpPr/>
-        <p:nvPr/>
-      </p:nvGrpSpPr>
-      <p:grpSpPr>
-        <a:xfrm>
-          <a:off x="0" y="0"/>
-          <a:ext cx="0" cy="0"/>
-          <a:chOff x="0" y="0"/>
-          <a:chExt cx="0" cy="0"/>
-        </a:xfrm>
-      </p:grpSpPr>
-      <p:sp>
-        <p:nvSpPr>
-          <p:cNvPr id="2" name="Titolo 1">
-            <a:extLst>
-              <a:ext uri="{FF2B5EF4-FFF2-40B4-BE49-F238E27FC236}">
-                <a16:creationId xmlns:a16="http://schemas.microsoft.com/office/drawing/2014/main" id="{90F52EA4-9809-985C-8A8C-85AEDD39AF3B}"/>
-              </a:ext>
-            </a:extLst>
-          </p:cNvPr>
-          <p:cNvSpPr>
-            <a:spLocks noGrp="1"/>
-          </p:cNvSpPr>
-          <p:nvPr>
-            <p:ph type="title"/>
-          </p:nvPr>
-        </p:nvSpPr>
-        <p:spPr/>
-        <p:txBody>
-          <a:bodyPr/>
-          <a:lstStyle/>
-          <a:p>
-            <a:r>
-              <a:rPr lang="en-US" dirty="0"/>
-              <a:t>Outline </a:t>
-            </a:r>
-          </a:p>
-        </p:txBody>
-      </p:sp>
-      <p:sp>
-        <p:nvSpPr>
-          <p:cNvPr id="3" name="Segnaposto contenuto 2">
-            <a:extLst>
-              <a:ext uri="{FF2B5EF4-FFF2-40B4-BE49-F238E27FC236}">
-                <a16:creationId xmlns:a16="http://schemas.microsoft.com/office/drawing/2014/main" id="{B080D17D-5CB5-7A4C-86CF-032C6E6BEB1F}"/>
-              </a:ext>
-            </a:extLst>
-          </p:cNvPr>
-          <p:cNvSpPr>
-            <a:spLocks noGrp="1"/>
-          </p:cNvSpPr>
-          <p:nvPr>
-            <p:ph idx="1"/>
-          </p:nvPr>
-        </p:nvSpPr>
-        <p:spPr>
-          <a:xfrm>
-            <a:off x="838200" y="1555458"/>
-            <a:ext cx="10515600" cy="4722511"/>
-          </a:xfrm>
-        </p:spPr>
-        <p:txBody>
-          <a:bodyPr>
-            <a:noAutofit/>
-          </a:bodyPr>
-          <a:lstStyle/>
-          <a:p>
-            <a:r>
-              <a:rPr lang="en-US" sz="2400" dirty="0">
-                <a:solidFill>
-                  <a:schemeClr val="bg1">
-                    <a:lumMod val="65000"/>
-                  </a:schemeClr>
-                </a:solidFill>
-              </a:rPr>
-              <a:t>Necessity of alignment</a:t>
-            </a:r>
-          </a:p>
-          <a:p>
-            <a:r>
-              <a:rPr lang="en-US" sz="2400" dirty="0">
-                <a:solidFill>
-                  <a:schemeClr val="bg1">
-                    <a:lumMod val="65000"/>
-                  </a:schemeClr>
-                </a:solidFill>
-              </a:rPr>
-              <a:t>QRS detection: Pam-</a:t>
-            </a:r>
-            <a:r>
-              <a:rPr lang="en-US" sz="2400" dirty="0" err="1">
-                <a:solidFill>
-                  <a:schemeClr val="bg1">
-                    <a:lumMod val="65000"/>
-                  </a:schemeClr>
-                </a:solidFill>
-              </a:rPr>
-              <a:t>Tompinks</a:t>
-            </a:r>
-            <a:r>
-              <a:rPr lang="en-US" sz="2400" dirty="0">
-                <a:solidFill>
-                  <a:schemeClr val="bg1">
-                    <a:lumMod val="65000"/>
-                  </a:schemeClr>
-                </a:solidFill>
-              </a:rPr>
-              <a:t> algorithm </a:t>
-            </a:r>
-          </a:p>
-          <a:p>
-            <a:r>
-              <a:rPr lang="en-US" sz="2400" dirty="0"/>
-              <a:t>Traces alignment: strategy 1</a:t>
-            </a:r>
-          </a:p>
-          <a:p>
-            <a:pPr lvl="1"/>
-            <a:r>
-              <a:rPr lang="en-US" sz="2000" dirty="0"/>
-              <a:t>Description</a:t>
-            </a:r>
-          </a:p>
-          <a:p>
-            <a:pPr lvl="1"/>
-            <a:r>
-              <a:rPr lang="en-US" sz="2000" dirty="0"/>
-              <a:t>Results</a:t>
-            </a:r>
-          </a:p>
-          <a:p>
-            <a:r>
-              <a:rPr lang="en-US" sz="2400" dirty="0">
-                <a:solidFill>
-                  <a:schemeClr val="bg1">
-                    <a:lumMod val="65000"/>
-                  </a:schemeClr>
-                </a:solidFill>
-              </a:rPr>
-              <a:t>Traces alignment: strategy 2</a:t>
-            </a:r>
-          </a:p>
-          <a:p>
-            <a:pPr lvl="1"/>
-            <a:r>
-              <a:rPr lang="en-US" sz="2000" dirty="0">
-                <a:solidFill>
-                  <a:schemeClr val="bg1">
-                    <a:lumMod val="65000"/>
-                  </a:schemeClr>
-                </a:solidFill>
-              </a:rPr>
-              <a:t>Description</a:t>
-            </a:r>
-          </a:p>
-          <a:p>
-            <a:pPr lvl="1"/>
-            <a:r>
-              <a:rPr lang="en-US" sz="2000" dirty="0">
-                <a:solidFill>
-                  <a:schemeClr val="bg1">
-                    <a:lumMod val="65000"/>
-                  </a:schemeClr>
-                </a:solidFill>
-              </a:rPr>
-              <a:t>Results</a:t>
-            </a:r>
-          </a:p>
-          <a:p>
-            <a:r>
-              <a:rPr lang="en-US" sz="2400" dirty="0">
-                <a:solidFill>
-                  <a:schemeClr val="bg1">
-                    <a:lumMod val="65000"/>
-                  </a:schemeClr>
-                </a:solidFill>
-              </a:rPr>
-              <a:t>Conclusions</a:t>
-            </a:r>
-          </a:p>
-          <a:p>
-            <a:endParaRPr lang="en-US" sz="1800" dirty="0"/>
-          </a:p>
-          <a:p>
-            <a:pPr marL="0" indent="0">
-              <a:buNone/>
-            </a:pPr>
-            <a:endParaRPr lang="en-US" sz="1800" dirty="0"/>
-          </a:p>
-        </p:txBody>
-      </p:sp>
-      <p:sp>
-        <p:nvSpPr>
-          <p:cNvPr id="4" name="Segnaposto numero diapositiva 3">
-            <a:extLst>
-              <a:ext uri="{FF2B5EF4-FFF2-40B4-BE49-F238E27FC236}">
-                <a16:creationId xmlns:a16="http://schemas.microsoft.com/office/drawing/2014/main" id="{8B351BE6-1815-C162-224E-864AC8EF79D2}"/>
-              </a:ext>
-            </a:extLst>
-          </p:cNvPr>
-          <p:cNvSpPr>
-            <a:spLocks noGrp="1"/>
-          </p:cNvSpPr>
-          <p:nvPr>
-            <p:ph type="sldNum" sz="quarter" idx="12"/>
-          </p:nvPr>
-        </p:nvSpPr>
-        <p:spPr/>
-        <p:txBody>
-          <a:bodyPr/>
-          <a:lstStyle/>
-          <a:p>
-            <a:fld id="{2FA0223F-D95A-431D-9A71-EDA7FA0C2F5B}" type="slidenum">
-              <a:rPr lang="en-US" smtClean="0"/>
-              <a:t>8</a:t>
-            </a:fld>
-            <a:endParaRPr lang="en-US" dirty="0"/>
-          </a:p>
-        </p:txBody>
-      </p:sp>
-    </p:spTree>
-    <p:extLst>
-      <p:ext uri="{BB962C8B-B14F-4D97-AF65-F5344CB8AC3E}">
-        <p14:creationId xmlns:p14="http://schemas.microsoft.com/office/powerpoint/2010/main" val="3644399639"/>
-      </p:ext>
-    </p:extLst>
-  </p:cSld>
-  <p:clrMapOvr>
-    <a:masterClrMapping/>
-  </p:clrMapOvr>
-</p:sld>
-</file>
-
 <file path=ppt/slides/slide9.xml><?xml version="1.0" encoding="utf-8"?>
 <p:sld xmlns:a="http://schemas.openxmlformats.org/drawingml/2006/main" xmlns:r="http://schemas.openxmlformats.org/officeDocument/2006/relationships" xmlns:p="http://schemas.openxmlformats.org/presentationml/2006/main">
   <p:cSld>
@@ -20892,8 +22981,160 @@
           <a:p>
             <a:r>
               <a:rPr lang="en-US" dirty="0"/>
+              <a:t>Outline </a:t>
+            </a:r>
+          </a:p>
+        </p:txBody>
+      </p:sp>
+      <p:sp>
+        <p:nvSpPr>
+          <p:cNvPr id="3" name="Segnaposto contenuto 2">
+            <a:extLst>
+              <a:ext uri="{FF2B5EF4-FFF2-40B4-BE49-F238E27FC236}">
+                <a16:creationId xmlns:a16="http://schemas.microsoft.com/office/drawing/2014/main" id="{B080D17D-5CB5-7A4C-86CF-032C6E6BEB1F}"/>
+              </a:ext>
+            </a:extLst>
+          </p:cNvPr>
+          <p:cNvSpPr>
+            <a:spLocks noGrp="1"/>
+          </p:cNvSpPr>
+          <p:nvPr>
+            <p:ph idx="1"/>
+          </p:nvPr>
+        </p:nvSpPr>
+        <p:spPr>
+          <a:xfrm>
+            <a:off x="838200" y="1555458"/>
+            <a:ext cx="10515600" cy="4722511"/>
+          </a:xfrm>
+        </p:spPr>
+        <p:txBody>
+          <a:bodyPr>
+            <a:noAutofit/>
+          </a:bodyPr>
+          <a:lstStyle/>
+          <a:p>
+            <a:r>
+              <a:rPr lang="en-US" sz="2400" dirty="0">
+                <a:solidFill>
+                  <a:schemeClr val="bg1">
+                    <a:lumMod val="65000"/>
+                  </a:schemeClr>
+                </a:solidFill>
+              </a:rPr>
+              <a:t>Necessity of alignment</a:t>
+            </a:r>
+          </a:p>
+          <a:p>
+            <a:r>
+              <a:rPr lang="en-US" sz="2400" dirty="0">
+                <a:solidFill>
+                  <a:schemeClr val="bg1">
+                    <a:lumMod val="65000"/>
+                  </a:schemeClr>
+                </a:solidFill>
+              </a:rPr>
+              <a:t>QRS detection: Pam-</a:t>
+            </a:r>
+            <a:r>
+              <a:rPr lang="en-US" sz="2400" dirty="0" err="1">
+                <a:solidFill>
+                  <a:schemeClr val="bg1">
+                    <a:lumMod val="65000"/>
+                  </a:schemeClr>
+                </a:solidFill>
+              </a:rPr>
+              <a:t>Tompinks</a:t>
+            </a:r>
+            <a:r>
+              <a:rPr lang="en-US" sz="2400" dirty="0">
+                <a:solidFill>
+                  <a:schemeClr val="bg1">
+                    <a:lumMod val="65000"/>
+                  </a:schemeClr>
+                </a:solidFill>
+              </a:rPr>
+              <a:t> algorithm </a:t>
+            </a:r>
+          </a:p>
+          <a:p>
+            <a:r>
+              <a:rPr lang="en-US" sz="2400" dirty="0"/>
               <a:t>Traces alignment: strategy 1</a:t>
             </a:r>
+          </a:p>
+          <a:p>
+            <a:pPr lvl="1"/>
+            <a:r>
+              <a:rPr lang="en-US" sz="2000" dirty="0"/>
+              <a:t>Description</a:t>
+            </a:r>
+          </a:p>
+          <a:p>
+            <a:pPr lvl="1"/>
+            <a:r>
+              <a:rPr lang="en-US" sz="2000" dirty="0"/>
+              <a:t>Results</a:t>
+            </a:r>
+          </a:p>
+          <a:p>
+            <a:r>
+              <a:rPr lang="en-US" sz="2400" dirty="0">
+                <a:solidFill>
+                  <a:schemeClr val="bg1">
+                    <a:lumMod val="65000"/>
+                  </a:schemeClr>
+                </a:solidFill>
+              </a:rPr>
+              <a:t>Traces alignment: strategy 2</a:t>
+            </a:r>
+          </a:p>
+          <a:p>
+            <a:pPr lvl="1"/>
+            <a:r>
+              <a:rPr lang="en-US" sz="2000" dirty="0">
+                <a:solidFill>
+                  <a:schemeClr val="bg1">
+                    <a:lumMod val="65000"/>
+                  </a:schemeClr>
+                </a:solidFill>
+              </a:rPr>
+              <a:t>Description</a:t>
+            </a:r>
+          </a:p>
+          <a:p>
+            <a:pPr lvl="1"/>
+            <a:r>
+              <a:rPr lang="en-US" sz="2000" dirty="0">
+                <a:solidFill>
+                  <a:schemeClr val="bg1">
+                    <a:lumMod val="65000"/>
+                  </a:schemeClr>
+                </a:solidFill>
+              </a:rPr>
+              <a:t>Results</a:t>
+            </a:r>
+          </a:p>
+          <a:p>
+            <a:r>
+              <a:rPr lang="en-US" sz="2400" dirty="0">
+                <a:solidFill>
+                  <a:schemeClr val="bg1">
+                    <a:lumMod val="65000"/>
+                  </a:schemeClr>
+                </a:solidFill>
+              </a:rPr>
+              <a:t>Conclusions</a:t>
+            </a:r>
+          </a:p>
+          <a:p>
+            <a:endParaRPr lang="en-US" sz="1800" dirty="0"/>
+          </a:p>
+          <a:p>
+            <a:pPr marL="0" indent="0">
+              <a:buNone/>
+            </a:pPr>
+            <a:endParaRPr lang="en-US" sz="1800" dirty="0"/>
           </a:p>
         </p:txBody>
       </p:sp>
@@ -20922,1332 +23163,20 @@
               <a:rPr lang="en-US" smtClean="0"/>
               <a:t>9</a:t>
             </a:fld>
-            <a:endParaRPr lang="en-US"/>
-          </a:p>
-        </p:txBody>
-      </p:sp>
-      <mc:AlternateContent xmlns:mc="http://schemas.openxmlformats.org/markup-compatibility/2006" xmlns:a14="http://schemas.microsoft.com/office/drawing/2010/main">
-        <mc:Choice Requires="a14">
-          <p:sp>
-            <p:nvSpPr>
-              <p:cNvPr id="6" name="Segnaposto contenuto 2">
-                <a:extLst>
-                  <a:ext uri="{FF2B5EF4-FFF2-40B4-BE49-F238E27FC236}">
-                    <a16:creationId xmlns:a16="http://schemas.microsoft.com/office/drawing/2014/main" id="{D9704C79-DF15-E314-C934-557E33389704}"/>
-                  </a:ext>
-                </a:extLst>
-              </p:cNvPr>
-              <p:cNvSpPr txBox="1">
-                <a:spLocks/>
-              </p:cNvSpPr>
-              <p:nvPr/>
-            </p:nvSpPr>
-            <p:spPr>
-              <a:xfrm>
-                <a:off x="342103" y="1432423"/>
-                <a:ext cx="5455194" cy="4712345"/>
-              </a:xfrm>
-              <a:prstGeom prst="rect">
-                <a:avLst/>
-              </a:prstGeom>
-            </p:spPr>
-            <p:txBody>
-              <a:bodyPr vert="horz" lIns="91440" tIns="45720" rIns="91440" bIns="45720" rtlCol="0">
-                <a:noAutofit/>
-              </a:bodyPr>
-              <a:lstStyle>
-                <a:lvl1pPr marL="228600" indent="-228600" algn="l" defTabSz="914400" rtl="0" eaLnBrk="1" latinLnBrk="0" hangingPunct="1">
-                  <a:lnSpc>
-                    <a:spcPct val="90000"/>
-                  </a:lnSpc>
-                  <a:spcBef>
-                    <a:spcPts val="1000"/>
-                  </a:spcBef>
-                  <a:buFont typeface="Arial" panose="020B0604020202020204" pitchFamily="34" charset="0"/>
-                  <a:buChar char="•"/>
-                  <a:defRPr sz="2800" kern="1200">
-                    <a:solidFill>
-                      <a:schemeClr val="tx1"/>
-                    </a:solidFill>
-                    <a:latin typeface="+mn-lt"/>
-                    <a:ea typeface="+mn-ea"/>
-                    <a:cs typeface="+mn-cs"/>
-                  </a:defRPr>
-                </a:lvl1pPr>
-                <a:lvl2pPr marL="685800" indent="-228600" algn="l" defTabSz="914400" rtl="0" eaLnBrk="1" latinLnBrk="0" hangingPunct="1">
-                  <a:lnSpc>
-                    <a:spcPct val="90000"/>
-                  </a:lnSpc>
-                  <a:spcBef>
-                    <a:spcPts val="500"/>
-                  </a:spcBef>
-                  <a:buFont typeface="Arial" panose="020B0604020202020204" pitchFamily="34" charset="0"/>
-                  <a:buChar char="•"/>
-                  <a:defRPr sz="2400" kern="1200">
-                    <a:solidFill>
-                      <a:schemeClr val="tx1"/>
-                    </a:solidFill>
-                    <a:latin typeface="+mn-lt"/>
-                    <a:ea typeface="+mn-ea"/>
-                    <a:cs typeface="+mn-cs"/>
-                  </a:defRPr>
-                </a:lvl2pPr>
-                <a:lvl3pPr marL="1143000" indent="-228600" algn="l" defTabSz="914400" rtl="0" eaLnBrk="1" latinLnBrk="0" hangingPunct="1">
-                  <a:lnSpc>
-                    <a:spcPct val="90000"/>
-                  </a:lnSpc>
-                  <a:spcBef>
-                    <a:spcPts val="500"/>
-                  </a:spcBef>
-                  <a:buFont typeface="Arial" panose="020B0604020202020204" pitchFamily="34" charset="0"/>
-                  <a:buChar char="•"/>
-                  <a:defRPr sz="2000" kern="1200">
-                    <a:solidFill>
-                      <a:schemeClr val="tx1"/>
-                    </a:solidFill>
-                    <a:latin typeface="+mn-lt"/>
-                    <a:ea typeface="+mn-ea"/>
-                    <a:cs typeface="+mn-cs"/>
-                  </a:defRPr>
-                </a:lvl3pPr>
-                <a:lvl4pPr marL="1600200" indent="-228600" algn="l" defTabSz="914400" rtl="0" eaLnBrk="1" latinLnBrk="0" hangingPunct="1">
-                  <a:lnSpc>
-                    <a:spcPct val="90000"/>
-                  </a:lnSpc>
-                  <a:spcBef>
-                    <a:spcPts val="500"/>
-                  </a:spcBef>
-                  <a:buFont typeface="Arial" panose="020B0604020202020204" pitchFamily="34" charset="0"/>
-                  <a:buChar char="•"/>
-                  <a:defRPr sz="1800" kern="1200">
-                    <a:solidFill>
-                      <a:schemeClr val="tx1"/>
-                    </a:solidFill>
-                    <a:latin typeface="+mn-lt"/>
-                    <a:ea typeface="+mn-ea"/>
-                    <a:cs typeface="+mn-cs"/>
-                  </a:defRPr>
-                </a:lvl4pPr>
-                <a:lvl5pPr marL="2057400" indent="-228600" algn="l" defTabSz="914400" rtl="0" eaLnBrk="1" latinLnBrk="0" hangingPunct="1">
-                  <a:lnSpc>
-                    <a:spcPct val="90000"/>
-                  </a:lnSpc>
-                  <a:spcBef>
-                    <a:spcPts val="500"/>
-                  </a:spcBef>
-                  <a:buFont typeface="Arial" panose="020B0604020202020204" pitchFamily="34" charset="0"/>
-                  <a:buChar char="•"/>
-                  <a:defRPr sz="1800" kern="1200">
-                    <a:solidFill>
-                      <a:schemeClr val="tx1"/>
-                    </a:solidFill>
-                    <a:latin typeface="+mn-lt"/>
-                    <a:ea typeface="+mn-ea"/>
-                    <a:cs typeface="+mn-cs"/>
-                  </a:defRPr>
-                </a:lvl5pPr>
-                <a:lvl6pPr marL="2514600" indent="-228600" algn="l" defTabSz="914400" rtl="0" eaLnBrk="1" latinLnBrk="0" hangingPunct="1">
-                  <a:lnSpc>
-                    <a:spcPct val="90000"/>
-                  </a:lnSpc>
-                  <a:spcBef>
-                    <a:spcPts val="500"/>
-                  </a:spcBef>
-                  <a:buFont typeface="Arial" panose="020B0604020202020204" pitchFamily="34" charset="0"/>
-                  <a:buChar char="•"/>
-                  <a:defRPr sz="1800" kern="1200">
-                    <a:solidFill>
-                      <a:schemeClr val="tx1"/>
-                    </a:solidFill>
-                    <a:latin typeface="+mn-lt"/>
-                    <a:ea typeface="+mn-ea"/>
-                    <a:cs typeface="+mn-cs"/>
-                  </a:defRPr>
-                </a:lvl6pPr>
-                <a:lvl7pPr marL="2971800" indent="-228600" algn="l" defTabSz="914400" rtl="0" eaLnBrk="1" latinLnBrk="0" hangingPunct="1">
-                  <a:lnSpc>
-                    <a:spcPct val="90000"/>
-                  </a:lnSpc>
-                  <a:spcBef>
-                    <a:spcPts val="500"/>
-                  </a:spcBef>
-                  <a:buFont typeface="Arial" panose="020B0604020202020204" pitchFamily="34" charset="0"/>
-                  <a:buChar char="•"/>
-                  <a:defRPr sz="1800" kern="1200">
-                    <a:solidFill>
-                      <a:schemeClr val="tx1"/>
-                    </a:solidFill>
-                    <a:latin typeface="+mn-lt"/>
-                    <a:ea typeface="+mn-ea"/>
-                    <a:cs typeface="+mn-cs"/>
-                  </a:defRPr>
-                </a:lvl7pPr>
-                <a:lvl8pPr marL="3429000" indent="-228600" algn="l" defTabSz="914400" rtl="0" eaLnBrk="1" latinLnBrk="0" hangingPunct="1">
-                  <a:lnSpc>
-                    <a:spcPct val="90000"/>
-                  </a:lnSpc>
-                  <a:spcBef>
-                    <a:spcPts val="500"/>
-                  </a:spcBef>
-                  <a:buFont typeface="Arial" panose="020B0604020202020204" pitchFamily="34" charset="0"/>
-                  <a:buChar char="•"/>
-                  <a:defRPr sz="1800" kern="1200">
-                    <a:solidFill>
-                      <a:schemeClr val="tx1"/>
-                    </a:solidFill>
-                    <a:latin typeface="+mn-lt"/>
-                    <a:ea typeface="+mn-ea"/>
-                    <a:cs typeface="+mn-cs"/>
-                  </a:defRPr>
-                </a:lvl8pPr>
-                <a:lvl9pPr marL="3886200" indent="-228600" algn="l" defTabSz="914400" rtl="0" eaLnBrk="1" latinLnBrk="0" hangingPunct="1">
-                  <a:lnSpc>
-                    <a:spcPct val="90000"/>
-                  </a:lnSpc>
-                  <a:spcBef>
-                    <a:spcPts val="500"/>
-                  </a:spcBef>
-                  <a:buFont typeface="Arial" panose="020B0604020202020204" pitchFamily="34" charset="0"/>
-                  <a:buChar char="•"/>
-                  <a:defRPr sz="1800" kern="1200">
-                    <a:solidFill>
-                      <a:schemeClr val="tx1"/>
-                    </a:solidFill>
-                    <a:latin typeface="+mn-lt"/>
-                    <a:ea typeface="+mn-ea"/>
-                    <a:cs typeface="+mn-cs"/>
-                  </a:defRPr>
-                </a:lvl9pPr>
-              </a:lstStyle>
-              <a:p>
-                <a:pPr marL="0" indent="0">
-                  <a:buNone/>
-                </a:pPr>
-                <a:r>
-                  <a:rPr lang="en-GB" sz="1600" dirty="0">
-                    <a:latin typeface="+mj-lt"/>
-                  </a:rPr>
-                  <a:t>For each signal:</a:t>
-                </a:r>
-              </a:p>
-              <a:p>
-                <a:r>
-                  <a:rPr lang="en-GB" sz="1600" dirty="0">
-                    <a:latin typeface="+mj-lt"/>
-                  </a:rPr>
-                  <a:t>On the </a:t>
-                </a:r>
-                <a:r>
-                  <a:rPr lang="en-GB" sz="1600" b="1" dirty="0">
-                    <a:solidFill>
-                      <a:srgbClr val="C00000"/>
-                    </a:solidFill>
-                    <a:latin typeface="+mj-lt"/>
-                  </a:rPr>
-                  <a:t>reference</a:t>
-                </a:r>
-                <a:r>
-                  <a:rPr lang="en-GB" sz="1600" dirty="0">
-                    <a:latin typeface="+mj-lt"/>
-                  </a:rPr>
-                  <a:t> </a:t>
-                </a:r>
-                <a:r>
-                  <a:rPr lang="en-GB" sz="1600" b="1" dirty="0">
-                    <a:solidFill>
-                      <a:srgbClr val="C00000"/>
-                    </a:solidFill>
-                    <a:latin typeface="+mj-lt"/>
-                  </a:rPr>
-                  <a:t>signal</a:t>
-                </a:r>
-                <a:r>
-                  <a:rPr lang="en-GB" sz="1600" dirty="0">
-                    <a:latin typeface="+mj-lt"/>
-                  </a:rPr>
-                  <a:t> find the </a:t>
-                </a:r>
-                <a:r>
-                  <a:rPr lang="en-GB" sz="1600" b="1" dirty="0">
-                    <a:solidFill>
-                      <a:srgbClr val="C00000"/>
-                    </a:solidFill>
-                    <a:latin typeface="+mj-lt"/>
-                  </a:rPr>
-                  <a:t>QRS</a:t>
-                </a:r>
-                <a:r>
-                  <a:rPr lang="en-GB" sz="1600" dirty="0">
-                    <a:latin typeface="+mj-lt"/>
-                  </a:rPr>
-                  <a:t> position</a:t>
-                </a:r>
-              </a:p>
-              <a:p>
-                <a:r>
-                  <a:rPr lang="en-GB" sz="1600" dirty="0">
-                    <a:latin typeface="+mj-lt"/>
-                  </a:rPr>
-                  <a:t>Then switch to the Rov signal:</a:t>
-                </a:r>
-              </a:p>
-              <a:p>
-                <a:pPr lvl="1"/>
-                <a:r>
-                  <a:rPr lang="en-GB" sz="1600" dirty="0">
-                    <a:latin typeface="+mj-lt"/>
-                  </a:rPr>
-                  <a:t>Define a </a:t>
-                </a:r>
-                <a:r>
-                  <a:rPr lang="en-GB" sz="1600" b="1" dirty="0">
-                    <a:solidFill>
-                      <a:srgbClr val="C00000"/>
-                    </a:solidFill>
-                    <a:latin typeface="+mj-lt"/>
-                  </a:rPr>
-                  <a:t>neighbourhood</a:t>
-                </a:r>
-                <a:r>
-                  <a:rPr lang="en-GB" sz="1600" dirty="0">
-                    <a:latin typeface="+mj-lt"/>
-                  </a:rPr>
-                  <a:t> which contains the QRS position (i.e., QRS is the center) </a:t>
-                </a:r>
-              </a:p>
-              <a:p>
-                <a:pPr marL="457200" lvl="1" indent="0">
-                  <a:buNone/>
-                </a:pPr>
-                <a14:m>
-                  <m:oMathPara xmlns:m="http://schemas.openxmlformats.org/officeDocument/2006/math">
-                    <m:oMathParaPr>
-                      <m:jc m:val="centerGroup"/>
-                    </m:oMathParaPr>
-                    <m:oMath xmlns:m="http://schemas.openxmlformats.org/officeDocument/2006/math">
-                      <m:sSup>
-                        <m:sSupPr>
-                          <m:ctrlPr>
-                            <a:rPr lang="it-IT" sz="1600" b="0" i="1" smtClean="0">
-                              <a:solidFill>
-                                <a:schemeClr val="tx2">
-                                  <a:lumMod val="60000"/>
-                                  <a:lumOff val="40000"/>
-                                </a:schemeClr>
-                              </a:solidFill>
-                              <a:latin typeface="Cambria Math" panose="02040503050406030204" pitchFamily="18" charset="0"/>
-                            </a:rPr>
-                          </m:ctrlPr>
-                        </m:sSupPr>
-                        <m:e>
-                          <m:r>
-                            <a:rPr lang="it-IT" sz="1600" b="0" i="1" smtClean="0">
-                              <a:solidFill>
-                                <a:schemeClr val="tx2">
-                                  <a:lumMod val="60000"/>
-                                  <a:lumOff val="40000"/>
-                                </a:schemeClr>
-                              </a:solidFill>
-                              <a:latin typeface="Cambria Math" panose="02040503050406030204" pitchFamily="18" charset="0"/>
-                            </a:rPr>
-                            <m:t>𝑁</m:t>
-                          </m:r>
-                        </m:e>
-                        <m:sup>
-                          <m:r>
-                            <a:rPr lang="it-IT" sz="1600" b="0" i="1" smtClean="0">
-                              <a:solidFill>
-                                <a:schemeClr val="tx2">
-                                  <a:lumMod val="60000"/>
-                                  <a:lumOff val="40000"/>
-                                </a:schemeClr>
-                              </a:solidFill>
-                              <a:latin typeface="Cambria Math" panose="02040503050406030204" pitchFamily="18" charset="0"/>
-                            </a:rPr>
-                            <m:t>𝑄𝑅𝑆</m:t>
-                          </m:r>
-                        </m:sup>
-                      </m:sSup>
-                      <m:r>
-                        <a:rPr lang="it-IT" sz="1600" b="0" i="1" smtClean="0">
-                          <a:solidFill>
-                            <a:schemeClr val="tx2">
-                              <a:lumMod val="60000"/>
-                              <a:lumOff val="40000"/>
-                            </a:schemeClr>
-                          </a:solidFill>
-                          <a:latin typeface="Cambria Math" panose="02040503050406030204" pitchFamily="18" charset="0"/>
-                        </a:rPr>
-                        <m:t>=</m:t>
-                      </m:r>
-                      <m:d>
-                        <m:dPr>
-                          <m:begChr m:val="["/>
-                          <m:endChr m:val="]"/>
-                          <m:ctrlPr>
-                            <a:rPr lang="it-IT" sz="1600" b="0" i="1" smtClean="0">
-                              <a:solidFill>
-                                <a:schemeClr val="tx2">
-                                  <a:lumMod val="60000"/>
-                                  <a:lumOff val="40000"/>
-                                </a:schemeClr>
-                              </a:solidFill>
-                              <a:latin typeface="Cambria Math" panose="02040503050406030204" pitchFamily="18" charset="0"/>
-                            </a:rPr>
-                          </m:ctrlPr>
-                        </m:dPr>
-                        <m:e>
-                          <m:r>
-                            <a:rPr lang="it-IT" sz="1600" b="0" i="1" smtClean="0">
-                              <a:solidFill>
-                                <a:schemeClr val="tx2">
-                                  <a:lumMod val="60000"/>
-                                  <a:lumOff val="40000"/>
-                                </a:schemeClr>
-                              </a:solidFill>
-                              <a:latin typeface="Cambria Math" panose="02040503050406030204" pitchFamily="18" charset="0"/>
-                            </a:rPr>
-                            <m:t>−</m:t>
-                          </m:r>
-                          <m:f>
-                            <m:fPr>
-                              <m:ctrlPr>
-                                <a:rPr lang="it-IT" sz="1600" b="0" i="1" smtClean="0">
-                                  <a:solidFill>
-                                    <a:schemeClr val="tx2">
-                                      <a:lumMod val="60000"/>
-                                      <a:lumOff val="40000"/>
-                                    </a:schemeClr>
-                                  </a:solidFill>
-                                  <a:latin typeface="Cambria Math" panose="02040503050406030204" pitchFamily="18" charset="0"/>
-                                </a:rPr>
-                              </m:ctrlPr>
-                            </m:fPr>
-                            <m:num>
-                              <m:r>
-                                <a:rPr lang="it-IT" sz="1600" b="0" i="1" smtClean="0">
-                                  <a:solidFill>
-                                    <a:schemeClr val="tx2">
-                                      <a:lumMod val="60000"/>
-                                      <a:lumOff val="40000"/>
-                                    </a:schemeClr>
-                                  </a:solidFill>
-                                  <a:latin typeface="Cambria Math" panose="02040503050406030204" pitchFamily="18" charset="0"/>
-                                </a:rPr>
-                                <m:t>1</m:t>
-                              </m:r>
-                            </m:num>
-                            <m:den>
-                              <m:r>
-                                <a:rPr lang="it-IT" sz="1600" b="0" i="1" smtClean="0">
-                                  <a:solidFill>
-                                    <a:schemeClr val="tx2">
-                                      <a:lumMod val="60000"/>
-                                      <a:lumOff val="40000"/>
-                                    </a:schemeClr>
-                                  </a:solidFill>
-                                  <a:latin typeface="Cambria Math" panose="02040503050406030204" pitchFamily="18" charset="0"/>
-                                </a:rPr>
-                                <m:t>2</m:t>
-                              </m:r>
-                            </m:den>
-                          </m:f>
-                          <m:sSub>
-                            <m:sSubPr>
-                              <m:ctrlPr>
-                                <a:rPr lang="it-IT" sz="1600" b="0" i="1" smtClean="0">
-                                  <a:solidFill>
-                                    <a:schemeClr val="tx2">
-                                      <a:lumMod val="60000"/>
-                                      <a:lumOff val="40000"/>
-                                    </a:schemeClr>
-                                  </a:solidFill>
-                                  <a:latin typeface="Cambria Math" panose="02040503050406030204" pitchFamily="18" charset="0"/>
-                                </a:rPr>
-                              </m:ctrlPr>
-                            </m:sSubPr>
-                            <m:e>
-                              <m:r>
-                                <a:rPr lang="it-IT" sz="1600" b="0" i="1" smtClean="0">
-                                  <a:solidFill>
-                                    <a:schemeClr val="tx2">
-                                      <a:lumMod val="60000"/>
-                                      <a:lumOff val="40000"/>
-                                    </a:schemeClr>
-                                  </a:solidFill>
-                                  <a:latin typeface="Cambria Math" panose="02040503050406030204" pitchFamily="18" charset="0"/>
-                                </a:rPr>
-                                <m:t>𝑡</m:t>
-                              </m:r>
-                            </m:e>
-                            <m:sub>
-                              <m:r>
-                                <a:rPr lang="it-IT" sz="1600" b="0" i="1" smtClean="0">
-                                  <a:solidFill>
-                                    <a:schemeClr val="tx2">
-                                      <a:lumMod val="60000"/>
-                                      <a:lumOff val="40000"/>
-                                    </a:schemeClr>
-                                  </a:solidFill>
-                                  <a:latin typeface="Cambria Math" panose="02040503050406030204" pitchFamily="18" charset="0"/>
-                                </a:rPr>
-                                <m:t>𝑤𝑖𝑛𝑑𝑜𝑤</m:t>
-                              </m:r>
-                            </m:sub>
-                          </m:sSub>
-                          <m:r>
-                            <a:rPr lang="it-IT" sz="1600" b="0" i="1" smtClean="0">
-                              <a:solidFill>
-                                <a:schemeClr val="tx2">
-                                  <a:lumMod val="60000"/>
-                                  <a:lumOff val="40000"/>
-                                </a:schemeClr>
-                              </a:solidFill>
-                              <a:latin typeface="Cambria Math" panose="02040503050406030204" pitchFamily="18" charset="0"/>
-                            </a:rPr>
-                            <m:t>,…,</m:t>
-                          </m:r>
-                          <m:sSub>
-                            <m:sSubPr>
-                              <m:ctrlPr>
-                                <a:rPr lang="it-IT" sz="1600" b="0" i="1" smtClean="0">
-                                  <a:solidFill>
-                                    <a:schemeClr val="tx2">
-                                      <a:lumMod val="60000"/>
-                                      <a:lumOff val="40000"/>
-                                    </a:schemeClr>
-                                  </a:solidFill>
-                                  <a:latin typeface="Cambria Math" panose="02040503050406030204" pitchFamily="18" charset="0"/>
-                                </a:rPr>
-                              </m:ctrlPr>
-                            </m:sSubPr>
-                            <m:e>
-                              <m:r>
-                                <a:rPr lang="it-IT" sz="1600" b="0" i="1" smtClean="0">
-                                  <a:solidFill>
-                                    <a:schemeClr val="tx2">
-                                      <a:lumMod val="60000"/>
-                                      <a:lumOff val="40000"/>
-                                    </a:schemeClr>
-                                  </a:solidFill>
-                                  <a:latin typeface="Cambria Math" panose="02040503050406030204" pitchFamily="18" charset="0"/>
-                                </a:rPr>
-                                <m:t>𝑡</m:t>
-                              </m:r>
-                            </m:e>
-                            <m:sub>
-                              <m:r>
-                                <a:rPr lang="it-IT" sz="1600" b="0" i="1" smtClean="0">
-                                  <a:solidFill>
-                                    <a:schemeClr val="tx2">
-                                      <a:lumMod val="60000"/>
-                                      <a:lumOff val="40000"/>
-                                    </a:schemeClr>
-                                  </a:solidFill>
-                                  <a:latin typeface="Cambria Math" panose="02040503050406030204" pitchFamily="18" charset="0"/>
-                                </a:rPr>
-                                <m:t>𝑄𝑅𝑆</m:t>
-                              </m:r>
-                            </m:sub>
-                          </m:sSub>
-                          <m:r>
-                            <a:rPr lang="it-IT" sz="1600" b="0" i="1" smtClean="0">
-                              <a:solidFill>
-                                <a:schemeClr val="tx2">
-                                  <a:lumMod val="60000"/>
-                                  <a:lumOff val="40000"/>
-                                </a:schemeClr>
-                              </a:solidFill>
-                              <a:latin typeface="Cambria Math" panose="02040503050406030204" pitchFamily="18" charset="0"/>
-                            </a:rPr>
-                            <m:t>,…,+</m:t>
-                          </m:r>
-                          <m:f>
-                            <m:fPr>
-                              <m:ctrlPr>
-                                <a:rPr lang="it-IT" sz="1600" b="0" i="1" smtClean="0">
-                                  <a:solidFill>
-                                    <a:schemeClr val="tx2">
-                                      <a:lumMod val="60000"/>
-                                      <a:lumOff val="40000"/>
-                                    </a:schemeClr>
-                                  </a:solidFill>
-                                  <a:latin typeface="Cambria Math" panose="02040503050406030204" pitchFamily="18" charset="0"/>
-                                </a:rPr>
-                              </m:ctrlPr>
-                            </m:fPr>
-                            <m:num>
-                              <m:r>
-                                <a:rPr lang="it-IT" sz="1600" b="0" i="1" smtClean="0">
-                                  <a:solidFill>
-                                    <a:schemeClr val="tx2">
-                                      <a:lumMod val="60000"/>
-                                      <a:lumOff val="40000"/>
-                                    </a:schemeClr>
-                                  </a:solidFill>
-                                  <a:latin typeface="Cambria Math" panose="02040503050406030204" pitchFamily="18" charset="0"/>
-                                </a:rPr>
-                                <m:t>1</m:t>
-                              </m:r>
-                            </m:num>
-                            <m:den>
-                              <m:r>
-                                <a:rPr lang="it-IT" sz="1600" b="0" i="1" smtClean="0">
-                                  <a:solidFill>
-                                    <a:schemeClr val="tx2">
-                                      <a:lumMod val="60000"/>
-                                      <a:lumOff val="40000"/>
-                                    </a:schemeClr>
-                                  </a:solidFill>
-                                  <a:latin typeface="Cambria Math" panose="02040503050406030204" pitchFamily="18" charset="0"/>
-                                </a:rPr>
-                                <m:t>2</m:t>
-                              </m:r>
-                            </m:den>
-                          </m:f>
-                          <m:sSub>
-                            <m:sSubPr>
-                              <m:ctrlPr>
-                                <a:rPr lang="it-IT" sz="1600" b="0" i="1" smtClean="0">
-                                  <a:solidFill>
-                                    <a:schemeClr val="tx2">
-                                      <a:lumMod val="60000"/>
-                                      <a:lumOff val="40000"/>
-                                    </a:schemeClr>
-                                  </a:solidFill>
-                                  <a:latin typeface="Cambria Math" panose="02040503050406030204" pitchFamily="18" charset="0"/>
-                                </a:rPr>
-                              </m:ctrlPr>
-                            </m:sSubPr>
-                            <m:e>
-                              <m:r>
-                                <a:rPr lang="it-IT" sz="1600" b="0" i="1" smtClean="0">
-                                  <a:solidFill>
-                                    <a:schemeClr val="tx2">
-                                      <a:lumMod val="60000"/>
-                                      <a:lumOff val="40000"/>
-                                    </a:schemeClr>
-                                  </a:solidFill>
-                                  <a:latin typeface="Cambria Math" panose="02040503050406030204" pitchFamily="18" charset="0"/>
-                                </a:rPr>
-                                <m:t>𝑡</m:t>
-                              </m:r>
-                            </m:e>
-                            <m:sub>
-                              <m:r>
-                                <a:rPr lang="it-IT" sz="1600" b="0" i="1" smtClean="0">
-                                  <a:solidFill>
-                                    <a:schemeClr val="tx2">
-                                      <a:lumMod val="60000"/>
-                                      <a:lumOff val="40000"/>
-                                    </a:schemeClr>
-                                  </a:solidFill>
-                                  <a:latin typeface="Cambria Math" panose="02040503050406030204" pitchFamily="18" charset="0"/>
-                                </a:rPr>
-                                <m:t>𝑤𝑖𝑛𝑑𝑜𝑤</m:t>
-                              </m:r>
-                            </m:sub>
-                          </m:sSub>
-                        </m:e>
-                      </m:d>
-                    </m:oMath>
-                  </m:oMathPara>
-                </a14:m>
-                <a:endParaRPr lang="en-GB" sz="1600" dirty="0">
-                  <a:latin typeface="+mj-lt"/>
-                </a:endParaRPr>
-              </a:p>
-              <a:p>
-                <a:pPr marL="457200" lvl="1" indent="0">
-                  <a:buNone/>
-                </a:pPr>
-                <a:r>
-                  <a:rPr lang="en-GB" sz="1200" i="1" dirty="0">
-                    <a:latin typeface="+mj-lt"/>
-                  </a:rPr>
-                  <a:t>Where </a:t>
-                </a:r>
-                <a14:m>
-                  <m:oMath xmlns:m="http://schemas.openxmlformats.org/officeDocument/2006/math">
-                    <m:sSub>
-                      <m:sSubPr>
-                        <m:ctrlPr>
-                          <a:rPr lang="it-IT" sz="1200" b="0" i="1" smtClean="0">
-                            <a:solidFill>
-                              <a:schemeClr val="tx2">
-                                <a:lumMod val="60000"/>
-                                <a:lumOff val="40000"/>
-                              </a:schemeClr>
-                            </a:solidFill>
-                            <a:latin typeface="Cambria Math" panose="02040503050406030204" pitchFamily="18" charset="0"/>
-                          </a:rPr>
-                        </m:ctrlPr>
-                      </m:sSubPr>
-                      <m:e>
-                        <m:r>
-                          <a:rPr lang="it-IT" sz="1200" b="0" i="1" smtClean="0">
-                            <a:solidFill>
-                              <a:schemeClr val="tx2">
-                                <a:lumMod val="60000"/>
-                                <a:lumOff val="40000"/>
-                              </a:schemeClr>
-                            </a:solidFill>
-                            <a:latin typeface="Cambria Math" panose="02040503050406030204" pitchFamily="18" charset="0"/>
-                          </a:rPr>
-                          <m:t>𝑡</m:t>
-                        </m:r>
-                      </m:e>
-                      <m:sub>
-                        <m:r>
-                          <a:rPr lang="it-IT" sz="1200" b="0" i="1" smtClean="0">
-                            <a:solidFill>
-                              <a:schemeClr val="tx2">
-                                <a:lumMod val="60000"/>
-                                <a:lumOff val="40000"/>
-                              </a:schemeClr>
-                            </a:solidFill>
-                            <a:latin typeface="Cambria Math" panose="02040503050406030204" pitchFamily="18" charset="0"/>
-                          </a:rPr>
-                          <m:t>𝑤𝑖𝑛𝑑𝑜𝑤</m:t>
-                        </m:r>
-                      </m:sub>
-                    </m:sSub>
-                  </m:oMath>
-                </a14:m>
-                <a:r>
-                  <a:rPr lang="en-GB" sz="1200" i="1" dirty="0">
-                    <a:latin typeface="+mj-lt"/>
-                  </a:rPr>
-                  <a:t> is the window of time into which searching for the maximum </a:t>
-                </a:r>
-              </a:p>
-              <a:p>
-                <a:pPr lvl="1"/>
-                <a:r>
-                  <a:rPr lang="en-GB" sz="1600" dirty="0">
-                    <a:latin typeface="+mj-lt"/>
-                  </a:rPr>
-                  <a:t>Find the </a:t>
-                </a:r>
-                <a:r>
-                  <a:rPr lang="en-GB" sz="1600" b="1" dirty="0">
-                    <a:solidFill>
-                      <a:srgbClr val="C00000"/>
-                    </a:solidFill>
-                    <a:latin typeface="+mj-lt"/>
-                  </a:rPr>
-                  <a:t>maximum</a:t>
-                </a:r>
-                <a:r>
-                  <a:rPr lang="en-GB" sz="1600" dirty="0">
-                    <a:latin typeface="+mj-lt"/>
-                  </a:rPr>
-                  <a:t> of the neighbourhood </a:t>
-                </a:r>
-              </a:p>
-              <a:p>
-                <a:pPr lvl="1"/>
-                <a:r>
-                  <a:rPr lang="en-GB" sz="1600" dirty="0">
-                    <a:latin typeface="+mj-lt"/>
-                  </a:rPr>
-                  <a:t>Compute the </a:t>
-                </a:r>
-                <a:r>
-                  <a:rPr lang="en-GB" sz="1600" b="1" dirty="0">
-                    <a:solidFill>
-                      <a:srgbClr val="0070C0"/>
-                    </a:solidFill>
-                    <a:latin typeface="+mj-lt"/>
-                  </a:rPr>
-                  <a:t>distance</a:t>
-                </a:r>
-                <a:r>
-                  <a:rPr lang="en-GB" sz="1600" dirty="0">
-                    <a:latin typeface="+mj-lt"/>
-                  </a:rPr>
-                  <a:t>: </a:t>
-                </a:r>
-              </a:p>
-              <a:p>
-                <a:pPr marL="457200" lvl="1" indent="0">
-                  <a:buNone/>
-                </a:pPr>
-                <a14:m>
-                  <m:oMathPara xmlns:m="http://schemas.openxmlformats.org/officeDocument/2006/math">
-                    <m:oMathParaPr>
-                      <m:jc m:val="centerGroup"/>
-                    </m:oMathParaPr>
-                    <m:oMath xmlns:m="http://schemas.openxmlformats.org/officeDocument/2006/math">
-                      <m:r>
-                        <a:rPr lang="it-IT" sz="1600" b="0" i="1" smtClean="0">
-                          <a:solidFill>
-                            <a:schemeClr val="tx2">
-                              <a:lumMod val="60000"/>
-                              <a:lumOff val="40000"/>
-                            </a:schemeClr>
-                          </a:solidFill>
-                          <a:latin typeface="Cambria Math" panose="02040503050406030204" pitchFamily="18" charset="0"/>
-                        </a:rPr>
-                        <m:t>𝑑</m:t>
-                      </m:r>
-                      <m:r>
-                        <a:rPr lang="it-IT" sz="1600" b="0" i="1" smtClean="0">
-                          <a:solidFill>
-                            <a:schemeClr val="tx2">
-                              <a:lumMod val="60000"/>
-                              <a:lumOff val="40000"/>
-                            </a:schemeClr>
-                          </a:solidFill>
-                          <a:latin typeface="Cambria Math" panose="02040503050406030204" pitchFamily="18" charset="0"/>
-                        </a:rPr>
-                        <m:t>=</m:t>
-                      </m:r>
-                      <m:r>
-                        <a:rPr lang="it-IT" sz="1600" b="0" i="1" smtClean="0">
-                          <a:solidFill>
-                            <a:schemeClr val="tx2">
-                              <a:lumMod val="60000"/>
-                              <a:lumOff val="40000"/>
-                            </a:schemeClr>
-                          </a:solidFill>
-                          <a:latin typeface="Cambria Math" panose="02040503050406030204" pitchFamily="18" charset="0"/>
-                        </a:rPr>
-                        <m:t>𝑄𝑅</m:t>
-                      </m:r>
-                      <m:sSub>
-                        <m:sSubPr>
-                          <m:ctrlPr>
-                            <a:rPr lang="it-IT" sz="1600" b="0" i="1" smtClean="0">
-                              <a:solidFill>
-                                <a:schemeClr val="tx2">
-                                  <a:lumMod val="60000"/>
-                                  <a:lumOff val="40000"/>
-                                </a:schemeClr>
-                              </a:solidFill>
-                              <a:latin typeface="Cambria Math" panose="02040503050406030204" pitchFamily="18" charset="0"/>
-                            </a:rPr>
-                          </m:ctrlPr>
-                        </m:sSubPr>
-                        <m:e>
-                          <m:r>
-                            <a:rPr lang="it-IT" sz="1600" b="0" i="1" smtClean="0">
-                              <a:solidFill>
-                                <a:schemeClr val="tx2">
-                                  <a:lumMod val="60000"/>
-                                  <a:lumOff val="40000"/>
-                                </a:schemeClr>
-                              </a:solidFill>
-                              <a:latin typeface="Cambria Math" panose="02040503050406030204" pitchFamily="18" charset="0"/>
-                            </a:rPr>
-                            <m:t>𝑆</m:t>
-                          </m:r>
-                        </m:e>
-                        <m:sub>
-                          <m:r>
-                            <a:rPr lang="it-IT" sz="1600" b="0" i="1" smtClean="0">
-                              <a:solidFill>
-                                <a:schemeClr val="tx2">
-                                  <a:lumMod val="60000"/>
-                                  <a:lumOff val="40000"/>
-                                </a:schemeClr>
-                              </a:solidFill>
-                              <a:latin typeface="Cambria Math" panose="02040503050406030204" pitchFamily="18" charset="0"/>
-                            </a:rPr>
-                            <m:t>𝑝𝑜𝑠</m:t>
-                          </m:r>
-                        </m:sub>
-                      </m:sSub>
-                      <m:r>
-                        <a:rPr lang="it-IT" sz="1600" b="0" i="1" smtClean="0">
-                          <a:solidFill>
-                            <a:schemeClr val="tx2">
-                              <a:lumMod val="60000"/>
-                              <a:lumOff val="40000"/>
-                            </a:schemeClr>
-                          </a:solidFill>
-                          <a:latin typeface="Cambria Math" panose="02040503050406030204" pitchFamily="18" charset="0"/>
-                        </a:rPr>
-                        <m:t>−</m:t>
-                      </m:r>
-                      <m:r>
-                        <a:rPr lang="it-IT" sz="1600" b="0" i="1" smtClean="0">
-                          <a:solidFill>
-                            <a:schemeClr val="tx2">
-                              <a:lumMod val="60000"/>
-                              <a:lumOff val="40000"/>
-                            </a:schemeClr>
-                          </a:solidFill>
-                          <a:latin typeface="Cambria Math" panose="02040503050406030204" pitchFamily="18" charset="0"/>
-                        </a:rPr>
-                        <m:t>𝑀𝑎𝑥</m:t>
-                      </m:r>
-                      <m:sSub>
-                        <m:sSubPr>
-                          <m:ctrlPr>
-                            <a:rPr lang="it-IT" sz="1600" b="0" i="1" smtClean="0">
-                              <a:solidFill>
-                                <a:schemeClr val="tx2">
-                                  <a:lumMod val="60000"/>
-                                  <a:lumOff val="40000"/>
-                                </a:schemeClr>
-                              </a:solidFill>
-                              <a:latin typeface="Cambria Math" panose="02040503050406030204" pitchFamily="18" charset="0"/>
-                            </a:rPr>
-                          </m:ctrlPr>
-                        </m:sSubPr>
-                        <m:e>
-                          <m:d>
-                            <m:dPr>
-                              <m:ctrlPr>
-                                <a:rPr lang="it-IT" sz="1600" b="0" i="1" smtClean="0">
-                                  <a:solidFill>
-                                    <a:schemeClr val="tx2">
-                                      <a:lumMod val="60000"/>
-                                      <a:lumOff val="40000"/>
-                                    </a:schemeClr>
-                                  </a:solidFill>
-                                  <a:latin typeface="Cambria Math" panose="02040503050406030204" pitchFamily="18" charset="0"/>
-                                </a:rPr>
-                              </m:ctrlPr>
-                            </m:dPr>
-                            <m:e>
-                              <m:r>
-                                <a:rPr lang="it-IT" sz="1600" b="0" i="1" smtClean="0">
-                                  <a:solidFill>
-                                    <a:schemeClr val="tx2">
-                                      <a:lumMod val="60000"/>
-                                      <a:lumOff val="40000"/>
-                                    </a:schemeClr>
-                                  </a:solidFill>
-                                  <a:latin typeface="Cambria Math" panose="02040503050406030204" pitchFamily="18" charset="0"/>
-                                </a:rPr>
-                                <m:t>𝑁𝑒𝑖𝑔h𝑏𝑜𝑢𝑟h𝑜𝑜𝑑</m:t>
-                              </m:r>
-                            </m:e>
-                          </m:d>
-                        </m:e>
-                        <m:sub>
-                          <m:r>
-                            <a:rPr lang="it-IT" sz="1600" b="0" i="1" smtClean="0">
-                              <a:solidFill>
-                                <a:schemeClr val="tx2">
-                                  <a:lumMod val="60000"/>
-                                  <a:lumOff val="40000"/>
-                                </a:schemeClr>
-                              </a:solidFill>
-                              <a:latin typeface="Cambria Math" panose="02040503050406030204" pitchFamily="18" charset="0"/>
-                            </a:rPr>
-                            <m:t>𝑝𝑜𝑠</m:t>
-                          </m:r>
-                        </m:sub>
-                      </m:sSub>
-                    </m:oMath>
-                  </m:oMathPara>
-                </a14:m>
-                <a:endParaRPr lang="en-GB" sz="1600" dirty="0">
-                  <a:solidFill>
-                    <a:schemeClr val="tx2">
-                      <a:lumMod val="60000"/>
-                      <a:lumOff val="40000"/>
-                    </a:schemeClr>
-                  </a:solidFill>
-                  <a:latin typeface="+mj-lt"/>
-                </a:endParaRPr>
-              </a:p>
-              <a:p>
-                <a:pPr lvl="1"/>
-                <a:r>
-                  <a:rPr lang="en-GB" sz="1600" dirty="0">
-                    <a:latin typeface="+mj-lt"/>
-                  </a:rPr>
-                  <a:t>If the </a:t>
-                </a:r>
-                <a:r>
-                  <a:rPr lang="en-GB" sz="1600" b="1" dirty="0">
-                    <a:solidFill>
-                      <a:srgbClr val="0070C0"/>
-                    </a:solidFill>
-                    <a:latin typeface="+mj-lt"/>
-                  </a:rPr>
-                  <a:t>distance</a:t>
-                </a:r>
-                <a:r>
-                  <a:rPr lang="en-GB" sz="1600" dirty="0">
-                    <a:latin typeface="+mj-lt"/>
-                  </a:rPr>
-                  <a:t> is negative:</a:t>
-                </a:r>
-              </a:p>
-              <a:p>
-                <a:pPr lvl="2"/>
-                <a:r>
-                  <a:rPr lang="en-GB" sz="1200" dirty="0">
-                    <a:latin typeface="+mj-lt"/>
-                  </a:rPr>
-                  <a:t>The QRS is before the maximum </a:t>
-                </a:r>
-                <a:r>
-                  <a:rPr lang="en-GB" sz="1200" dirty="0">
-                    <a:latin typeface="+mj-lt"/>
-                    <a:sym typeface="Wingdings" panose="05000000000000000000" pitchFamily="2" charset="2"/>
-                  </a:rPr>
-                  <a:t> Nan-padding at the end of the signal</a:t>
-                </a:r>
-              </a:p>
-              <a:p>
-                <a:pPr lvl="2"/>
-                <a:endParaRPr lang="en-GB" sz="1000" dirty="0">
-                  <a:latin typeface="+mj-lt"/>
-                  <a:sym typeface="Wingdings" panose="05000000000000000000" pitchFamily="2" charset="2"/>
-                </a:endParaRPr>
-              </a:p>
-              <a:p>
-                <a:pPr lvl="1"/>
-                <a:r>
-                  <a:rPr lang="en-GB" sz="1600" dirty="0">
-                    <a:latin typeface="+mj-lt"/>
-                    <a:sym typeface="Wingdings" panose="05000000000000000000" pitchFamily="2" charset="2"/>
-                  </a:rPr>
-                  <a:t>If the </a:t>
-                </a:r>
-                <a:r>
-                  <a:rPr lang="en-GB" sz="1600" b="1" dirty="0">
-                    <a:solidFill>
-                      <a:srgbClr val="0070C0"/>
-                    </a:solidFill>
-                    <a:latin typeface="+mj-lt"/>
-                    <a:sym typeface="Wingdings" panose="05000000000000000000" pitchFamily="2" charset="2"/>
-                  </a:rPr>
-                  <a:t>distance</a:t>
-                </a:r>
-                <a:r>
-                  <a:rPr lang="en-GB" sz="1600" dirty="0">
-                    <a:latin typeface="+mj-lt"/>
-                    <a:sym typeface="Wingdings" panose="05000000000000000000" pitchFamily="2" charset="2"/>
-                  </a:rPr>
-                  <a:t> is positive</a:t>
-                </a:r>
-              </a:p>
-              <a:p>
-                <a:pPr lvl="2"/>
-                <a:r>
-                  <a:rPr lang="en-GB" sz="1200" dirty="0">
-                    <a:latin typeface="+mj-lt"/>
-                    <a:sym typeface="Wingdings" panose="05000000000000000000" pitchFamily="2" charset="2"/>
-                  </a:rPr>
-                  <a:t>The QRS is after the maximum  Nan-padding on top of the signal </a:t>
-                </a:r>
-                <a:endParaRPr lang="en-GB" sz="1200" dirty="0">
-                  <a:latin typeface="+mj-lt"/>
-                </a:endParaRPr>
-              </a:p>
-              <a:p>
-                <a:pPr lvl="1"/>
-                <a:endParaRPr lang="en-GB" sz="1200" dirty="0">
-                  <a:latin typeface="+mj-lt"/>
-                </a:endParaRPr>
-              </a:p>
-              <a:p>
-                <a:pPr marL="0" indent="0">
-                  <a:buNone/>
-                </a:pPr>
-                <a:endParaRPr lang="en-GB" sz="1600" dirty="0">
-                  <a:latin typeface="+mj-lt"/>
-                </a:endParaRPr>
-              </a:p>
-            </p:txBody>
-          </p:sp>
-        </mc:Choice>
-        <mc:Fallback xmlns="">
-          <p:sp>
-            <p:nvSpPr>
-              <p:cNvPr id="6" name="Segnaposto contenuto 2">
-                <a:extLst>
-                  <a:ext uri="{FF2B5EF4-FFF2-40B4-BE49-F238E27FC236}">
-                    <a16:creationId xmlns:a16="http://schemas.microsoft.com/office/drawing/2014/main" id="{D9704C79-DF15-E314-C934-557E33389704}"/>
-                  </a:ext>
-                </a:extLst>
-              </p:cNvPr>
-              <p:cNvSpPr txBox="1">
-                <a:spLocks noRot="1" noChangeAspect="1" noMove="1" noResize="1" noEditPoints="1" noAdjustHandles="1" noChangeArrowheads="1" noChangeShapeType="1" noTextEdit="1"/>
-              </p:cNvSpPr>
-              <p:nvPr/>
-            </p:nvSpPr>
-            <p:spPr>
-              <a:xfrm>
-                <a:off x="342103" y="1432423"/>
-                <a:ext cx="5455194" cy="4712345"/>
-              </a:xfrm>
-              <a:prstGeom prst="rect">
-                <a:avLst/>
-              </a:prstGeom>
-              <a:blipFill>
-                <a:blip r:embed="rId5"/>
-                <a:stretch>
-                  <a:fillRect l="-559" t="-906" r="-670"/>
-                </a:stretch>
-              </a:blipFill>
-            </p:spPr>
-            <p:txBody>
-              <a:bodyPr/>
-              <a:lstStyle/>
-              <a:p>
-                <a:r>
-                  <a:rPr lang="it-IT">
-                    <a:noFill/>
-                  </a:rPr>
-                  <a:t> </a:t>
-                </a:r>
-              </a:p>
-            </p:txBody>
-          </p:sp>
-        </mc:Fallback>
-      </mc:AlternateContent>
-      <p:pic>
-        <p:nvPicPr>
-          <p:cNvPr id="3" name="Example_of_alignment">
-            <a:hlinkClick r:id="" action="ppaction://media"/>
-            <a:extLst>
-              <a:ext uri="{FF2B5EF4-FFF2-40B4-BE49-F238E27FC236}">
-                <a16:creationId xmlns:a16="http://schemas.microsoft.com/office/drawing/2014/main" id="{5DBC852E-D997-BB2D-B497-BFA6CA24C4D2}"/>
-              </a:ext>
-            </a:extLst>
-          </p:cNvPr>
-          <p:cNvPicPr>
-            <a:picLocks noChangeAspect="1"/>
-          </p:cNvPicPr>
-          <p:nvPr>
-            <a:videoFile r:link="rId2"/>
-            <p:extLst>
-              <p:ext uri="{DAA4B4D4-6D71-4841-9C94-3DE7FCFB9230}">
-                <p14:media xmlns:p14="http://schemas.microsoft.com/office/powerpoint/2010/main" r:embed="rId1"/>
-              </p:ext>
-            </p:extLst>
-          </p:nvPr>
-        </p:nvPicPr>
-        <p:blipFill rotWithShape="1">
-          <a:blip r:embed="rId6"/>
-          <a:srcRect l="18978" t="579" r="18555" b="-405"/>
-          <a:stretch/>
-        </p:blipFill>
-        <p:spPr>
-          <a:xfrm>
-            <a:off x="7075360" y="1573676"/>
-            <a:ext cx="4149471" cy="3710647"/>
-          </a:xfrm>
-          <a:prstGeom prst="rect">
-            <a:avLst/>
-          </a:prstGeom>
-        </p:spPr>
-      </p:pic>
-      <p:sp>
-        <p:nvSpPr>
-          <p:cNvPr id="5" name="Rettangolo con angoli arrotondati 4">
-            <a:extLst>
-              <a:ext uri="{FF2B5EF4-FFF2-40B4-BE49-F238E27FC236}">
-                <a16:creationId xmlns:a16="http://schemas.microsoft.com/office/drawing/2014/main" id="{B6A4A2D4-B8E4-BD84-D2FA-5C85DFE89FB0}"/>
-              </a:ext>
-            </a:extLst>
-          </p:cNvPr>
-          <p:cNvSpPr/>
-          <p:nvPr/>
-        </p:nvSpPr>
-        <p:spPr>
-          <a:xfrm>
-            <a:off x="7075360" y="5535278"/>
-            <a:ext cx="2066544" cy="612648"/>
-          </a:xfrm>
-          <a:prstGeom prst="roundRect">
-            <a:avLst/>
-          </a:prstGeom>
-        </p:spPr>
-        <p:style>
-          <a:lnRef idx="1">
-            <a:schemeClr val="accent4"/>
-          </a:lnRef>
-          <a:fillRef idx="2">
-            <a:schemeClr val="accent4"/>
-          </a:fillRef>
-          <a:effectRef idx="1">
-            <a:schemeClr val="accent4"/>
-          </a:effectRef>
-          <a:fontRef idx="minor">
-            <a:schemeClr val="dk1"/>
-          </a:fontRef>
-        </p:style>
-        <p:txBody>
-          <a:bodyPr rtlCol="0" anchor="ctr"/>
-          <a:lstStyle/>
-          <a:p>
-            <a:r>
-              <a:rPr lang="en-GB" sz="1600" b="1" dirty="0">
-                <a:solidFill>
-                  <a:schemeClr val="accent1"/>
-                </a:solidFill>
-                <a:latin typeface="+mj-lt"/>
-              </a:rPr>
-              <a:t>Hyperparameters</a:t>
-            </a:r>
-          </a:p>
-          <a:p>
-            <a:r>
-              <a:rPr lang="en-GB" sz="1600" dirty="0">
-                <a:latin typeface="+mj-lt"/>
-              </a:rPr>
-              <a:t>Time window: 0.01 s</a:t>
-            </a:r>
+            <a:endParaRPr lang="en-US" dirty="0"/>
           </a:p>
         </p:txBody>
       </p:sp>
     </p:spTree>
     <p:extLst>
       <p:ext uri="{BB962C8B-B14F-4D97-AF65-F5344CB8AC3E}">
-        <p14:creationId xmlns:p14="http://schemas.microsoft.com/office/powerpoint/2010/main" val="4269913508"/>
+        <p14:creationId xmlns:p14="http://schemas.microsoft.com/office/powerpoint/2010/main" val="3644399639"/>
       </p:ext>
     </p:extLst>
   </p:cSld>
   <p:clrMapOvr>
     <a:masterClrMapping/>
   </p:clrMapOvr>
-  <p:timing>
-    <p:tnLst>
-      <p:par>
-        <p:cTn id="1" dur="indefinite" restart="never" nodeType="tmRoot">
-          <p:childTnLst>
-            <p:seq concurrent="1" nextAc="seek">
-              <p:cTn id="2" dur="indefinite" nodeType="mainSeq">
-                <p:childTnLst>
-                  <p:par>
-                    <p:cTn id="3" fill="hold">
-                      <p:stCondLst>
-                        <p:cond delay="indefinite"/>
-                        <p:cond evt="onBegin" delay="0">
-                          <p:tn val="2"/>
-                        </p:cond>
-                      </p:stCondLst>
-                      <p:childTnLst>
-                        <p:par>
-                          <p:cTn id="4" fill="hold">
-                            <p:stCondLst>
-                              <p:cond delay="0"/>
-                            </p:stCondLst>
-                            <p:childTnLst>
-                              <p:par>
-                                <p:cTn id="5" presetID="1" presetClass="mediacall" presetSubtype="0" fill="hold" nodeType="afterEffect">
-                                  <p:stCondLst>
-                                    <p:cond delay="0"/>
-                                  </p:stCondLst>
-                                  <p:childTnLst>
-                                    <p:cmd type="call" cmd="playFrom(0.0)">
-                                      <p:cBhvr>
-                                        <p:cTn id="6" dur="10500" fill="hold"/>
-                                        <p:tgtEl>
-                                          <p:spTgt spid="3"/>
-                                        </p:tgtEl>
-                                      </p:cBhvr>
-                                    </p:cmd>
-                                  </p:childTnLst>
-                                </p:cTn>
-                              </p:par>
-                            </p:childTnLst>
-                          </p:cTn>
-                        </p:par>
-                      </p:childTnLst>
-                    </p:cTn>
-                  </p:par>
-                </p:childTnLst>
-              </p:cTn>
-              <p:prevCondLst>
-                <p:cond evt="onPrev" delay="0">
-                  <p:tgtEl>
-                    <p:sldTgt/>
-                  </p:tgtEl>
-                </p:cond>
-              </p:prevCondLst>
-              <p:nextCondLst>
-                <p:cond evt="onNext" delay="0">
-                  <p:tgtEl>
-                    <p:sldTgt/>
-                  </p:tgtEl>
-                </p:cond>
-              </p:nextCondLst>
-            </p:seq>
-            <p:video>
-              <p:cMediaNode vol="80000" mute="1">
-                <p:cTn id="7" repeatCount="indefinite" fill="hold" display="0">
-                  <p:stCondLst>
-                    <p:cond delay="indefinite"/>
-                  </p:stCondLst>
-                </p:cTn>
-                <p:tgtEl>
-                  <p:spTgt spid="3"/>
-                </p:tgtEl>
-              </p:cMediaNode>
-            </p:video>
-            <p:seq concurrent="1" nextAc="seek">
-              <p:cTn id="8" restart="whenNotActive" fill="hold" evtFilter="cancelBubble" nodeType="interactiveSeq">
-                <p:stCondLst>
-                  <p:cond evt="onClick" delay="0">
-                    <p:tgtEl>
-                      <p:spTgt spid="3"/>
-                    </p:tgtEl>
-                  </p:cond>
-                </p:stCondLst>
-                <p:endSync evt="end" delay="0">
-                  <p:rtn val="all"/>
-                </p:endSync>
-                <p:childTnLst>
-                  <p:par>
-                    <p:cTn id="9" fill="hold">
-                      <p:stCondLst>
-                        <p:cond delay="0"/>
-                      </p:stCondLst>
-                      <p:childTnLst>
-                        <p:par>
-                          <p:cTn id="10" fill="hold">
-                            <p:stCondLst>
-                              <p:cond delay="0"/>
-                            </p:stCondLst>
-                            <p:childTnLst>
-                              <p:par>
-                                <p:cTn id="11" presetID="2" presetClass="mediacall" presetSubtype="0" fill="hold" nodeType="clickEffect">
-                                  <p:stCondLst>
-                                    <p:cond delay="0"/>
-                                  </p:stCondLst>
-                                  <p:childTnLst>
-                                    <p:cmd type="call" cmd="togglePause">
-                                      <p:cBhvr>
-                                        <p:cTn id="12" dur="1" fill="hold"/>
-                                        <p:tgtEl>
-                                          <p:spTgt spid="3"/>
-                                        </p:tgtEl>
-                                      </p:cBhvr>
-                                    </p:cmd>
-                                  </p:childTnLst>
-                                </p:cTn>
-                              </p:par>
-                            </p:childTnLst>
-                          </p:cTn>
-                        </p:par>
-                      </p:childTnLst>
-                    </p:cTn>
-                  </p:par>
-                </p:childTnLst>
-              </p:cTn>
-              <p:nextCondLst>
-                <p:cond evt="onClick" delay="0">
-                  <p:tgtEl>
-                    <p:spTgt spid="3"/>
-                  </p:tgtEl>
-                </p:cond>
-              </p:nextCondLst>
-            </p:seq>
-          </p:childTnLst>
-        </p:cTn>
-      </p:par>
-    </p:tnLst>
-  </p:timing>
 </p:sld>
 </file>
 
